--- a/pres.pptx
+++ b/pres.pptx
@@ -4935,6 +4935,35 @@
           <a:chExt cx="0" cy="0"/>
         </a:xfrm>
       </p:grpSpPr>
+      <p:pic>
+        <p:nvPicPr>
+          <p:cNvPr id="8" name="Picture 7" descr="Chart, treemap chart&#10;&#10;Description automatically generated">
+            <a:extLst>
+              <a:ext uri="{FF2B5EF4-FFF2-40B4-BE49-F238E27FC236}">
+                <a16:creationId xmlns:a16="http://schemas.microsoft.com/office/drawing/2014/main" id="{7AF8D256-2904-A34F-9605-60C429C2DEA8}"/>
+              </a:ext>
+            </a:extLst>
+          </p:cNvPr>
+          <p:cNvPicPr>
+            <a:picLocks noChangeAspect="1"/>
+          </p:cNvPicPr>
+          <p:nvPr/>
+        </p:nvPicPr>
+        <p:blipFill rotWithShape="1">
+          <a:blip r:embed="rId2"/>
+          <a:srcRect l="2522" r="5680" b="1986"/>
+          <a:stretch/>
+        </p:blipFill>
+        <p:spPr>
+          <a:xfrm>
+            <a:off x="382248" y="725482"/>
+            <a:ext cx="7345181" cy="6074440"/>
+          </a:xfrm>
+          <a:prstGeom prst="rect">
+            <a:avLst/>
+          </a:prstGeom>
+        </p:spPr>
+      </p:pic>
       <p:sp>
         <p:nvSpPr>
           <p:cNvPr id="2" name="Title 1">
@@ -4951,14 +4980,19 @@
             <p:ph type="title"/>
           </p:nvPr>
         </p:nvSpPr>
-        <p:spPr/>
+        <p:spPr>
+          <a:xfrm>
+            <a:off x="0" y="-208913"/>
+            <a:ext cx="10515600" cy="1325563"/>
+          </a:xfrm>
+        </p:spPr>
         <p:txBody>
           <a:bodyPr/>
           <a:lstStyle/>
           <a:p>
             <a:r>
               <a:rPr lang="en-US" dirty="0"/>
-              <a:t>Nonessential  </a:t>
+              <a:t>VI. Nonessential  </a:t>
             </a:r>
           </a:p>
         </p:txBody>
@@ -4978,7 +5012,7 @@
           <p:nvPr/>
         </p:nvPicPr>
         <p:blipFill>
-          <a:blip r:embed="rId2"/>
+          <a:blip r:embed="rId3"/>
           <a:stretch>
             <a:fillRect/>
           </a:stretch>
@@ -4993,6 +5027,94 @@
           </a:prstGeom>
         </p:spPr>
       </p:pic>
+      <p:cxnSp>
+        <p:nvCxnSpPr>
+          <p:cNvPr id="10" name="Straight Arrow Connector 9">
+            <a:extLst>
+              <a:ext uri="{FF2B5EF4-FFF2-40B4-BE49-F238E27FC236}">
+                <a16:creationId xmlns:a16="http://schemas.microsoft.com/office/drawing/2014/main" id="{FA96A26A-9756-6146-9C6D-4DD882B7808B}"/>
+              </a:ext>
+            </a:extLst>
+          </p:cNvPr>
+          <p:cNvCxnSpPr/>
+          <p:nvPr/>
+        </p:nvCxnSpPr>
+        <p:spPr>
+          <a:xfrm flipH="1">
+            <a:off x="2428407" y="453868"/>
+            <a:ext cx="7884826" cy="5722080"/>
+          </a:xfrm>
+          <a:prstGeom prst="straightConnector1">
+            <a:avLst/>
+          </a:prstGeom>
+          <a:ln w="19050">
+            <a:solidFill>
+              <a:srgbClr val="FFFF00"/>
+            </a:solidFill>
+            <a:prstDash val="sysDot"/>
+            <a:tailEnd type="triangle"/>
+          </a:ln>
+        </p:spPr>
+        <p:style>
+          <a:lnRef idx="1">
+            <a:schemeClr val="accent6"/>
+          </a:lnRef>
+          <a:fillRef idx="0">
+            <a:schemeClr val="accent6"/>
+          </a:fillRef>
+          <a:effectRef idx="0">
+            <a:schemeClr val="accent6"/>
+          </a:effectRef>
+          <a:fontRef idx="minor">
+            <a:schemeClr val="tx1"/>
+          </a:fontRef>
+        </p:style>
+      </p:cxnSp>
+      <p:cxnSp>
+        <p:nvCxnSpPr>
+          <p:cNvPr id="11" name="Straight Arrow Connector 10">
+            <a:extLst>
+              <a:ext uri="{FF2B5EF4-FFF2-40B4-BE49-F238E27FC236}">
+                <a16:creationId xmlns:a16="http://schemas.microsoft.com/office/drawing/2014/main" id="{D527C385-2196-5C43-AE49-59592C24157C}"/>
+              </a:ext>
+            </a:extLst>
+          </p:cNvPr>
+          <p:cNvCxnSpPr>
+            <a:cxnSpLocks/>
+          </p:cNvCxnSpPr>
+          <p:nvPr/>
+        </p:nvCxnSpPr>
+        <p:spPr>
+          <a:xfrm flipH="1">
+            <a:off x="1139253" y="453868"/>
+            <a:ext cx="9173980" cy="1195050"/>
+          </a:xfrm>
+          <a:prstGeom prst="straightConnector1">
+            <a:avLst/>
+          </a:prstGeom>
+          <a:ln w="19050">
+            <a:solidFill>
+              <a:srgbClr val="FFFF00"/>
+            </a:solidFill>
+            <a:prstDash val="sysDot"/>
+            <a:tailEnd type="triangle"/>
+          </a:ln>
+        </p:spPr>
+        <p:style>
+          <a:lnRef idx="1">
+            <a:schemeClr val="accent6"/>
+          </a:lnRef>
+          <a:fillRef idx="0">
+            <a:schemeClr val="accent6"/>
+          </a:fillRef>
+          <a:effectRef idx="0">
+            <a:schemeClr val="accent6"/>
+          </a:effectRef>
+          <a:fontRef idx="minor">
+            <a:schemeClr val="tx1"/>
+          </a:fontRef>
+        </p:style>
+      </p:cxnSp>
     </p:spTree>
     <p:extLst>
       <p:ext uri="{BB962C8B-B14F-4D97-AF65-F5344CB8AC3E}">
@@ -5080,7 +5202,7 @@
           <a:p>
             <a:r>
               <a:rPr lang="en-US" dirty="0"/>
-              <a:t>Outliers  </a:t>
+              <a:t>VII. Outliers  </a:t>
             </a:r>
           </a:p>
         </p:txBody>
@@ -5622,45 +5744,12 @@
           <a:chExt cx="0" cy="0"/>
         </a:xfrm>
       </p:grpSpPr>
-      <p:sp>
-        <p:nvSpPr>
-          <p:cNvPr id="2" name="Title 1">
-            <a:extLst>
-              <a:ext uri="{FF2B5EF4-FFF2-40B4-BE49-F238E27FC236}">
-                <a16:creationId xmlns:a16="http://schemas.microsoft.com/office/drawing/2014/main" id="{0C084886-D550-0448-A88B-9773F3BC4EE9}"/>
-              </a:ext>
-            </a:extLst>
-          </p:cNvPr>
-          <p:cNvSpPr>
-            <a:spLocks noGrp="1"/>
-          </p:cNvSpPr>
-          <p:nvPr>
-            <p:ph type="title"/>
-          </p:nvPr>
-        </p:nvSpPr>
-        <p:spPr>
-          <a:xfrm>
-            <a:off x="0" y="-278311"/>
-            <a:ext cx="10515600" cy="1325563"/>
-          </a:xfrm>
-        </p:spPr>
-        <p:txBody>
-          <a:bodyPr/>
-          <a:lstStyle/>
-          <a:p>
-            <a:r>
-              <a:rPr lang="en-US" dirty="0"/>
-              <a:t>Reformatting  </a:t>
-            </a:r>
-          </a:p>
-        </p:txBody>
-      </p:sp>
       <p:pic>
         <p:nvPicPr>
-          <p:cNvPr id="4" name="Picture 3" descr="Chart&#10;&#10;Description automatically generated">
-            <a:extLst>
-              <a:ext uri="{FF2B5EF4-FFF2-40B4-BE49-F238E27FC236}">
-                <a16:creationId xmlns:a16="http://schemas.microsoft.com/office/drawing/2014/main" id="{09C98C02-4616-5B4B-BE1D-C25042E7ED28}"/>
+          <p:cNvPr id="39" name="Picture 38" descr="Chart, bar chart&#10;&#10;Description automatically generated">
+            <a:extLst>
+              <a:ext uri="{FF2B5EF4-FFF2-40B4-BE49-F238E27FC236}">
+                <a16:creationId xmlns:a16="http://schemas.microsoft.com/office/drawing/2014/main" id="{968A31A4-3702-6941-92B5-B1939C2914AE}"/>
               </a:ext>
             </a:extLst>
           </p:cNvPr>
@@ -5671,13 +5760,80 @@
         </p:nvPicPr>
         <p:blipFill rotWithShape="1">
           <a:blip r:embed="rId2"/>
+          <a:srcRect l="2482" t="1385" r="242" b="5440"/>
+          <a:stretch/>
+        </p:blipFill>
+        <p:spPr>
+          <a:xfrm>
+            <a:off x="212716" y="2926879"/>
+            <a:ext cx="11766568" cy="3881568"/>
+          </a:xfrm>
+          <a:prstGeom prst="rect">
+            <a:avLst/>
+          </a:prstGeom>
+          <a:ln w="12700">
+            <a:solidFill>
+              <a:schemeClr val="tx1"/>
+            </a:solidFill>
+          </a:ln>
+        </p:spPr>
+      </p:pic>
+      <p:sp>
+        <p:nvSpPr>
+          <p:cNvPr id="2" name="Title 1">
+            <a:extLst>
+              <a:ext uri="{FF2B5EF4-FFF2-40B4-BE49-F238E27FC236}">
+                <a16:creationId xmlns:a16="http://schemas.microsoft.com/office/drawing/2014/main" id="{0C084886-D550-0448-A88B-9773F3BC4EE9}"/>
+              </a:ext>
+            </a:extLst>
+          </p:cNvPr>
+          <p:cNvSpPr>
+            <a:spLocks noGrp="1"/>
+          </p:cNvSpPr>
+          <p:nvPr>
+            <p:ph type="title"/>
+          </p:nvPr>
+        </p:nvSpPr>
+        <p:spPr>
+          <a:xfrm>
+            <a:off x="0" y="-265745"/>
+            <a:ext cx="10515600" cy="1325563"/>
+          </a:xfrm>
+        </p:spPr>
+        <p:txBody>
+          <a:bodyPr/>
+          <a:lstStyle/>
+          <a:p>
+            <a:r>
+              <a:rPr lang="en-US" dirty="0"/>
+              <a:t>VIII. Reformatting  </a:t>
+            </a:r>
+          </a:p>
+        </p:txBody>
+      </p:sp>
+      <p:pic>
+        <p:nvPicPr>
+          <p:cNvPr id="4" name="Picture 3" descr="Chart&#10;&#10;Description automatically generated">
+            <a:extLst>
+              <a:ext uri="{FF2B5EF4-FFF2-40B4-BE49-F238E27FC236}">
+                <a16:creationId xmlns:a16="http://schemas.microsoft.com/office/drawing/2014/main" id="{09C98C02-4616-5B4B-BE1D-C25042E7ED28}"/>
+              </a:ext>
+            </a:extLst>
+          </p:cNvPr>
+          <p:cNvPicPr>
+            <a:picLocks noChangeAspect="1"/>
+          </p:cNvPicPr>
+          <p:nvPr/>
+        </p:nvPicPr>
+        <p:blipFill rotWithShape="1">
+          <a:blip r:embed="rId3"/>
           <a:srcRect l="3934" t="1468" r="915" b="3055"/>
           <a:stretch/>
         </p:blipFill>
         <p:spPr>
           <a:xfrm>
-            <a:off x="3609521" y="34404"/>
-            <a:ext cx="5238777" cy="2684903"/>
+            <a:off x="4021751" y="17142"/>
+            <a:ext cx="5355975" cy="2744968"/>
           </a:xfrm>
           <a:prstGeom prst="rect">
             <a:avLst/>
@@ -5689,40 +5845,6 @@
           </a:ln>
         </p:spPr>
       </p:pic>
-      <p:pic>
-        <p:nvPicPr>
-          <p:cNvPr id="6" name="Picture 5" descr="A picture containing text, building&#10;&#10;Description automatically generated">
-            <a:extLst>
-              <a:ext uri="{FF2B5EF4-FFF2-40B4-BE49-F238E27FC236}">
-                <a16:creationId xmlns:a16="http://schemas.microsoft.com/office/drawing/2014/main" id="{7DCA76C3-6552-DF46-985A-9A2E67E43687}"/>
-              </a:ext>
-            </a:extLst>
-          </p:cNvPr>
-          <p:cNvPicPr>
-            <a:picLocks noChangeAspect="1"/>
-          </p:cNvPicPr>
-          <p:nvPr/>
-        </p:nvPicPr>
-        <p:blipFill rotWithShape="1">
-          <a:blip r:embed="rId3"/>
-          <a:srcRect l="2625" t="975" r="715" b="3564"/>
-          <a:stretch/>
-        </p:blipFill>
-        <p:spPr>
-          <a:xfrm>
-            <a:off x="727880" y="2803525"/>
-            <a:ext cx="11300049" cy="3965576"/>
-          </a:xfrm>
-          <a:prstGeom prst="rect">
-            <a:avLst/>
-          </a:prstGeom>
-          <a:ln>
-            <a:solidFill>
-              <a:schemeClr val="tx1"/>
-            </a:solidFill>
-          </a:ln>
-        </p:spPr>
-      </p:pic>
       <p:cxnSp>
         <p:nvCxnSpPr>
           <p:cNvPr id="8" name="Straight Arrow Connector 7">
@@ -5739,8 +5861,8 @@
         </p:nvCxnSpPr>
         <p:spPr>
           <a:xfrm flipH="1">
-            <a:off x="946245" y="814316"/>
-            <a:ext cx="2743200" cy="2160896"/>
+            <a:off x="352639" y="841250"/>
+            <a:ext cx="3669112" cy="2306834"/>
           </a:xfrm>
           <a:prstGeom prst="straightConnector1">
             <a:avLst/>
@@ -5783,8 +5905,8 @@
         </p:nvCxnSpPr>
         <p:spPr>
           <a:xfrm>
-            <a:off x="3907811" y="1131470"/>
-            <a:ext cx="3730386" cy="1711814"/>
+            <a:off x="4421875" y="332096"/>
+            <a:ext cx="3040941" cy="2611984"/>
           </a:xfrm>
           <a:prstGeom prst="straightConnector1">
             <a:avLst/>
@@ -5827,8 +5949,8 @@
         </p:nvCxnSpPr>
         <p:spPr>
           <a:xfrm flipH="1">
-            <a:off x="1210101" y="2154253"/>
-            <a:ext cx="3002508" cy="689031"/>
+            <a:off x="754483" y="1541769"/>
+            <a:ext cx="3846220" cy="1756440"/>
           </a:xfrm>
           <a:prstGeom prst="straightConnector1">
             <a:avLst/>
@@ -5871,8 +5993,8 @@
         </p:nvCxnSpPr>
         <p:spPr>
           <a:xfrm flipH="1">
-            <a:off x="1478507" y="2315570"/>
-            <a:ext cx="2904550" cy="832514"/>
+            <a:off x="1080620" y="2005119"/>
+            <a:ext cx="3846220" cy="1352230"/>
           </a:xfrm>
           <a:prstGeom prst="straightConnector1">
             <a:avLst/>
@@ -5915,8 +6037,8 @@
         </p:nvCxnSpPr>
         <p:spPr>
           <a:xfrm flipH="1">
-            <a:off x="2711356" y="2498768"/>
-            <a:ext cx="2796687" cy="2043567"/>
+            <a:off x="2365959" y="2424981"/>
+            <a:ext cx="3542787" cy="2108213"/>
           </a:xfrm>
           <a:prstGeom prst="straightConnector1">
             <a:avLst/>
@@ -5959,8 +6081,96 @@
         </p:nvCxnSpPr>
         <p:spPr>
           <a:xfrm flipH="1">
-            <a:off x="4744871" y="2315570"/>
-            <a:ext cx="2793398" cy="2310983"/>
+            <a:off x="2734999" y="2518340"/>
+            <a:ext cx="3395172" cy="1926546"/>
+          </a:xfrm>
+          <a:prstGeom prst="straightConnector1">
+            <a:avLst/>
+          </a:prstGeom>
+          <a:ln w="19050">
+            <a:solidFill>
+              <a:srgbClr val="92D050"/>
+            </a:solidFill>
+            <a:tailEnd type="triangle"/>
+          </a:ln>
+        </p:spPr>
+        <p:style>
+          <a:lnRef idx="1">
+            <a:schemeClr val="accent4"/>
+          </a:lnRef>
+          <a:fillRef idx="0">
+            <a:schemeClr val="accent4"/>
+          </a:fillRef>
+          <a:effectRef idx="0">
+            <a:schemeClr val="accent4"/>
+          </a:effectRef>
+          <a:fontRef idx="minor">
+            <a:schemeClr val="tx1"/>
+          </a:fontRef>
+        </p:style>
+      </p:cxnSp>
+      <p:cxnSp>
+        <p:nvCxnSpPr>
+          <p:cNvPr id="51" name="Straight Arrow Connector 50">
+            <a:extLst>
+              <a:ext uri="{FF2B5EF4-FFF2-40B4-BE49-F238E27FC236}">
+                <a16:creationId xmlns:a16="http://schemas.microsoft.com/office/drawing/2014/main" id="{1627B426-0477-DD4D-9B5A-4317ABE31789}"/>
+              </a:ext>
+            </a:extLst>
+          </p:cNvPr>
+          <p:cNvCxnSpPr>
+            <a:cxnSpLocks/>
+          </p:cNvCxnSpPr>
+          <p:nvPr/>
+        </p:nvCxnSpPr>
+        <p:spPr>
+          <a:xfrm flipH="1">
+            <a:off x="2887399" y="2616086"/>
+            <a:ext cx="3480597" cy="1981200"/>
+          </a:xfrm>
+          <a:prstGeom prst="straightConnector1">
+            <a:avLst/>
+          </a:prstGeom>
+          <a:ln w="19050">
+            <a:solidFill>
+              <a:srgbClr val="92D050"/>
+            </a:solidFill>
+            <a:tailEnd type="triangle"/>
+          </a:ln>
+        </p:spPr>
+        <p:style>
+          <a:lnRef idx="1">
+            <a:schemeClr val="accent4"/>
+          </a:lnRef>
+          <a:fillRef idx="0">
+            <a:schemeClr val="accent4"/>
+          </a:fillRef>
+          <a:effectRef idx="0">
+            <a:schemeClr val="accent4"/>
+          </a:effectRef>
+          <a:fontRef idx="minor">
+            <a:schemeClr val="tx1"/>
+          </a:fontRef>
+        </p:style>
+      </p:cxnSp>
+      <p:cxnSp>
+        <p:nvCxnSpPr>
+          <p:cNvPr id="53" name="Straight Arrow Connector 52">
+            <a:extLst>
+              <a:ext uri="{FF2B5EF4-FFF2-40B4-BE49-F238E27FC236}">
+                <a16:creationId xmlns:a16="http://schemas.microsoft.com/office/drawing/2014/main" id="{91A8F7DB-406B-F948-A31A-4BD467BEF9C6}"/>
+              </a:ext>
+            </a:extLst>
+          </p:cNvPr>
+          <p:cNvCxnSpPr>
+            <a:cxnSpLocks/>
+          </p:cNvCxnSpPr>
+          <p:nvPr/>
+        </p:nvCxnSpPr>
+        <p:spPr>
+          <a:xfrm flipH="1">
+            <a:off x="3288560" y="2693995"/>
+            <a:ext cx="3300862" cy="2082683"/>
           </a:xfrm>
           <a:prstGeom prst="straightConnector1">
             <a:avLst/>

--- a/pres.pptx
+++ b/pres.pptx
@@ -120,6 +120,11 @@
       </a:defRPr>
     </a:lvl9pPr>
   </p:defaultTextStyle>
+  <p:extLst>
+    <p:ext uri="{EFAFB233-063F-42B5-8137-9DF3F51BA10A}">
+      <p15:sldGuideLst xmlns:p15="http://schemas.microsoft.com/office/powerpoint/2012/main"/>
+    </p:ext>
+  </p:extLst>
 </p:presentation>
 </file>
 
@@ -270,7 +275,7 @@
           <a:p>
             <a:fld id="{4053296A-7311-A54D-8D00-0601910C329A}" type="datetimeFigureOut">
               <a:rPr lang="en-US" smtClean="0"/>
-              <a:t>1/27/21</a:t>
+              <a:t>1/28/21</a:t>
             </a:fld>
             <a:endParaRPr lang="en-US"/>
           </a:p>
@@ -468,7 +473,7 @@
           <a:p>
             <a:fld id="{4053296A-7311-A54D-8D00-0601910C329A}" type="datetimeFigureOut">
               <a:rPr lang="en-US" smtClean="0"/>
-              <a:t>1/27/21</a:t>
+              <a:t>1/28/21</a:t>
             </a:fld>
             <a:endParaRPr lang="en-US"/>
           </a:p>
@@ -676,7 +681,7 @@
           <a:p>
             <a:fld id="{4053296A-7311-A54D-8D00-0601910C329A}" type="datetimeFigureOut">
               <a:rPr lang="en-US" smtClean="0"/>
-              <a:t>1/27/21</a:t>
+              <a:t>1/28/21</a:t>
             </a:fld>
             <a:endParaRPr lang="en-US"/>
           </a:p>
@@ -874,7 +879,7 @@
           <a:p>
             <a:fld id="{4053296A-7311-A54D-8D00-0601910C329A}" type="datetimeFigureOut">
               <a:rPr lang="en-US" smtClean="0"/>
-              <a:t>1/27/21</a:t>
+              <a:t>1/28/21</a:t>
             </a:fld>
             <a:endParaRPr lang="en-US"/>
           </a:p>
@@ -1149,7 +1154,7 @@
           <a:p>
             <a:fld id="{4053296A-7311-A54D-8D00-0601910C329A}" type="datetimeFigureOut">
               <a:rPr lang="en-US" smtClean="0"/>
-              <a:t>1/27/21</a:t>
+              <a:t>1/28/21</a:t>
             </a:fld>
             <a:endParaRPr lang="en-US"/>
           </a:p>
@@ -1414,7 +1419,7 @@
           <a:p>
             <a:fld id="{4053296A-7311-A54D-8D00-0601910C329A}" type="datetimeFigureOut">
               <a:rPr lang="en-US" smtClean="0"/>
-              <a:t>1/27/21</a:t>
+              <a:t>1/28/21</a:t>
             </a:fld>
             <a:endParaRPr lang="en-US"/>
           </a:p>
@@ -1826,7 +1831,7 @@
           <a:p>
             <a:fld id="{4053296A-7311-A54D-8D00-0601910C329A}" type="datetimeFigureOut">
               <a:rPr lang="en-US" smtClean="0"/>
-              <a:t>1/27/21</a:t>
+              <a:t>1/28/21</a:t>
             </a:fld>
             <a:endParaRPr lang="en-US"/>
           </a:p>
@@ -1967,7 +1972,7 @@
           <a:p>
             <a:fld id="{4053296A-7311-A54D-8D00-0601910C329A}" type="datetimeFigureOut">
               <a:rPr lang="en-US" smtClean="0"/>
-              <a:t>1/27/21</a:t>
+              <a:t>1/28/21</a:t>
             </a:fld>
             <a:endParaRPr lang="en-US"/>
           </a:p>
@@ -2080,7 +2085,7 @@
           <a:p>
             <a:fld id="{4053296A-7311-A54D-8D00-0601910C329A}" type="datetimeFigureOut">
               <a:rPr lang="en-US" smtClean="0"/>
-              <a:t>1/27/21</a:t>
+              <a:t>1/28/21</a:t>
             </a:fld>
             <a:endParaRPr lang="en-US"/>
           </a:p>
@@ -2391,7 +2396,7 @@
           <a:p>
             <a:fld id="{4053296A-7311-A54D-8D00-0601910C329A}" type="datetimeFigureOut">
               <a:rPr lang="en-US" smtClean="0"/>
-              <a:t>1/27/21</a:t>
+              <a:t>1/28/21</a:t>
             </a:fld>
             <a:endParaRPr lang="en-US"/>
           </a:p>
@@ -2679,7 +2684,7 @@
           <a:p>
             <a:fld id="{4053296A-7311-A54D-8D00-0601910C329A}" type="datetimeFigureOut">
               <a:rPr lang="en-US" smtClean="0"/>
-              <a:t>1/27/21</a:t>
+              <a:t>1/28/21</a:t>
             </a:fld>
             <a:endParaRPr lang="en-US"/>
           </a:p>
@@ -2920,7 +2925,7 @@
           <a:p>
             <a:fld id="{4053296A-7311-A54D-8D00-0601910C329A}" type="datetimeFigureOut">
               <a:rPr lang="en-US" smtClean="0"/>
-              <a:t>1/27/21</a:t>
+              <a:t>1/28/21</a:t>
             </a:fld>
             <a:endParaRPr lang="en-US"/>
           </a:p>
@@ -6255,6 +6260,191 @@
           </a:p>
         </p:txBody>
       </p:sp>
+      <p:sp>
+        <p:nvSpPr>
+          <p:cNvPr id="3" name="TextBox 2">
+            <a:extLst>
+              <a:ext uri="{FF2B5EF4-FFF2-40B4-BE49-F238E27FC236}">
+                <a16:creationId xmlns:a16="http://schemas.microsoft.com/office/drawing/2014/main" id="{34965B24-2B5A-004B-97D7-FC471EE00FC6}"/>
+              </a:ext>
+            </a:extLst>
+          </p:cNvPr>
+          <p:cNvSpPr txBox="1"/>
+          <p:nvPr/>
+        </p:nvSpPr>
+        <p:spPr>
+          <a:xfrm>
+            <a:off x="347718" y="3642891"/>
+            <a:ext cx="3981826" cy="369332"/>
+          </a:xfrm>
+          <a:prstGeom prst="rect">
+            <a:avLst/>
+          </a:prstGeom>
+          <a:noFill/>
+        </p:spPr>
+        <p:txBody>
+          <a:bodyPr wrap="square" rtlCol="0">
+            <a:spAutoFit/>
+          </a:bodyPr>
+          <a:lstStyle/>
+          <a:p>
+            <a:r>
+              <a:rPr lang="en-US" spc="-150" dirty="0">
+                <a:latin typeface="Andale Mono" panose="020B0509000000000004" pitchFamily="49" charset="0"/>
+              </a:rPr>
+              <a:t>Objective</a:t>
+            </a:r>
+          </a:p>
+        </p:txBody>
+      </p:sp>
+      <p:sp>
+        <p:nvSpPr>
+          <p:cNvPr id="4" name="TextBox 3">
+            <a:extLst>
+              <a:ext uri="{FF2B5EF4-FFF2-40B4-BE49-F238E27FC236}">
+                <a16:creationId xmlns:a16="http://schemas.microsoft.com/office/drawing/2014/main" id="{395B8CAB-8418-0540-92F6-79A7EEB1FB1B}"/>
+              </a:ext>
+            </a:extLst>
+          </p:cNvPr>
+          <p:cNvSpPr txBox="1"/>
+          <p:nvPr/>
+        </p:nvSpPr>
+        <p:spPr>
+          <a:xfrm>
+            <a:off x="292300" y="2044794"/>
+            <a:ext cx="3981826" cy="369332"/>
+          </a:xfrm>
+          <a:prstGeom prst="rect">
+            <a:avLst/>
+          </a:prstGeom>
+          <a:noFill/>
+        </p:spPr>
+        <p:txBody>
+          <a:bodyPr wrap="square" rtlCol="0">
+            <a:spAutoFit/>
+          </a:bodyPr>
+          <a:lstStyle/>
+          <a:p>
+            <a:r>
+              <a:rPr lang="en-US" spc="-150" dirty="0">
+                <a:latin typeface="Andale Mono" panose="020B0509000000000004" pitchFamily="49" charset="0"/>
+              </a:rPr>
+              <a:t>Setting </a:t>
+            </a:r>
+          </a:p>
+        </p:txBody>
+      </p:sp>
+      <p:sp>
+        <p:nvSpPr>
+          <p:cNvPr id="5" name="TextBox 4">
+            <a:extLst>
+              <a:ext uri="{FF2B5EF4-FFF2-40B4-BE49-F238E27FC236}">
+                <a16:creationId xmlns:a16="http://schemas.microsoft.com/office/drawing/2014/main" id="{452179C5-9AFD-1749-B271-5A25C89732A6}"/>
+              </a:ext>
+            </a:extLst>
+          </p:cNvPr>
+          <p:cNvSpPr txBox="1"/>
+          <p:nvPr/>
+        </p:nvSpPr>
+        <p:spPr>
+          <a:xfrm>
+            <a:off x="777210" y="2474510"/>
+            <a:ext cx="3981826" cy="369332"/>
+          </a:xfrm>
+          <a:prstGeom prst="rect">
+            <a:avLst/>
+          </a:prstGeom>
+          <a:noFill/>
+        </p:spPr>
+        <p:txBody>
+          <a:bodyPr wrap="square" rtlCol="0">
+            <a:spAutoFit/>
+          </a:bodyPr>
+          <a:lstStyle/>
+          <a:p>
+            <a:r>
+              <a:rPr lang="en-US" spc="-150" dirty="0">
+                <a:latin typeface="Andale Mono" panose="020B0509000000000004" pitchFamily="49" charset="0"/>
+              </a:rPr>
+              <a:t>Term deposit  </a:t>
+            </a:r>
+          </a:p>
+        </p:txBody>
+      </p:sp>
+      <p:sp>
+        <p:nvSpPr>
+          <p:cNvPr id="6" name="TextBox 5">
+            <a:extLst>
+              <a:ext uri="{FF2B5EF4-FFF2-40B4-BE49-F238E27FC236}">
+                <a16:creationId xmlns:a16="http://schemas.microsoft.com/office/drawing/2014/main" id="{B6609A1F-DB1A-E045-A611-6740FB077859}"/>
+              </a:ext>
+            </a:extLst>
+          </p:cNvPr>
+          <p:cNvSpPr txBox="1"/>
+          <p:nvPr/>
+        </p:nvSpPr>
+        <p:spPr>
+          <a:xfrm>
+            <a:off x="777210" y="2828616"/>
+            <a:ext cx="3981826" cy="369332"/>
+          </a:xfrm>
+          <a:prstGeom prst="rect">
+            <a:avLst/>
+          </a:prstGeom>
+          <a:noFill/>
+        </p:spPr>
+        <p:txBody>
+          <a:bodyPr wrap="square" rtlCol="0">
+            <a:spAutoFit/>
+          </a:bodyPr>
+          <a:lstStyle/>
+          <a:p>
+            <a:r>
+              <a:rPr lang="en-US" spc="-150" dirty="0">
+                <a:latin typeface="Andale Mono" panose="020B0509000000000004" pitchFamily="49" charset="0"/>
+              </a:rPr>
+              <a:t>Campaigns </a:t>
+            </a:r>
+          </a:p>
+        </p:txBody>
+      </p:sp>
+      <p:sp>
+        <p:nvSpPr>
+          <p:cNvPr id="7" name="TextBox 6">
+            <a:extLst>
+              <a:ext uri="{FF2B5EF4-FFF2-40B4-BE49-F238E27FC236}">
+                <a16:creationId xmlns:a16="http://schemas.microsoft.com/office/drawing/2014/main" id="{3ABE6566-C8BE-1E46-B2E7-D4DCAC144111}"/>
+              </a:ext>
+            </a:extLst>
+          </p:cNvPr>
+          <p:cNvSpPr txBox="1"/>
+          <p:nvPr/>
+        </p:nvSpPr>
+        <p:spPr>
+          <a:xfrm>
+            <a:off x="838200" y="4151993"/>
+            <a:ext cx="3981826" cy="369332"/>
+          </a:xfrm>
+          <a:prstGeom prst="rect">
+            <a:avLst/>
+          </a:prstGeom>
+          <a:noFill/>
+        </p:spPr>
+        <p:txBody>
+          <a:bodyPr wrap="square" rtlCol="0">
+            <a:spAutoFit/>
+          </a:bodyPr>
+          <a:lstStyle/>
+          <a:p>
+            <a:r>
+              <a:rPr lang="en-US" spc="-150" dirty="0">
+                <a:latin typeface="Andale Mono" panose="020B0509000000000004" pitchFamily="49" charset="0"/>
+              </a:rPr>
+              <a:t>Classification </a:t>
+            </a:r>
+          </a:p>
+        </p:txBody>
+      </p:sp>
     </p:spTree>
     <p:extLst>
       <p:ext uri="{BB962C8B-B14F-4D97-AF65-F5344CB8AC3E}">
@@ -6265,6 +6455,268 @@
   <p:clrMapOvr>
     <a:masterClrMapping/>
   </p:clrMapOvr>
+  <p:timing>
+    <p:tnLst>
+      <p:par>
+        <p:cTn id="1" dur="indefinite" restart="never" nodeType="tmRoot">
+          <p:childTnLst>
+            <p:seq concurrent="1" nextAc="seek">
+              <p:cTn id="2" dur="indefinite" nodeType="mainSeq">
+                <p:childTnLst>
+                  <p:par>
+                    <p:cTn id="3" fill="hold">
+                      <p:stCondLst>
+                        <p:cond delay="indefinite"/>
+                      </p:stCondLst>
+                      <p:childTnLst>
+                        <p:par>
+                          <p:cTn id="4" fill="hold">
+                            <p:stCondLst>
+                              <p:cond delay="0"/>
+                            </p:stCondLst>
+                            <p:childTnLst>
+                              <p:par>
+                                <p:cTn id="5" presetID="1" presetClass="entr" presetSubtype="0" fill="hold" grpId="0" nodeType="clickEffect">
+                                  <p:stCondLst>
+                                    <p:cond delay="0"/>
+                                  </p:stCondLst>
+                                  <p:childTnLst>
+                                    <p:set>
+                                      <p:cBhvr>
+                                        <p:cTn id="6" dur="1" fill="hold">
+                                          <p:stCondLst>
+                                            <p:cond delay="0"/>
+                                          </p:stCondLst>
+                                        </p:cTn>
+                                        <p:tgtEl>
+                                          <p:spTgt spid="3"/>
+                                        </p:tgtEl>
+                                        <p:attrNameLst>
+                                          <p:attrName>style.visibility</p:attrName>
+                                        </p:attrNameLst>
+                                      </p:cBhvr>
+                                      <p:to>
+                                        <p:strVal val="visible"/>
+                                      </p:to>
+                                    </p:set>
+                                  </p:childTnLst>
+                                </p:cTn>
+                              </p:par>
+                            </p:childTnLst>
+                          </p:cTn>
+                        </p:par>
+                      </p:childTnLst>
+                    </p:cTn>
+                  </p:par>
+                  <p:par>
+                    <p:cTn id="7" fill="hold">
+                      <p:stCondLst>
+                        <p:cond delay="indefinite"/>
+                      </p:stCondLst>
+                      <p:childTnLst>
+                        <p:par>
+                          <p:cTn id="8" fill="hold">
+                            <p:stCondLst>
+                              <p:cond delay="0"/>
+                            </p:stCondLst>
+                            <p:childTnLst>
+                              <p:par>
+                                <p:cTn id="9" presetID="1" presetClass="entr" presetSubtype="0" fill="hold" grpId="0" nodeType="clickEffect">
+                                  <p:stCondLst>
+                                    <p:cond delay="0"/>
+                                  </p:stCondLst>
+                                  <p:childTnLst>
+                                    <p:set>
+                                      <p:cBhvr>
+                                        <p:cTn id="10" dur="1" fill="hold">
+                                          <p:stCondLst>
+                                            <p:cond delay="0"/>
+                                          </p:stCondLst>
+                                        </p:cTn>
+                                        <p:tgtEl>
+                                          <p:spTgt spid="4"/>
+                                        </p:tgtEl>
+                                        <p:attrNameLst>
+                                          <p:attrName>style.visibility</p:attrName>
+                                        </p:attrNameLst>
+                                      </p:cBhvr>
+                                      <p:to>
+                                        <p:strVal val="visible"/>
+                                      </p:to>
+                                    </p:set>
+                                  </p:childTnLst>
+                                </p:cTn>
+                              </p:par>
+                            </p:childTnLst>
+                          </p:cTn>
+                        </p:par>
+                      </p:childTnLst>
+                    </p:cTn>
+                  </p:par>
+                  <p:par>
+                    <p:cTn id="11" fill="hold">
+                      <p:stCondLst>
+                        <p:cond delay="indefinite"/>
+                      </p:stCondLst>
+                      <p:childTnLst>
+                        <p:par>
+                          <p:cTn id="12" fill="hold">
+                            <p:stCondLst>
+                              <p:cond delay="0"/>
+                            </p:stCondLst>
+                            <p:childTnLst>
+                              <p:par>
+                                <p:cTn id="13" presetID="1" presetClass="entr" presetSubtype="0" fill="hold" grpId="0" nodeType="clickEffect">
+                                  <p:stCondLst>
+                                    <p:cond delay="0"/>
+                                  </p:stCondLst>
+                                  <p:childTnLst>
+                                    <p:set>
+                                      <p:cBhvr>
+                                        <p:cTn id="14" dur="1" fill="hold">
+                                          <p:stCondLst>
+                                            <p:cond delay="0"/>
+                                          </p:stCondLst>
+                                        </p:cTn>
+                                        <p:tgtEl>
+                                          <p:spTgt spid="5"/>
+                                        </p:tgtEl>
+                                        <p:attrNameLst>
+                                          <p:attrName>style.visibility</p:attrName>
+                                        </p:attrNameLst>
+                                      </p:cBhvr>
+                                      <p:to>
+                                        <p:strVal val="visible"/>
+                                      </p:to>
+                                    </p:set>
+                                  </p:childTnLst>
+                                </p:cTn>
+                              </p:par>
+                            </p:childTnLst>
+                          </p:cTn>
+                        </p:par>
+                      </p:childTnLst>
+                    </p:cTn>
+                  </p:par>
+                  <p:par>
+                    <p:cTn id="15" fill="hold">
+                      <p:stCondLst>
+                        <p:cond delay="indefinite"/>
+                      </p:stCondLst>
+                      <p:childTnLst>
+                        <p:par>
+                          <p:cTn id="16" fill="hold">
+                            <p:stCondLst>
+                              <p:cond delay="0"/>
+                            </p:stCondLst>
+                            <p:childTnLst>
+                              <p:par>
+                                <p:cTn id="17" presetID="1" presetClass="entr" presetSubtype="0" fill="hold" grpId="0" nodeType="clickEffect">
+                                  <p:stCondLst>
+                                    <p:cond delay="0"/>
+                                  </p:stCondLst>
+                                  <p:childTnLst>
+                                    <p:set>
+                                      <p:cBhvr>
+                                        <p:cTn id="18" dur="1" fill="hold">
+                                          <p:stCondLst>
+                                            <p:cond delay="0"/>
+                                          </p:stCondLst>
+                                        </p:cTn>
+                                        <p:tgtEl>
+                                          <p:spTgt spid="6"/>
+                                        </p:tgtEl>
+                                        <p:attrNameLst>
+                                          <p:attrName>style.visibility</p:attrName>
+                                        </p:attrNameLst>
+                                      </p:cBhvr>
+                                      <p:to>
+                                        <p:strVal val="visible"/>
+                                      </p:to>
+                                    </p:set>
+                                  </p:childTnLst>
+                                </p:cTn>
+                              </p:par>
+                            </p:childTnLst>
+                          </p:cTn>
+                        </p:par>
+                      </p:childTnLst>
+                    </p:cTn>
+                  </p:par>
+                  <p:par>
+                    <p:cTn id="19" fill="hold">
+                      <p:stCondLst>
+                        <p:cond delay="indefinite"/>
+                      </p:stCondLst>
+                      <p:childTnLst>
+                        <p:par>
+                          <p:cTn id="20" fill="hold">
+                            <p:stCondLst>
+                              <p:cond delay="0"/>
+                            </p:stCondLst>
+                            <p:childTnLst>
+                              <p:par>
+                                <p:cTn id="21" presetID="1" presetClass="entr" presetSubtype="0" fill="hold" grpId="0" nodeType="clickEffect">
+                                  <p:stCondLst>
+                                    <p:cond delay="0"/>
+                                  </p:stCondLst>
+                                  <p:childTnLst>
+                                    <p:set>
+                                      <p:cBhvr>
+                                        <p:cTn id="22" dur="1" fill="hold">
+                                          <p:stCondLst>
+                                            <p:cond delay="0"/>
+                                          </p:stCondLst>
+                                        </p:cTn>
+                                        <p:tgtEl>
+                                          <p:spTgt spid="7"/>
+                                        </p:tgtEl>
+                                        <p:attrNameLst>
+                                          <p:attrName>style.visibility</p:attrName>
+                                        </p:attrNameLst>
+                                      </p:cBhvr>
+                                      <p:to>
+                                        <p:strVal val="visible"/>
+                                      </p:to>
+                                    </p:set>
+                                  </p:childTnLst>
+                                </p:cTn>
+                              </p:par>
+                            </p:childTnLst>
+                          </p:cTn>
+                        </p:par>
+                      </p:childTnLst>
+                    </p:cTn>
+                  </p:par>
+                </p:childTnLst>
+              </p:cTn>
+              <p:prevCondLst>
+                <p:cond evt="onPrev" delay="0">
+                  <p:tgtEl>
+                    <p:sldTgt/>
+                  </p:tgtEl>
+                </p:cond>
+              </p:prevCondLst>
+              <p:nextCondLst>
+                <p:cond evt="onNext" delay="0">
+                  <p:tgtEl>
+                    <p:sldTgt/>
+                  </p:tgtEl>
+                </p:cond>
+              </p:nextCondLst>
+            </p:seq>
+          </p:childTnLst>
+        </p:cTn>
+      </p:par>
+    </p:tnLst>
+    <p:bldLst>
+      <p:bldP spid="3" grpId="0"/>
+      <p:bldP spid="4" grpId="0"/>
+      <p:bldP spid="5" grpId="0"/>
+      <p:bldP spid="6" grpId="0"/>
+      <p:bldP spid="7" grpId="0"/>
+    </p:bldLst>
+  </p:timing>
 </p:sld>
 </file>
 

--- a/pres.pptx
+++ b/pres.pptx
@@ -275,7 +275,7 @@
           <a:p>
             <a:fld id="{4053296A-7311-A54D-8D00-0601910C329A}" type="datetimeFigureOut">
               <a:rPr lang="en-US" smtClean="0"/>
-              <a:t>1/28/21</a:t>
+              <a:t>1/29/21</a:t>
             </a:fld>
             <a:endParaRPr lang="en-US"/>
           </a:p>
@@ -473,7 +473,7 @@
           <a:p>
             <a:fld id="{4053296A-7311-A54D-8D00-0601910C329A}" type="datetimeFigureOut">
               <a:rPr lang="en-US" smtClean="0"/>
-              <a:t>1/28/21</a:t>
+              <a:t>1/29/21</a:t>
             </a:fld>
             <a:endParaRPr lang="en-US"/>
           </a:p>
@@ -681,7 +681,7 @@
           <a:p>
             <a:fld id="{4053296A-7311-A54D-8D00-0601910C329A}" type="datetimeFigureOut">
               <a:rPr lang="en-US" smtClean="0"/>
-              <a:t>1/28/21</a:t>
+              <a:t>1/29/21</a:t>
             </a:fld>
             <a:endParaRPr lang="en-US"/>
           </a:p>
@@ -879,7 +879,7 @@
           <a:p>
             <a:fld id="{4053296A-7311-A54D-8D00-0601910C329A}" type="datetimeFigureOut">
               <a:rPr lang="en-US" smtClean="0"/>
-              <a:t>1/28/21</a:t>
+              <a:t>1/29/21</a:t>
             </a:fld>
             <a:endParaRPr lang="en-US"/>
           </a:p>
@@ -1154,7 +1154,7 @@
           <a:p>
             <a:fld id="{4053296A-7311-A54D-8D00-0601910C329A}" type="datetimeFigureOut">
               <a:rPr lang="en-US" smtClean="0"/>
-              <a:t>1/28/21</a:t>
+              <a:t>1/29/21</a:t>
             </a:fld>
             <a:endParaRPr lang="en-US"/>
           </a:p>
@@ -1419,7 +1419,7 @@
           <a:p>
             <a:fld id="{4053296A-7311-A54D-8D00-0601910C329A}" type="datetimeFigureOut">
               <a:rPr lang="en-US" smtClean="0"/>
-              <a:t>1/28/21</a:t>
+              <a:t>1/29/21</a:t>
             </a:fld>
             <a:endParaRPr lang="en-US"/>
           </a:p>
@@ -1831,7 +1831,7 @@
           <a:p>
             <a:fld id="{4053296A-7311-A54D-8D00-0601910C329A}" type="datetimeFigureOut">
               <a:rPr lang="en-US" smtClean="0"/>
-              <a:t>1/28/21</a:t>
+              <a:t>1/29/21</a:t>
             </a:fld>
             <a:endParaRPr lang="en-US"/>
           </a:p>
@@ -1972,7 +1972,7 @@
           <a:p>
             <a:fld id="{4053296A-7311-A54D-8D00-0601910C329A}" type="datetimeFigureOut">
               <a:rPr lang="en-US" smtClean="0"/>
-              <a:t>1/28/21</a:t>
+              <a:t>1/29/21</a:t>
             </a:fld>
             <a:endParaRPr lang="en-US"/>
           </a:p>
@@ -2085,7 +2085,7 @@
           <a:p>
             <a:fld id="{4053296A-7311-A54D-8D00-0601910C329A}" type="datetimeFigureOut">
               <a:rPr lang="en-US" smtClean="0"/>
-              <a:t>1/28/21</a:t>
+              <a:t>1/29/21</a:t>
             </a:fld>
             <a:endParaRPr lang="en-US"/>
           </a:p>
@@ -2396,7 +2396,7 @@
           <a:p>
             <a:fld id="{4053296A-7311-A54D-8D00-0601910C329A}" type="datetimeFigureOut">
               <a:rPr lang="en-US" smtClean="0"/>
-              <a:t>1/28/21</a:t>
+              <a:t>1/29/21</a:t>
             </a:fld>
             <a:endParaRPr lang="en-US"/>
           </a:p>
@@ -2684,7 +2684,7 @@
           <a:p>
             <a:fld id="{4053296A-7311-A54D-8D00-0601910C329A}" type="datetimeFigureOut">
               <a:rPr lang="en-US" smtClean="0"/>
-              <a:t>1/28/21</a:t>
+              <a:t>1/29/21</a:t>
             </a:fld>
             <a:endParaRPr lang="en-US"/>
           </a:p>
@@ -2925,7 +2925,7 @@
           <a:p>
             <a:fld id="{4053296A-7311-A54D-8D00-0601910C329A}" type="datetimeFigureOut">
               <a:rPr lang="en-US" smtClean="0"/>
-              <a:t>1/28/21</a:t>
+              <a:t>1/29/21</a:t>
             </a:fld>
             <a:endParaRPr lang="en-US"/>
           </a:p>
@@ -3499,53 +3499,6 @@
           </a:prstGeom>
         </p:spPr>
       </p:pic>
-      <p:pic>
-        <p:nvPicPr>
-          <p:cNvPr id="9" name="Picture 8" descr="Text&#10;&#10;Description automatically generated">
-            <a:extLst>
-              <a:ext uri="{FF2B5EF4-FFF2-40B4-BE49-F238E27FC236}">
-                <a16:creationId xmlns:a16="http://schemas.microsoft.com/office/drawing/2014/main" id="{265747E9-0BAE-CF4C-92F9-E673C5F5116A}"/>
-              </a:ext>
-            </a:extLst>
-          </p:cNvPr>
-          <p:cNvPicPr>
-            <a:picLocks noChangeAspect="1"/>
-          </p:cNvPicPr>
-          <p:nvPr/>
-        </p:nvPicPr>
-        <p:blipFill>
-          <a:blip r:embed="rId4">
-            <a:extLst>
-              <a:ext uri="{BEBA8EAE-BF5A-486C-A8C5-ECC9F3942E4B}">
-                <a14:imgProps xmlns:a14="http://schemas.microsoft.com/office/drawing/2010/main">
-                  <a14:imgLayer r:embed="rId5">
-                    <a14:imgEffect>
-                      <a14:sharpenSoften amount="50000"/>
-                    </a14:imgEffect>
-                  </a14:imgLayer>
-                </a14:imgProps>
-              </a:ext>
-            </a:extLst>
-          </a:blip>
-          <a:stretch>
-            <a:fillRect/>
-          </a:stretch>
-        </p:blipFill>
-        <p:spPr>
-          <a:xfrm>
-            <a:off x="4706045" y="4936907"/>
-            <a:ext cx="5676900" cy="1727200"/>
-          </a:xfrm>
-          <a:prstGeom prst="rect">
-            <a:avLst/>
-          </a:prstGeom>
-          <a:ln w="19050">
-            <a:solidFill>
-              <a:srgbClr val="00B0F0"/>
-            </a:solidFill>
-          </a:ln>
-        </p:spPr>
-      </p:pic>
       <p:grpSp>
         <p:nvGrpSpPr>
           <p:cNvPr id="13" name="Group 12">
@@ -3788,147 +3741,215 @@
           </a:p>
         </p:txBody>
       </p:sp>
-      <p:cxnSp>
-        <p:nvCxnSpPr>
-          <p:cNvPr id="30" name="Straight Arrow Connector 29">
-            <a:extLst>
-              <a:ext uri="{FF2B5EF4-FFF2-40B4-BE49-F238E27FC236}">
-                <a16:creationId xmlns:a16="http://schemas.microsoft.com/office/drawing/2014/main" id="{270258A9-D01E-9A4A-84A3-6A7507DF4896}"/>
-              </a:ext>
-            </a:extLst>
-          </p:cNvPr>
-          <p:cNvCxnSpPr>
-            <a:cxnSpLocks/>
-            <a:endCxn id="9" idx="0"/>
-          </p:cNvCxnSpPr>
+      <p:grpSp>
+        <p:nvGrpSpPr>
+          <p:cNvPr id="2" name="Group 1">
+            <a:extLst>
+              <a:ext uri="{FF2B5EF4-FFF2-40B4-BE49-F238E27FC236}">
+                <a16:creationId xmlns:a16="http://schemas.microsoft.com/office/drawing/2014/main" id="{32077193-F8D8-4245-9690-188012BFFC23}"/>
+              </a:ext>
+            </a:extLst>
+          </p:cNvPr>
+          <p:cNvGrpSpPr/>
           <p:nvPr/>
-        </p:nvCxnSpPr>
-        <p:spPr>
-          <a:xfrm flipH="1">
-            <a:off x="7544495" y="3624825"/>
-            <a:ext cx="1815166" cy="1312082"/>
-          </a:xfrm>
-          <a:prstGeom prst="straightConnector1">
-            <a:avLst/>
-          </a:prstGeom>
-          <a:ln w="28575">
-            <a:tailEnd type="triangle"/>
-          </a:ln>
-        </p:spPr>
-        <p:style>
-          <a:lnRef idx="1">
-            <a:schemeClr val="accent1"/>
-          </a:lnRef>
-          <a:fillRef idx="0">
-            <a:schemeClr val="accent1"/>
-          </a:fillRef>
-          <a:effectRef idx="0">
-            <a:schemeClr val="accent1"/>
-          </a:effectRef>
-          <a:fontRef idx="minor">
-            <a:schemeClr val="tx1"/>
-          </a:fontRef>
-        </p:style>
-      </p:cxnSp>
-      <p:cxnSp>
-        <p:nvCxnSpPr>
-          <p:cNvPr id="32" name="Straight Arrow Connector 31">
-            <a:extLst>
-              <a:ext uri="{FF2B5EF4-FFF2-40B4-BE49-F238E27FC236}">
-                <a16:creationId xmlns:a16="http://schemas.microsoft.com/office/drawing/2014/main" id="{729892B6-B0DF-0F4C-A002-05F127C7AFCA}"/>
-              </a:ext>
-            </a:extLst>
-          </p:cNvPr>
-          <p:cNvCxnSpPr>
-            <a:cxnSpLocks/>
-            <a:endCxn id="9" idx="0"/>
-          </p:cNvCxnSpPr>
-          <p:nvPr/>
-        </p:nvCxnSpPr>
-        <p:spPr>
-          <a:xfrm flipH="1">
-            <a:off x="7544495" y="3860800"/>
-            <a:ext cx="1815165" cy="1076107"/>
-          </a:xfrm>
-          <a:prstGeom prst="straightConnector1">
-            <a:avLst/>
-          </a:prstGeom>
-          <a:ln w="28575">
-            <a:tailEnd type="triangle"/>
-          </a:ln>
-        </p:spPr>
-        <p:style>
-          <a:lnRef idx="1">
-            <a:schemeClr val="accent1"/>
-          </a:lnRef>
-          <a:fillRef idx="0">
-            <a:schemeClr val="accent1"/>
-          </a:fillRef>
-          <a:effectRef idx="0">
-            <a:schemeClr val="accent1"/>
-          </a:effectRef>
-          <a:fontRef idx="minor">
-            <a:schemeClr val="tx1"/>
-          </a:fontRef>
-        </p:style>
-      </p:cxnSp>
-      <p:sp>
-        <p:nvSpPr>
-          <p:cNvPr id="35" name="Rounded Rectangle 34">
-            <a:extLst>
-              <a:ext uri="{FF2B5EF4-FFF2-40B4-BE49-F238E27FC236}">
-                <a16:creationId xmlns:a16="http://schemas.microsoft.com/office/drawing/2014/main" id="{A5E180C3-E8B6-D447-8396-4D22CE0ADCD6}"/>
-              </a:ext>
-            </a:extLst>
-          </p:cNvPr>
-          <p:cNvSpPr/>
-          <p:nvPr/>
-        </p:nvSpPr>
-        <p:spPr>
+        </p:nvGrpSpPr>
+        <p:grpSpPr>
           <a:xfrm>
-            <a:off x="4767942" y="5517397"/>
-            <a:ext cx="1516621" cy="575552"/>
-          </a:xfrm>
-          <a:prstGeom prst="roundRect">
-            <a:avLst/>
-          </a:prstGeom>
-          <a:noFill/>
-          <a:ln w="28575">
-            <a:solidFill>
-              <a:srgbClr val="00B050"/>
-            </a:solidFill>
-            <a:prstDash val="sysDot"/>
-          </a:ln>
-        </p:spPr>
-        <p:style>
-          <a:lnRef idx="2">
-            <a:schemeClr val="accent1">
-              <a:shade val="50000"/>
-            </a:schemeClr>
-          </a:lnRef>
-          <a:fillRef idx="1">
-            <a:schemeClr val="accent1"/>
-          </a:fillRef>
-          <a:effectRef idx="0">
-            <a:schemeClr val="accent1"/>
-          </a:effectRef>
-          <a:fontRef idx="minor">
-            <a:schemeClr val="lt1"/>
-          </a:fontRef>
-        </p:style>
-        <p:txBody>
-          <a:bodyPr rtlCol="0" anchor="ctr"/>
-          <a:lstStyle/>
-          <a:p>
-            <a:pPr algn="ctr"/>
-            <a:endParaRPr lang="en-US">
+            <a:off x="4706045" y="3624825"/>
+            <a:ext cx="5676900" cy="3039282"/>
+            <a:chOff x="4706045" y="3624825"/>
+            <a:chExt cx="5676900" cy="3039282"/>
+          </a:xfrm>
+        </p:grpSpPr>
+        <p:pic>
+          <p:nvPicPr>
+            <p:cNvPr id="9" name="Picture 8" descr="Text&#10;&#10;Description automatically generated">
+              <a:extLst>
+                <a:ext uri="{FF2B5EF4-FFF2-40B4-BE49-F238E27FC236}">
+                  <a16:creationId xmlns:a16="http://schemas.microsoft.com/office/drawing/2014/main" id="{265747E9-0BAE-CF4C-92F9-E673C5F5116A}"/>
+                </a:ext>
+              </a:extLst>
+            </p:cNvPr>
+            <p:cNvPicPr>
+              <a:picLocks noChangeAspect="1"/>
+            </p:cNvPicPr>
+            <p:nvPr/>
+          </p:nvPicPr>
+          <p:blipFill>
+            <a:blip r:embed="rId4">
+              <a:extLst>
+                <a:ext uri="{BEBA8EAE-BF5A-486C-A8C5-ECC9F3942E4B}">
+                  <a14:imgProps xmlns:a14="http://schemas.microsoft.com/office/drawing/2010/main">
+                    <a14:imgLayer r:embed="rId5">
+                      <a14:imgEffect>
+                        <a14:sharpenSoften amount="50000"/>
+                      </a14:imgEffect>
+                    </a14:imgLayer>
+                  </a14:imgProps>
+                </a:ext>
+              </a:extLst>
+            </a:blip>
+            <a:stretch>
+              <a:fillRect/>
+            </a:stretch>
+          </p:blipFill>
+          <p:spPr>
+            <a:xfrm>
+              <a:off x="4706045" y="4936907"/>
+              <a:ext cx="5676900" cy="1727200"/>
+            </a:xfrm>
+            <a:prstGeom prst="rect">
+              <a:avLst/>
+            </a:prstGeom>
+            <a:ln w="19050">
+              <a:solidFill>
+                <a:srgbClr val="00B0F0"/>
+              </a:solidFill>
+            </a:ln>
+          </p:spPr>
+        </p:pic>
+        <p:cxnSp>
+          <p:nvCxnSpPr>
+            <p:cNvPr id="30" name="Straight Arrow Connector 29">
+              <a:extLst>
+                <a:ext uri="{FF2B5EF4-FFF2-40B4-BE49-F238E27FC236}">
+                  <a16:creationId xmlns:a16="http://schemas.microsoft.com/office/drawing/2014/main" id="{270258A9-D01E-9A4A-84A3-6A7507DF4896}"/>
+                </a:ext>
+              </a:extLst>
+            </p:cNvPr>
+            <p:cNvCxnSpPr>
+              <a:cxnSpLocks/>
+              <a:endCxn id="9" idx="0"/>
+            </p:cNvCxnSpPr>
+            <p:nvPr/>
+          </p:nvCxnSpPr>
+          <p:spPr>
+            <a:xfrm flipH="1">
+              <a:off x="7544495" y="3624825"/>
+              <a:ext cx="1815166" cy="1312082"/>
+            </a:xfrm>
+            <a:prstGeom prst="straightConnector1">
+              <a:avLst/>
+            </a:prstGeom>
+            <a:ln w="28575">
+              <a:tailEnd type="triangle"/>
+            </a:ln>
+          </p:spPr>
+          <p:style>
+            <a:lnRef idx="1">
+              <a:schemeClr val="accent1"/>
+            </a:lnRef>
+            <a:fillRef idx="0">
+              <a:schemeClr val="accent1"/>
+            </a:fillRef>
+            <a:effectRef idx="0">
+              <a:schemeClr val="accent1"/>
+            </a:effectRef>
+            <a:fontRef idx="minor">
+              <a:schemeClr val="tx1"/>
+            </a:fontRef>
+          </p:style>
+        </p:cxnSp>
+        <p:cxnSp>
+          <p:nvCxnSpPr>
+            <p:cNvPr id="32" name="Straight Arrow Connector 31">
+              <a:extLst>
+                <a:ext uri="{FF2B5EF4-FFF2-40B4-BE49-F238E27FC236}">
+                  <a16:creationId xmlns:a16="http://schemas.microsoft.com/office/drawing/2014/main" id="{729892B6-B0DF-0F4C-A002-05F127C7AFCA}"/>
+                </a:ext>
+              </a:extLst>
+            </p:cNvPr>
+            <p:cNvCxnSpPr>
+              <a:cxnSpLocks/>
+              <a:endCxn id="9" idx="0"/>
+            </p:cNvCxnSpPr>
+            <p:nvPr/>
+          </p:nvCxnSpPr>
+          <p:spPr>
+            <a:xfrm flipH="1">
+              <a:off x="7544495" y="3860800"/>
+              <a:ext cx="1815165" cy="1076107"/>
+            </a:xfrm>
+            <a:prstGeom prst="straightConnector1">
+              <a:avLst/>
+            </a:prstGeom>
+            <a:ln w="28575">
+              <a:tailEnd type="triangle"/>
+            </a:ln>
+          </p:spPr>
+          <p:style>
+            <a:lnRef idx="1">
+              <a:schemeClr val="accent1"/>
+            </a:lnRef>
+            <a:fillRef idx="0">
+              <a:schemeClr val="accent1"/>
+            </a:fillRef>
+            <a:effectRef idx="0">
+              <a:schemeClr val="accent1"/>
+            </a:effectRef>
+            <a:fontRef idx="minor">
+              <a:schemeClr val="tx1"/>
+            </a:fontRef>
+          </p:style>
+        </p:cxnSp>
+        <p:sp>
+          <p:nvSpPr>
+            <p:cNvPr id="35" name="Rounded Rectangle 34">
+              <a:extLst>
+                <a:ext uri="{FF2B5EF4-FFF2-40B4-BE49-F238E27FC236}">
+                  <a16:creationId xmlns:a16="http://schemas.microsoft.com/office/drawing/2014/main" id="{A5E180C3-E8B6-D447-8396-4D22CE0ADCD6}"/>
+                </a:ext>
+              </a:extLst>
+            </p:cNvPr>
+            <p:cNvSpPr/>
+            <p:nvPr/>
+          </p:nvSpPr>
+          <p:spPr>
+            <a:xfrm>
+              <a:off x="4767942" y="5517397"/>
+              <a:ext cx="1516621" cy="575552"/>
+            </a:xfrm>
+            <a:prstGeom prst="roundRect">
+              <a:avLst/>
+            </a:prstGeom>
+            <a:noFill/>
+            <a:ln w="28575">
               <a:solidFill>
                 <a:srgbClr val="00B050"/>
               </a:solidFill>
-            </a:endParaRPr>
-          </a:p>
-        </p:txBody>
-      </p:sp>
+              <a:prstDash val="sysDot"/>
+            </a:ln>
+          </p:spPr>
+          <p:style>
+            <a:lnRef idx="2">
+              <a:schemeClr val="accent1">
+                <a:shade val="50000"/>
+              </a:schemeClr>
+            </a:lnRef>
+            <a:fillRef idx="1">
+              <a:schemeClr val="accent1"/>
+            </a:fillRef>
+            <a:effectRef idx="0">
+              <a:schemeClr val="accent1"/>
+            </a:effectRef>
+            <a:fontRef idx="minor">
+              <a:schemeClr val="lt1"/>
+            </a:fontRef>
+          </p:style>
+          <p:txBody>
+            <a:bodyPr rtlCol="0" anchor="ctr"/>
+            <a:lstStyle/>
+            <a:p>
+              <a:pPr algn="ctr"/>
+              <a:endParaRPr lang="en-US">
+                <a:solidFill>
+                  <a:srgbClr val="00B050"/>
+                </a:solidFill>
+              </a:endParaRPr>
+            </a:p>
+          </p:txBody>
+        </p:sp>
+      </p:grpSp>
     </p:spTree>
     <p:extLst>
       <p:ext uri="{BB962C8B-B14F-4D97-AF65-F5344CB8AC3E}">
@@ -3960,7 +3981,7 @@
                             </p:stCondLst>
                             <p:childTnLst>
                               <p:par>
-                                <p:cTn id="5" presetID="1" presetClass="entr" presetSubtype="0" fill="hold" grpId="0" nodeType="clickEffect">
+                                <p:cTn id="5" presetID="1" presetClass="entr" presetSubtype="0" fill="hold" nodeType="clickEffect">
                                   <p:stCondLst>
                                     <p:cond delay="0"/>
                                   </p:stCondLst>
@@ -3973,7 +3994,7 @@
                                           </p:stCondLst>
                                         </p:cTn>
                                         <p:tgtEl>
-                                          <p:spTgt spid="17"/>
+                                          <p:spTgt spid="2"/>
                                         </p:tgtEl>
                                         <p:attrNameLst>
                                           <p:attrName>style.visibility</p:attrName>
@@ -4013,9 +4034,6 @@
         </p:cTn>
       </p:par>
     </p:tnLst>
-    <p:bldLst>
-      <p:bldP spid="17" grpId="0"/>
-    </p:bldLst>
   </p:timing>
 </p:sld>
 </file>
@@ -4783,7 +4801,7 @@
         </p:blipFill>
         <p:spPr>
           <a:xfrm>
-            <a:off x="2146992" y="4732304"/>
+            <a:off x="648771" y="4823047"/>
             <a:ext cx="4072139" cy="1752212"/>
           </a:xfrm>
           <a:prstGeom prst="rect">
@@ -4920,597 +4938,6 @@
   <p:clrMapOvr>
     <a:masterClrMapping/>
   </p:clrMapOvr>
-</p:sld>
-</file>
-
-<file path=ppt/slides/slide14.xml><?xml version="1.0" encoding="utf-8"?>
-<p:sld xmlns:a="http://schemas.openxmlformats.org/drawingml/2006/main" xmlns:r="http://schemas.openxmlformats.org/officeDocument/2006/relationships" xmlns:p="http://schemas.openxmlformats.org/presentationml/2006/main">
-  <p:cSld>
-    <p:spTree>
-      <p:nvGrpSpPr>
-        <p:cNvPr id="1" name=""/>
-        <p:cNvGrpSpPr/>
-        <p:nvPr/>
-      </p:nvGrpSpPr>
-      <p:grpSpPr>
-        <a:xfrm>
-          <a:off x="0" y="0"/>
-          <a:ext cx="0" cy="0"/>
-          <a:chOff x="0" y="0"/>
-          <a:chExt cx="0" cy="0"/>
-        </a:xfrm>
-      </p:grpSpPr>
-      <p:pic>
-        <p:nvPicPr>
-          <p:cNvPr id="8" name="Picture 7" descr="Chart, treemap chart&#10;&#10;Description automatically generated">
-            <a:extLst>
-              <a:ext uri="{FF2B5EF4-FFF2-40B4-BE49-F238E27FC236}">
-                <a16:creationId xmlns:a16="http://schemas.microsoft.com/office/drawing/2014/main" id="{7AF8D256-2904-A34F-9605-60C429C2DEA8}"/>
-              </a:ext>
-            </a:extLst>
-          </p:cNvPr>
-          <p:cNvPicPr>
-            <a:picLocks noChangeAspect="1"/>
-          </p:cNvPicPr>
-          <p:nvPr/>
-        </p:nvPicPr>
-        <p:blipFill rotWithShape="1">
-          <a:blip r:embed="rId2"/>
-          <a:srcRect l="2522" r="5680" b="1986"/>
-          <a:stretch/>
-        </p:blipFill>
-        <p:spPr>
-          <a:xfrm>
-            <a:off x="382248" y="725482"/>
-            <a:ext cx="7345181" cy="6074440"/>
-          </a:xfrm>
-          <a:prstGeom prst="rect">
-            <a:avLst/>
-          </a:prstGeom>
-        </p:spPr>
-      </p:pic>
-      <p:sp>
-        <p:nvSpPr>
-          <p:cNvPr id="2" name="Title 1">
-            <a:extLst>
-              <a:ext uri="{FF2B5EF4-FFF2-40B4-BE49-F238E27FC236}">
-                <a16:creationId xmlns:a16="http://schemas.microsoft.com/office/drawing/2014/main" id="{0C084886-D550-0448-A88B-9773F3BC4EE9}"/>
-              </a:ext>
-            </a:extLst>
-          </p:cNvPr>
-          <p:cNvSpPr>
-            <a:spLocks noGrp="1"/>
-          </p:cNvSpPr>
-          <p:nvPr>
-            <p:ph type="title"/>
-          </p:nvPr>
-        </p:nvSpPr>
-        <p:spPr>
-          <a:xfrm>
-            <a:off x="0" y="-208913"/>
-            <a:ext cx="10515600" cy="1325563"/>
-          </a:xfrm>
-        </p:spPr>
-        <p:txBody>
-          <a:bodyPr/>
-          <a:lstStyle/>
-          <a:p>
-            <a:r>
-              <a:rPr lang="en-US" dirty="0"/>
-              <a:t>VI. Nonessential  </a:t>
-            </a:r>
-          </a:p>
-        </p:txBody>
-      </p:sp>
-      <p:pic>
-        <p:nvPicPr>
-          <p:cNvPr id="7" name="Picture 6" descr="Table&#10;&#10;Description automatically generated">
-            <a:extLst>
-              <a:ext uri="{FF2B5EF4-FFF2-40B4-BE49-F238E27FC236}">
-                <a16:creationId xmlns:a16="http://schemas.microsoft.com/office/drawing/2014/main" id="{A46C5A97-9298-B44D-969F-2CF042F088DA}"/>
-              </a:ext>
-            </a:extLst>
-          </p:cNvPr>
-          <p:cNvPicPr>
-            <a:picLocks noChangeAspect="1"/>
-          </p:cNvPicPr>
-          <p:nvPr/>
-        </p:nvPicPr>
-        <p:blipFill>
-          <a:blip r:embed="rId3"/>
-          <a:stretch>
-            <a:fillRect/>
-          </a:stretch>
-        </p:blipFill>
-        <p:spPr>
-          <a:xfrm>
-            <a:off x="8611467" y="110788"/>
-            <a:ext cx="3113473" cy="5630562"/>
-          </a:xfrm>
-          <a:prstGeom prst="rect">
-            <a:avLst/>
-          </a:prstGeom>
-        </p:spPr>
-      </p:pic>
-      <p:cxnSp>
-        <p:nvCxnSpPr>
-          <p:cNvPr id="10" name="Straight Arrow Connector 9">
-            <a:extLst>
-              <a:ext uri="{FF2B5EF4-FFF2-40B4-BE49-F238E27FC236}">
-                <a16:creationId xmlns:a16="http://schemas.microsoft.com/office/drawing/2014/main" id="{FA96A26A-9756-6146-9C6D-4DD882B7808B}"/>
-              </a:ext>
-            </a:extLst>
-          </p:cNvPr>
-          <p:cNvCxnSpPr/>
-          <p:nvPr/>
-        </p:nvCxnSpPr>
-        <p:spPr>
-          <a:xfrm flipH="1">
-            <a:off x="2428407" y="453868"/>
-            <a:ext cx="7884826" cy="5722080"/>
-          </a:xfrm>
-          <a:prstGeom prst="straightConnector1">
-            <a:avLst/>
-          </a:prstGeom>
-          <a:ln w="19050">
-            <a:solidFill>
-              <a:srgbClr val="FFFF00"/>
-            </a:solidFill>
-            <a:prstDash val="sysDot"/>
-            <a:tailEnd type="triangle"/>
-          </a:ln>
-        </p:spPr>
-        <p:style>
-          <a:lnRef idx="1">
-            <a:schemeClr val="accent6"/>
-          </a:lnRef>
-          <a:fillRef idx="0">
-            <a:schemeClr val="accent6"/>
-          </a:fillRef>
-          <a:effectRef idx="0">
-            <a:schemeClr val="accent6"/>
-          </a:effectRef>
-          <a:fontRef idx="minor">
-            <a:schemeClr val="tx1"/>
-          </a:fontRef>
-        </p:style>
-      </p:cxnSp>
-      <p:cxnSp>
-        <p:nvCxnSpPr>
-          <p:cNvPr id="11" name="Straight Arrow Connector 10">
-            <a:extLst>
-              <a:ext uri="{FF2B5EF4-FFF2-40B4-BE49-F238E27FC236}">
-                <a16:creationId xmlns:a16="http://schemas.microsoft.com/office/drawing/2014/main" id="{D527C385-2196-5C43-AE49-59592C24157C}"/>
-              </a:ext>
-            </a:extLst>
-          </p:cNvPr>
-          <p:cNvCxnSpPr>
-            <a:cxnSpLocks/>
-          </p:cNvCxnSpPr>
-          <p:nvPr/>
-        </p:nvCxnSpPr>
-        <p:spPr>
-          <a:xfrm flipH="1">
-            <a:off x="1139253" y="453868"/>
-            <a:ext cx="9173980" cy="1195050"/>
-          </a:xfrm>
-          <a:prstGeom prst="straightConnector1">
-            <a:avLst/>
-          </a:prstGeom>
-          <a:ln w="19050">
-            <a:solidFill>
-              <a:srgbClr val="FFFF00"/>
-            </a:solidFill>
-            <a:prstDash val="sysDot"/>
-            <a:tailEnd type="triangle"/>
-          </a:ln>
-        </p:spPr>
-        <p:style>
-          <a:lnRef idx="1">
-            <a:schemeClr val="accent6"/>
-          </a:lnRef>
-          <a:fillRef idx="0">
-            <a:schemeClr val="accent6"/>
-          </a:fillRef>
-          <a:effectRef idx="0">
-            <a:schemeClr val="accent6"/>
-          </a:effectRef>
-          <a:fontRef idx="minor">
-            <a:schemeClr val="tx1"/>
-          </a:fontRef>
-        </p:style>
-      </p:cxnSp>
-    </p:spTree>
-    <p:extLst>
-      <p:ext uri="{BB962C8B-B14F-4D97-AF65-F5344CB8AC3E}">
-        <p14:creationId xmlns:p14="http://schemas.microsoft.com/office/powerpoint/2010/main" val="2029397236"/>
-      </p:ext>
-    </p:extLst>
-  </p:cSld>
-  <p:clrMapOvr>
-    <a:masterClrMapping/>
-  </p:clrMapOvr>
-</p:sld>
-</file>
-
-<file path=ppt/slides/slide15.xml><?xml version="1.0" encoding="utf-8"?>
-<p:sld xmlns:a="http://schemas.openxmlformats.org/drawingml/2006/main" xmlns:r="http://schemas.openxmlformats.org/officeDocument/2006/relationships" xmlns:p="http://schemas.openxmlformats.org/presentationml/2006/main">
-  <p:cSld>
-    <p:spTree>
-      <p:nvGrpSpPr>
-        <p:cNvPr id="1" name=""/>
-        <p:cNvGrpSpPr/>
-        <p:nvPr/>
-      </p:nvGrpSpPr>
-      <p:grpSpPr>
-        <a:xfrm>
-          <a:off x="0" y="0"/>
-          <a:ext cx="0" cy="0"/>
-          <a:chOff x="0" y="0"/>
-          <a:chExt cx="0" cy="0"/>
-        </a:xfrm>
-      </p:grpSpPr>
-      <p:pic>
-        <p:nvPicPr>
-          <p:cNvPr id="17" name="Picture 16" descr="Chart, line chart&#10;&#10;Description automatically generated">
-            <a:extLst>
-              <a:ext uri="{FF2B5EF4-FFF2-40B4-BE49-F238E27FC236}">
-                <a16:creationId xmlns:a16="http://schemas.microsoft.com/office/drawing/2014/main" id="{FE81F948-B517-6E4F-9E27-66FE978A3871}"/>
-              </a:ext>
-            </a:extLst>
-          </p:cNvPr>
-          <p:cNvPicPr>
-            <a:picLocks noChangeAspect="1"/>
-          </p:cNvPicPr>
-          <p:nvPr/>
-        </p:nvPicPr>
-        <p:blipFill rotWithShape="1">
-          <a:blip r:embed="rId2"/>
-          <a:srcRect t="1942" b="2517"/>
-          <a:stretch/>
-        </p:blipFill>
-        <p:spPr>
-          <a:xfrm>
-            <a:off x="4714407" y="175612"/>
-            <a:ext cx="7111128" cy="6552191"/>
-          </a:xfrm>
-          <a:prstGeom prst="rect">
-            <a:avLst/>
-          </a:prstGeom>
-        </p:spPr>
-      </p:pic>
-      <p:sp>
-        <p:nvSpPr>
-          <p:cNvPr id="2" name="Title 1">
-            <a:extLst>
-              <a:ext uri="{FF2B5EF4-FFF2-40B4-BE49-F238E27FC236}">
-                <a16:creationId xmlns:a16="http://schemas.microsoft.com/office/drawing/2014/main" id="{0C084886-D550-0448-A88B-9773F3BC4EE9}"/>
-              </a:ext>
-            </a:extLst>
-          </p:cNvPr>
-          <p:cNvSpPr>
-            <a:spLocks noGrp="1"/>
-          </p:cNvSpPr>
-          <p:nvPr>
-            <p:ph type="title"/>
-          </p:nvPr>
-        </p:nvSpPr>
-        <p:spPr>
-          <a:xfrm>
-            <a:off x="0" y="-107214"/>
-            <a:ext cx="10515600" cy="1325563"/>
-          </a:xfrm>
-        </p:spPr>
-        <p:txBody>
-          <a:bodyPr/>
-          <a:lstStyle/>
-          <a:p>
-            <a:r>
-              <a:rPr lang="en-US" dirty="0"/>
-              <a:t>VII. Outliers  </a:t>
-            </a:r>
-          </a:p>
-        </p:txBody>
-      </p:sp>
-      <p:sp>
-        <p:nvSpPr>
-          <p:cNvPr id="9" name="Rectangle 8">
-            <a:extLst>
-              <a:ext uri="{FF2B5EF4-FFF2-40B4-BE49-F238E27FC236}">
-                <a16:creationId xmlns:a16="http://schemas.microsoft.com/office/drawing/2014/main" id="{B2EB1054-397C-DF47-B328-C58AB20F9D8D}"/>
-              </a:ext>
-            </a:extLst>
-          </p:cNvPr>
-          <p:cNvSpPr/>
-          <p:nvPr/>
-        </p:nvSpPr>
-        <p:spPr>
-          <a:xfrm>
-            <a:off x="9319522" y="2882480"/>
-            <a:ext cx="2392156" cy="349769"/>
-          </a:xfrm>
-          <a:prstGeom prst="rect">
-            <a:avLst/>
-          </a:prstGeom>
-          <a:noFill/>
-          <a:ln w="19050">
-            <a:solidFill>
-              <a:schemeClr val="tx1">
-                <a:lumMod val="75000"/>
-                <a:lumOff val="25000"/>
-              </a:schemeClr>
-            </a:solidFill>
-          </a:ln>
-        </p:spPr>
-        <p:style>
-          <a:lnRef idx="2">
-            <a:schemeClr val="accent1">
-              <a:shade val="50000"/>
-            </a:schemeClr>
-          </a:lnRef>
-          <a:fillRef idx="1">
-            <a:schemeClr val="accent1"/>
-          </a:fillRef>
-          <a:effectRef idx="0">
-            <a:schemeClr val="accent1"/>
-          </a:effectRef>
-          <a:fontRef idx="minor">
-            <a:schemeClr val="lt1"/>
-          </a:fontRef>
-        </p:style>
-        <p:txBody>
-          <a:bodyPr rtlCol="0" anchor="ctr"/>
-          <a:lstStyle/>
-          <a:p>
-            <a:pPr algn="ctr"/>
-            <a:endParaRPr lang="en-US"/>
-          </a:p>
-        </p:txBody>
-      </p:sp>
-      <p:cxnSp>
-        <p:nvCxnSpPr>
-          <p:cNvPr id="10" name="Straight Arrow Connector 9">
-            <a:extLst>
-              <a:ext uri="{FF2B5EF4-FFF2-40B4-BE49-F238E27FC236}">
-                <a16:creationId xmlns:a16="http://schemas.microsoft.com/office/drawing/2014/main" id="{16319B18-5889-7F4A-8B18-6C5D06BBDABC}"/>
-              </a:ext>
-            </a:extLst>
-          </p:cNvPr>
-          <p:cNvCxnSpPr>
-            <a:cxnSpLocks/>
-          </p:cNvCxnSpPr>
-          <p:nvPr/>
-        </p:nvCxnSpPr>
-        <p:spPr>
-          <a:xfrm flipH="1">
-            <a:off x="8907830" y="3232249"/>
-            <a:ext cx="480443" cy="788689"/>
-          </a:xfrm>
-          <a:prstGeom prst="straightConnector1">
-            <a:avLst/>
-          </a:prstGeom>
-          <a:ln>
-            <a:tailEnd type="triangle"/>
-          </a:ln>
-        </p:spPr>
-        <p:style>
-          <a:lnRef idx="2">
-            <a:schemeClr val="dk1"/>
-          </a:lnRef>
-          <a:fillRef idx="0">
-            <a:schemeClr val="dk1"/>
-          </a:fillRef>
-          <a:effectRef idx="1">
-            <a:schemeClr val="dk1"/>
-          </a:effectRef>
-          <a:fontRef idx="minor">
-            <a:schemeClr val="tx1"/>
-          </a:fontRef>
-        </p:style>
-      </p:cxnSp>
-      <p:sp>
-        <p:nvSpPr>
-          <p:cNvPr id="11" name="TextBox 10">
-            <a:extLst>
-              <a:ext uri="{FF2B5EF4-FFF2-40B4-BE49-F238E27FC236}">
-                <a16:creationId xmlns:a16="http://schemas.microsoft.com/office/drawing/2014/main" id="{C0AA4976-2731-EE46-96BB-0FCC362F002C}"/>
-              </a:ext>
-            </a:extLst>
-          </p:cNvPr>
-          <p:cNvSpPr txBox="1"/>
-          <p:nvPr/>
-        </p:nvSpPr>
-        <p:spPr>
-          <a:xfrm>
-            <a:off x="8446373" y="3414992"/>
-            <a:ext cx="808981" cy="369332"/>
-          </a:xfrm>
-          <a:prstGeom prst="rect">
-            <a:avLst/>
-          </a:prstGeom>
-          <a:noFill/>
-        </p:spPr>
-        <p:txBody>
-          <a:bodyPr wrap="square" rtlCol="0">
-            <a:spAutoFit/>
-          </a:bodyPr>
-          <a:lstStyle/>
-          <a:p>
-            <a:r>
-              <a:rPr lang="en-US" spc="-150" dirty="0">
-                <a:latin typeface="Andale Mono" panose="020B0509000000000004" pitchFamily="49" charset="0"/>
-              </a:rPr>
-              <a:t>Zoom</a:t>
-            </a:r>
-          </a:p>
-        </p:txBody>
-      </p:sp>
-      <p:sp>
-        <p:nvSpPr>
-          <p:cNvPr id="18" name="Rectangle 17">
-            <a:extLst>
-              <a:ext uri="{FF2B5EF4-FFF2-40B4-BE49-F238E27FC236}">
-                <a16:creationId xmlns:a16="http://schemas.microsoft.com/office/drawing/2014/main" id="{6335CC6A-268D-BF4C-AFC3-E3F041E12338}"/>
-              </a:ext>
-            </a:extLst>
-          </p:cNvPr>
-          <p:cNvSpPr/>
-          <p:nvPr/>
-        </p:nvSpPr>
-        <p:spPr>
-          <a:xfrm>
-            <a:off x="8333703" y="1754113"/>
-            <a:ext cx="202130" cy="86628"/>
-          </a:xfrm>
-          <a:prstGeom prst="rect">
-            <a:avLst/>
-          </a:prstGeom>
-          <a:solidFill>
-            <a:schemeClr val="bg1"/>
-          </a:solidFill>
-          <a:ln>
-            <a:noFill/>
-          </a:ln>
-        </p:spPr>
-        <p:style>
-          <a:lnRef idx="2">
-            <a:schemeClr val="accent1">
-              <a:shade val="50000"/>
-            </a:schemeClr>
-          </a:lnRef>
-          <a:fillRef idx="1">
-            <a:schemeClr val="accent1"/>
-          </a:fillRef>
-          <a:effectRef idx="0">
-            <a:schemeClr val="accent1"/>
-          </a:effectRef>
-          <a:fontRef idx="minor">
-            <a:schemeClr val="lt1"/>
-          </a:fontRef>
-        </p:style>
-        <p:txBody>
-          <a:bodyPr rtlCol="0" anchor="ctr"/>
-          <a:lstStyle/>
-          <a:p>
-            <a:pPr algn="ctr"/>
-            <a:endParaRPr lang="en-US"/>
-          </a:p>
-        </p:txBody>
-      </p:sp>
-      <p:sp>
-        <p:nvSpPr>
-          <p:cNvPr id="19" name="Rectangle 18">
-            <a:extLst>
-              <a:ext uri="{FF2B5EF4-FFF2-40B4-BE49-F238E27FC236}">
-                <a16:creationId xmlns:a16="http://schemas.microsoft.com/office/drawing/2014/main" id="{0A9B279C-935D-124D-AA96-2845A579105E}"/>
-              </a:ext>
-            </a:extLst>
-          </p:cNvPr>
-          <p:cNvSpPr/>
-          <p:nvPr/>
-        </p:nvSpPr>
-        <p:spPr>
-          <a:xfrm>
-            <a:off x="8345308" y="3365079"/>
-            <a:ext cx="202130" cy="86628"/>
-          </a:xfrm>
-          <a:prstGeom prst="rect">
-            <a:avLst/>
-          </a:prstGeom>
-          <a:solidFill>
-            <a:schemeClr val="bg1"/>
-          </a:solidFill>
-          <a:ln>
-            <a:noFill/>
-          </a:ln>
-        </p:spPr>
-        <p:style>
-          <a:lnRef idx="2">
-            <a:schemeClr val="accent1">
-              <a:shade val="50000"/>
-            </a:schemeClr>
-          </a:lnRef>
-          <a:fillRef idx="1">
-            <a:schemeClr val="accent1"/>
-          </a:fillRef>
-          <a:effectRef idx="0">
-            <a:schemeClr val="accent1"/>
-          </a:effectRef>
-          <a:fontRef idx="minor">
-            <a:schemeClr val="lt1"/>
-          </a:fontRef>
-        </p:style>
-        <p:txBody>
-          <a:bodyPr rtlCol="0" anchor="ctr"/>
-          <a:lstStyle/>
-          <a:p>
-            <a:pPr algn="ctr"/>
-            <a:endParaRPr lang="en-US"/>
-          </a:p>
-        </p:txBody>
-      </p:sp>
-      <p:sp>
-        <p:nvSpPr>
-          <p:cNvPr id="20" name="Rectangle 19">
-            <a:extLst>
-              <a:ext uri="{FF2B5EF4-FFF2-40B4-BE49-F238E27FC236}">
-                <a16:creationId xmlns:a16="http://schemas.microsoft.com/office/drawing/2014/main" id="{2EC9C576-CD8A-7544-B3D4-9B954E55CC66}"/>
-              </a:ext>
-            </a:extLst>
-          </p:cNvPr>
-          <p:cNvSpPr/>
-          <p:nvPr/>
-        </p:nvSpPr>
-        <p:spPr>
-          <a:xfrm>
-            <a:off x="8345308" y="4975325"/>
-            <a:ext cx="202130" cy="86628"/>
-          </a:xfrm>
-          <a:prstGeom prst="rect">
-            <a:avLst/>
-          </a:prstGeom>
-          <a:solidFill>
-            <a:schemeClr val="bg1"/>
-          </a:solidFill>
-          <a:ln>
-            <a:noFill/>
-          </a:ln>
-        </p:spPr>
-        <p:style>
-          <a:lnRef idx="2">
-            <a:schemeClr val="accent1">
-              <a:shade val="50000"/>
-            </a:schemeClr>
-          </a:lnRef>
-          <a:fillRef idx="1">
-            <a:schemeClr val="accent1"/>
-          </a:fillRef>
-          <a:effectRef idx="0">
-            <a:schemeClr val="accent1"/>
-          </a:effectRef>
-          <a:fontRef idx="minor">
-            <a:schemeClr val="lt1"/>
-          </a:fontRef>
-        </p:style>
-        <p:txBody>
-          <a:bodyPr rtlCol="0" anchor="ctr"/>
-          <a:lstStyle/>
-          <a:p>
-            <a:pPr algn="ctr"/>
-            <a:endParaRPr lang="en-US"/>
-          </a:p>
-        </p:txBody>
-      </p:sp>
-    </p:spTree>
-    <p:extLst>
-      <p:ext uri="{BB962C8B-B14F-4D97-AF65-F5344CB8AC3E}">
-        <p14:creationId xmlns:p14="http://schemas.microsoft.com/office/powerpoint/2010/main" val="3259504028"/>
-      </p:ext>
-    </p:extLst>
-  </p:cSld>
-  <p:clrMapOvr>
-    <a:masterClrMapping/>
-  </p:clrMapOvr>
   <p:timing>
     <p:tnLst>
       <p:par>
@@ -5532,7 +4959,7 @@
                             </p:stCondLst>
                             <p:childTnLst>
                               <p:par>
-                                <p:cTn id="5" presetID="1" presetClass="entr" presetSubtype="0" fill="hold" grpId="0" nodeType="clickEffect">
+                                <p:cTn id="5" presetID="1" presetClass="entr" presetSubtype="0" fill="hold" nodeType="clickEffect">
                                   <p:stCondLst>
                                     <p:cond delay="0"/>
                                   </p:stCondLst>
@@ -5545,7 +4972,97 @@
                                           </p:stCondLst>
                                         </p:cTn>
                                         <p:tgtEl>
-                                          <p:spTgt spid="11"/>
+                                          <p:spTgt spid="4"/>
+                                        </p:tgtEl>
+                                        <p:attrNameLst>
+                                          <p:attrName>style.visibility</p:attrName>
+                                        </p:attrNameLst>
+                                      </p:cBhvr>
+                                      <p:to>
+                                        <p:strVal val="visible"/>
+                                      </p:to>
+                                    </p:set>
+                                  </p:childTnLst>
+                                </p:cTn>
+                              </p:par>
+                            </p:childTnLst>
+                          </p:cTn>
+                        </p:par>
+                      </p:childTnLst>
+                    </p:cTn>
+                  </p:par>
+                  <p:par>
+                    <p:cTn id="7" fill="hold">
+                      <p:stCondLst>
+                        <p:cond delay="indefinite"/>
+                      </p:stCondLst>
+                      <p:childTnLst>
+                        <p:par>
+                          <p:cTn id="8" fill="hold">
+                            <p:stCondLst>
+                              <p:cond delay="0"/>
+                            </p:stCondLst>
+                            <p:childTnLst>
+                              <p:par>
+                                <p:cTn id="9" presetID="1" presetClass="entr" presetSubtype="0" fill="hold" nodeType="clickEffect">
+                                  <p:stCondLst>
+                                    <p:cond delay="0"/>
+                                  </p:stCondLst>
+                                  <p:childTnLst>
+                                    <p:set>
+                                      <p:cBhvr>
+                                        <p:cTn id="10" dur="1" fill="hold">
+                                          <p:stCondLst>
+                                            <p:cond delay="0"/>
+                                          </p:stCondLst>
+                                        </p:cTn>
+                                        <p:tgtEl>
+                                          <p:spTgt spid="7"/>
+                                        </p:tgtEl>
+                                        <p:attrNameLst>
+                                          <p:attrName>style.visibility</p:attrName>
+                                        </p:attrNameLst>
+                                      </p:cBhvr>
+                                      <p:to>
+                                        <p:strVal val="visible"/>
+                                      </p:to>
+                                    </p:set>
+                                  </p:childTnLst>
+                                </p:cTn>
+                              </p:par>
+                            </p:childTnLst>
+                          </p:cTn>
+                        </p:par>
+                      </p:childTnLst>
+                    </p:cTn>
+                  </p:par>
+                  <p:par>
+                    <p:cTn id="11" fill="hold">
+                      <p:stCondLst>
+                        <p:cond delay="indefinite"/>
+                      </p:stCondLst>
+                      <p:childTnLst>
+                        <p:par>
+                          <p:cTn id="12" fill="hold">
+                            <p:stCondLst>
+                              <p:cond delay="0"/>
+                            </p:stCondLst>
+                            <p:childTnLst>
+                              <p:par>
+                                <p:cTn id="13" presetID="1" presetClass="entr" presetSubtype="0" fill="hold" nodeType="clickEffect">
+                                  <p:stCondLst>
+                                    <p:cond delay="0"/>
+                                  </p:stCondLst>
+                                  <p:childTnLst>
+                                    <p:set>
+                                      <p:cBhvr>
+                                        <p:cTn id="14" dur="1" fill="hold">
+                                          <p:stCondLst>
+                                            <p:cond delay="0"/>
+                                          </p:stCondLst>
+                                        </p:cTn>
+                                        <p:tgtEl>
+                                          <p:spTgt spid="9"/>
                                         </p:tgtEl>
                                         <p:attrNameLst>
                                           <p:attrName>style.visibility</p:attrName>
@@ -5585,8 +5102,1210 @@
         </p:cTn>
       </p:par>
     </p:tnLst>
+  </p:timing>
+</p:sld>
+</file>
+
+<file path=ppt/slides/slide14.xml><?xml version="1.0" encoding="utf-8"?>
+<p:sld xmlns:a="http://schemas.openxmlformats.org/drawingml/2006/main" xmlns:r="http://schemas.openxmlformats.org/officeDocument/2006/relationships" xmlns:p="http://schemas.openxmlformats.org/presentationml/2006/main">
+  <p:cSld>
+    <p:spTree>
+      <p:nvGrpSpPr>
+        <p:cNvPr id="1" name=""/>
+        <p:cNvGrpSpPr/>
+        <p:nvPr/>
+      </p:nvGrpSpPr>
+      <p:grpSpPr>
+        <a:xfrm>
+          <a:off x="0" y="0"/>
+          <a:ext cx="0" cy="0"/>
+          <a:chOff x="0" y="0"/>
+          <a:chExt cx="0" cy="0"/>
+        </a:xfrm>
+      </p:grpSpPr>
+      <p:pic>
+        <p:nvPicPr>
+          <p:cNvPr id="8" name="Picture 7" descr="Chart, treemap chart&#10;&#10;Description automatically generated">
+            <a:extLst>
+              <a:ext uri="{FF2B5EF4-FFF2-40B4-BE49-F238E27FC236}">
+                <a16:creationId xmlns:a16="http://schemas.microsoft.com/office/drawing/2014/main" id="{7AF8D256-2904-A34F-9605-60C429C2DEA8}"/>
+              </a:ext>
+            </a:extLst>
+          </p:cNvPr>
+          <p:cNvPicPr>
+            <a:picLocks noChangeAspect="1"/>
+          </p:cNvPicPr>
+          <p:nvPr/>
+        </p:nvPicPr>
+        <p:blipFill rotWithShape="1">
+          <a:blip r:embed="rId2"/>
+          <a:srcRect l="2522" r="5680" b="1986"/>
+          <a:stretch/>
+        </p:blipFill>
+        <p:spPr>
+          <a:xfrm>
+            <a:off x="382248" y="725482"/>
+            <a:ext cx="7345181" cy="6074440"/>
+          </a:xfrm>
+          <a:prstGeom prst="rect">
+            <a:avLst/>
+          </a:prstGeom>
+        </p:spPr>
+      </p:pic>
+      <p:sp>
+        <p:nvSpPr>
+          <p:cNvPr id="2" name="Title 1">
+            <a:extLst>
+              <a:ext uri="{FF2B5EF4-FFF2-40B4-BE49-F238E27FC236}">
+                <a16:creationId xmlns:a16="http://schemas.microsoft.com/office/drawing/2014/main" id="{0C084886-D550-0448-A88B-9773F3BC4EE9}"/>
+              </a:ext>
+            </a:extLst>
+          </p:cNvPr>
+          <p:cNvSpPr>
+            <a:spLocks noGrp="1"/>
+          </p:cNvSpPr>
+          <p:nvPr>
+            <p:ph type="title"/>
+          </p:nvPr>
+        </p:nvSpPr>
+        <p:spPr>
+          <a:xfrm>
+            <a:off x="0" y="-208913"/>
+            <a:ext cx="10515600" cy="1325563"/>
+          </a:xfrm>
+        </p:spPr>
+        <p:txBody>
+          <a:bodyPr/>
+          <a:lstStyle/>
+          <a:p>
+            <a:r>
+              <a:rPr lang="en-US" dirty="0"/>
+              <a:t>VI. Nonessential  </a:t>
+            </a:r>
+          </a:p>
+        </p:txBody>
+      </p:sp>
+      <p:pic>
+        <p:nvPicPr>
+          <p:cNvPr id="7" name="Picture 6" descr="Table&#10;&#10;Description automatically generated">
+            <a:extLst>
+              <a:ext uri="{FF2B5EF4-FFF2-40B4-BE49-F238E27FC236}">
+                <a16:creationId xmlns:a16="http://schemas.microsoft.com/office/drawing/2014/main" id="{A46C5A97-9298-B44D-969F-2CF042F088DA}"/>
+              </a:ext>
+            </a:extLst>
+          </p:cNvPr>
+          <p:cNvPicPr>
+            <a:picLocks noChangeAspect="1"/>
+          </p:cNvPicPr>
+          <p:nvPr/>
+        </p:nvPicPr>
+        <p:blipFill>
+          <a:blip r:embed="rId3"/>
+          <a:stretch>
+            <a:fillRect/>
+          </a:stretch>
+        </p:blipFill>
+        <p:spPr>
+          <a:xfrm>
+            <a:off x="8632408" y="145689"/>
+            <a:ext cx="3113473" cy="5630562"/>
+          </a:xfrm>
+          <a:prstGeom prst="rect">
+            <a:avLst/>
+          </a:prstGeom>
+        </p:spPr>
+      </p:pic>
+      <p:cxnSp>
+        <p:nvCxnSpPr>
+          <p:cNvPr id="10" name="Straight Arrow Connector 9">
+            <a:extLst>
+              <a:ext uri="{FF2B5EF4-FFF2-40B4-BE49-F238E27FC236}">
+                <a16:creationId xmlns:a16="http://schemas.microsoft.com/office/drawing/2014/main" id="{FA96A26A-9756-6146-9C6D-4DD882B7808B}"/>
+              </a:ext>
+            </a:extLst>
+          </p:cNvPr>
+          <p:cNvCxnSpPr/>
+          <p:nvPr/>
+        </p:nvCxnSpPr>
+        <p:spPr>
+          <a:xfrm flipH="1">
+            <a:off x="2428407" y="453868"/>
+            <a:ext cx="7884826" cy="5722080"/>
+          </a:xfrm>
+          <a:prstGeom prst="straightConnector1">
+            <a:avLst/>
+          </a:prstGeom>
+          <a:ln w="19050">
+            <a:solidFill>
+              <a:srgbClr val="FFFF00"/>
+            </a:solidFill>
+            <a:prstDash val="sysDot"/>
+            <a:tailEnd type="triangle"/>
+          </a:ln>
+        </p:spPr>
+        <p:style>
+          <a:lnRef idx="1">
+            <a:schemeClr val="accent6"/>
+          </a:lnRef>
+          <a:fillRef idx="0">
+            <a:schemeClr val="accent6"/>
+          </a:fillRef>
+          <a:effectRef idx="0">
+            <a:schemeClr val="accent6"/>
+          </a:effectRef>
+          <a:fontRef idx="minor">
+            <a:schemeClr val="tx1"/>
+          </a:fontRef>
+        </p:style>
+      </p:cxnSp>
+      <p:cxnSp>
+        <p:nvCxnSpPr>
+          <p:cNvPr id="11" name="Straight Arrow Connector 10">
+            <a:extLst>
+              <a:ext uri="{FF2B5EF4-FFF2-40B4-BE49-F238E27FC236}">
+                <a16:creationId xmlns:a16="http://schemas.microsoft.com/office/drawing/2014/main" id="{D527C385-2196-5C43-AE49-59592C24157C}"/>
+              </a:ext>
+            </a:extLst>
+          </p:cNvPr>
+          <p:cNvCxnSpPr>
+            <a:cxnSpLocks/>
+          </p:cNvCxnSpPr>
+          <p:nvPr/>
+        </p:nvCxnSpPr>
+        <p:spPr>
+          <a:xfrm flipH="1">
+            <a:off x="1139253" y="453868"/>
+            <a:ext cx="9173980" cy="1195050"/>
+          </a:xfrm>
+          <a:prstGeom prst="straightConnector1">
+            <a:avLst/>
+          </a:prstGeom>
+          <a:ln w="19050">
+            <a:solidFill>
+              <a:srgbClr val="FFFF00"/>
+            </a:solidFill>
+            <a:prstDash val="sysDot"/>
+            <a:tailEnd type="triangle"/>
+          </a:ln>
+        </p:spPr>
+        <p:style>
+          <a:lnRef idx="1">
+            <a:schemeClr val="accent6"/>
+          </a:lnRef>
+          <a:fillRef idx="0">
+            <a:schemeClr val="accent6"/>
+          </a:fillRef>
+          <a:effectRef idx="0">
+            <a:schemeClr val="accent6"/>
+          </a:effectRef>
+          <a:fontRef idx="minor">
+            <a:schemeClr val="tx1"/>
+          </a:fontRef>
+        </p:style>
+      </p:cxnSp>
+    </p:spTree>
+    <p:extLst>
+      <p:ext uri="{BB962C8B-B14F-4D97-AF65-F5344CB8AC3E}">
+        <p14:creationId xmlns:p14="http://schemas.microsoft.com/office/powerpoint/2010/main" val="2029397236"/>
+      </p:ext>
+    </p:extLst>
+  </p:cSld>
+  <p:clrMapOvr>
+    <a:masterClrMapping/>
+  </p:clrMapOvr>
+  <p:timing>
+    <p:tnLst>
+      <p:par>
+        <p:cTn id="1" dur="indefinite" restart="never" nodeType="tmRoot">
+          <p:childTnLst>
+            <p:seq concurrent="1" nextAc="seek">
+              <p:cTn id="2" dur="indefinite" nodeType="mainSeq">
+                <p:childTnLst>
+                  <p:par>
+                    <p:cTn id="3" fill="hold">
+                      <p:stCondLst>
+                        <p:cond delay="indefinite"/>
+                      </p:stCondLst>
+                      <p:childTnLst>
+                        <p:par>
+                          <p:cTn id="4" fill="hold">
+                            <p:stCondLst>
+                              <p:cond delay="0"/>
+                            </p:stCondLst>
+                            <p:childTnLst>
+                              <p:par>
+                                <p:cTn id="5" presetID="1" presetClass="entr" presetSubtype="0" fill="hold" nodeType="clickEffect">
+                                  <p:stCondLst>
+                                    <p:cond delay="0"/>
+                                  </p:stCondLst>
+                                  <p:childTnLst>
+                                    <p:set>
+                                      <p:cBhvr>
+                                        <p:cTn id="6" dur="1" fill="hold">
+                                          <p:stCondLst>
+                                            <p:cond delay="0"/>
+                                          </p:stCondLst>
+                                        </p:cTn>
+                                        <p:tgtEl>
+                                          <p:spTgt spid="7"/>
+                                        </p:tgtEl>
+                                        <p:attrNameLst>
+                                          <p:attrName>style.visibility</p:attrName>
+                                        </p:attrNameLst>
+                                      </p:cBhvr>
+                                      <p:to>
+                                        <p:strVal val="visible"/>
+                                      </p:to>
+                                    </p:set>
+                                  </p:childTnLst>
+                                </p:cTn>
+                              </p:par>
+                            </p:childTnLst>
+                          </p:cTn>
+                        </p:par>
+                      </p:childTnLst>
+                    </p:cTn>
+                  </p:par>
+                  <p:par>
+                    <p:cTn id="7" fill="hold">
+                      <p:stCondLst>
+                        <p:cond delay="indefinite"/>
+                      </p:stCondLst>
+                      <p:childTnLst>
+                        <p:par>
+                          <p:cTn id="8" fill="hold">
+                            <p:stCondLst>
+                              <p:cond delay="0"/>
+                            </p:stCondLst>
+                            <p:childTnLst>
+                              <p:par>
+                                <p:cTn id="9" presetID="1" presetClass="entr" presetSubtype="0" fill="hold" nodeType="clickEffect">
+                                  <p:stCondLst>
+                                    <p:cond delay="0"/>
+                                  </p:stCondLst>
+                                  <p:childTnLst>
+                                    <p:set>
+                                      <p:cBhvr>
+                                        <p:cTn id="10" dur="1" fill="hold">
+                                          <p:stCondLst>
+                                            <p:cond delay="0"/>
+                                          </p:stCondLst>
+                                        </p:cTn>
+                                        <p:tgtEl>
+                                          <p:spTgt spid="8"/>
+                                        </p:tgtEl>
+                                        <p:attrNameLst>
+                                          <p:attrName>style.visibility</p:attrName>
+                                        </p:attrNameLst>
+                                      </p:cBhvr>
+                                      <p:to>
+                                        <p:strVal val="visible"/>
+                                      </p:to>
+                                    </p:set>
+                                  </p:childTnLst>
+                                </p:cTn>
+                              </p:par>
+                            </p:childTnLst>
+                          </p:cTn>
+                        </p:par>
+                      </p:childTnLst>
+                    </p:cTn>
+                  </p:par>
+                  <p:par>
+                    <p:cTn id="11" fill="hold">
+                      <p:stCondLst>
+                        <p:cond delay="indefinite"/>
+                      </p:stCondLst>
+                      <p:childTnLst>
+                        <p:par>
+                          <p:cTn id="12" fill="hold">
+                            <p:stCondLst>
+                              <p:cond delay="0"/>
+                            </p:stCondLst>
+                            <p:childTnLst>
+                              <p:par>
+                                <p:cTn id="13" presetID="1" presetClass="entr" presetSubtype="0" fill="hold" nodeType="clickEffect">
+                                  <p:stCondLst>
+                                    <p:cond delay="0"/>
+                                  </p:stCondLst>
+                                  <p:childTnLst>
+                                    <p:set>
+                                      <p:cBhvr>
+                                        <p:cTn id="14" dur="1" fill="hold">
+                                          <p:stCondLst>
+                                            <p:cond delay="0"/>
+                                          </p:stCondLst>
+                                        </p:cTn>
+                                        <p:tgtEl>
+                                          <p:spTgt spid="11"/>
+                                        </p:tgtEl>
+                                        <p:attrNameLst>
+                                          <p:attrName>style.visibility</p:attrName>
+                                        </p:attrNameLst>
+                                      </p:cBhvr>
+                                      <p:to>
+                                        <p:strVal val="visible"/>
+                                      </p:to>
+                                    </p:set>
+                                  </p:childTnLst>
+                                </p:cTn>
+                              </p:par>
+                              <p:par>
+                                <p:cTn id="15" presetID="1" presetClass="entr" presetSubtype="0" fill="hold" nodeType="withEffect">
+                                  <p:stCondLst>
+                                    <p:cond delay="0"/>
+                                  </p:stCondLst>
+                                  <p:childTnLst>
+                                    <p:set>
+                                      <p:cBhvr>
+                                        <p:cTn id="16" dur="1" fill="hold">
+                                          <p:stCondLst>
+                                            <p:cond delay="0"/>
+                                          </p:stCondLst>
+                                        </p:cTn>
+                                        <p:tgtEl>
+                                          <p:spTgt spid="10"/>
+                                        </p:tgtEl>
+                                        <p:attrNameLst>
+                                          <p:attrName>style.visibility</p:attrName>
+                                        </p:attrNameLst>
+                                      </p:cBhvr>
+                                      <p:to>
+                                        <p:strVal val="visible"/>
+                                      </p:to>
+                                    </p:set>
+                                  </p:childTnLst>
+                                </p:cTn>
+                              </p:par>
+                            </p:childTnLst>
+                          </p:cTn>
+                        </p:par>
+                      </p:childTnLst>
+                    </p:cTn>
+                  </p:par>
+                </p:childTnLst>
+              </p:cTn>
+              <p:prevCondLst>
+                <p:cond evt="onPrev" delay="0">
+                  <p:tgtEl>
+                    <p:sldTgt/>
+                  </p:tgtEl>
+                </p:cond>
+              </p:prevCondLst>
+              <p:nextCondLst>
+                <p:cond evt="onNext" delay="0">
+                  <p:tgtEl>
+                    <p:sldTgt/>
+                  </p:tgtEl>
+                </p:cond>
+              </p:nextCondLst>
+            </p:seq>
+          </p:childTnLst>
+        </p:cTn>
+      </p:par>
+    </p:tnLst>
+  </p:timing>
+</p:sld>
+</file>
+
+<file path=ppt/slides/slide15.xml><?xml version="1.0" encoding="utf-8"?>
+<p:sld xmlns:a="http://schemas.openxmlformats.org/drawingml/2006/main" xmlns:r="http://schemas.openxmlformats.org/officeDocument/2006/relationships" xmlns:p="http://schemas.openxmlformats.org/presentationml/2006/main">
+  <p:cSld>
+    <p:spTree>
+      <p:nvGrpSpPr>
+        <p:cNvPr id="1" name=""/>
+        <p:cNvGrpSpPr/>
+        <p:nvPr/>
+      </p:nvGrpSpPr>
+      <p:grpSpPr>
+        <a:xfrm>
+          <a:off x="0" y="0"/>
+          <a:ext cx="0" cy="0"/>
+          <a:chOff x="0" y="0"/>
+          <a:chExt cx="0" cy="0"/>
+        </a:xfrm>
+      </p:grpSpPr>
+      <p:pic>
+        <p:nvPicPr>
+          <p:cNvPr id="17" name="Picture 16" descr="Chart, line chart&#10;&#10;Description automatically generated">
+            <a:extLst>
+              <a:ext uri="{FF2B5EF4-FFF2-40B4-BE49-F238E27FC236}">
+                <a16:creationId xmlns:a16="http://schemas.microsoft.com/office/drawing/2014/main" id="{FE81F948-B517-6E4F-9E27-66FE978A3871}"/>
+              </a:ext>
+            </a:extLst>
+          </p:cNvPr>
+          <p:cNvPicPr>
+            <a:picLocks noChangeAspect="1"/>
+          </p:cNvPicPr>
+          <p:nvPr/>
+        </p:nvPicPr>
+        <p:blipFill rotWithShape="1">
+          <a:blip r:embed="rId2"/>
+          <a:srcRect t="1942" b="2517"/>
+          <a:stretch/>
+        </p:blipFill>
+        <p:spPr>
+          <a:xfrm>
+            <a:off x="4714407" y="175612"/>
+            <a:ext cx="7111128" cy="6552191"/>
+          </a:xfrm>
+          <a:prstGeom prst="rect">
+            <a:avLst/>
+          </a:prstGeom>
+        </p:spPr>
+      </p:pic>
+      <p:sp>
+        <p:nvSpPr>
+          <p:cNvPr id="2" name="Title 1">
+            <a:extLst>
+              <a:ext uri="{FF2B5EF4-FFF2-40B4-BE49-F238E27FC236}">
+                <a16:creationId xmlns:a16="http://schemas.microsoft.com/office/drawing/2014/main" id="{0C084886-D550-0448-A88B-9773F3BC4EE9}"/>
+              </a:ext>
+            </a:extLst>
+          </p:cNvPr>
+          <p:cNvSpPr>
+            <a:spLocks noGrp="1"/>
+          </p:cNvSpPr>
+          <p:nvPr>
+            <p:ph type="title"/>
+          </p:nvPr>
+        </p:nvSpPr>
+        <p:spPr>
+          <a:xfrm>
+            <a:off x="0" y="-107214"/>
+            <a:ext cx="10515600" cy="1325563"/>
+          </a:xfrm>
+        </p:spPr>
+        <p:txBody>
+          <a:bodyPr/>
+          <a:lstStyle/>
+          <a:p>
+            <a:r>
+              <a:rPr lang="en-US" dirty="0"/>
+              <a:t>VII. Outliers  </a:t>
+            </a:r>
+          </a:p>
+        </p:txBody>
+      </p:sp>
+      <p:sp>
+        <p:nvSpPr>
+          <p:cNvPr id="18" name="Rectangle 17">
+            <a:extLst>
+              <a:ext uri="{FF2B5EF4-FFF2-40B4-BE49-F238E27FC236}">
+                <a16:creationId xmlns:a16="http://schemas.microsoft.com/office/drawing/2014/main" id="{6335CC6A-268D-BF4C-AFC3-E3F041E12338}"/>
+              </a:ext>
+            </a:extLst>
+          </p:cNvPr>
+          <p:cNvSpPr/>
+          <p:nvPr/>
+        </p:nvSpPr>
+        <p:spPr>
+          <a:xfrm>
+            <a:off x="8333703" y="1754113"/>
+            <a:ext cx="202130" cy="86628"/>
+          </a:xfrm>
+          <a:prstGeom prst="rect">
+            <a:avLst/>
+          </a:prstGeom>
+          <a:solidFill>
+            <a:schemeClr val="bg1"/>
+          </a:solidFill>
+          <a:ln>
+            <a:noFill/>
+          </a:ln>
+        </p:spPr>
+        <p:style>
+          <a:lnRef idx="2">
+            <a:schemeClr val="accent1">
+              <a:shade val="50000"/>
+            </a:schemeClr>
+          </a:lnRef>
+          <a:fillRef idx="1">
+            <a:schemeClr val="accent1"/>
+          </a:fillRef>
+          <a:effectRef idx="0">
+            <a:schemeClr val="accent1"/>
+          </a:effectRef>
+          <a:fontRef idx="minor">
+            <a:schemeClr val="lt1"/>
+          </a:fontRef>
+        </p:style>
+        <p:txBody>
+          <a:bodyPr rtlCol="0" anchor="ctr"/>
+          <a:lstStyle/>
+          <a:p>
+            <a:pPr algn="ctr"/>
+            <a:endParaRPr lang="en-US"/>
+          </a:p>
+        </p:txBody>
+      </p:sp>
+      <p:sp>
+        <p:nvSpPr>
+          <p:cNvPr id="19" name="Rectangle 18">
+            <a:extLst>
+              <a:ext uri="{FF2B5EF4-FFF2-40B4-BE49-F238E27FC236}">
+                <a16:creationId xmlns:a16="http://schemas.microsoft.com/office/drawing/2014/main" id="{0A9B279C-935D-124D-AA96-2845A579105E}"/>
+              </a:ext>
+            </a:extLst>
+          </p:cNvPr>
+          <p:cNvSpPr/>
+          <p:nvPr/>
+        </p:nvSpPr>
+        <p:spPr>
+          <a:xfrm>
+            <a:off x="8345308" y="3365079"/>
+            <a:ext cx="202130" cy="86628"/>
+          </a:xfrm>
+          <a:prstGeom prst="rect">
+            <a:avLst/>
+          </a:prstGeom>
+          <a:solidFill>
+            <a:schemeClr val="bg1"/>
+          </a:solidFill>
+          <a:ln>
+            <a:noFill/>
+          </a:ln>
+        </p:spPr>
+        <p:style>
+          <a:lnRef idx="2">
+            <a:schemeClr val="accent1">
+              <a:shade val="50000"/>
+            </a:schemeClr>
+          </a:lnRef>
+          <a:fillRef idx="1">
+            <a:schemeClr val="accent1"/>
+          </a:fillRef>
+          <a:effectRef idx="0">
+            <a:schemeClr val="accent1"/>
+          </a:effectRef>
+          <a:fontRef idx="minor">
+            <a:schemeClr val="lt1"/>
+          </a:fontRef>
+        </p:style>
+        <p:txBody>
+          <a:bodyPr rtlCol="0" anchor="ctr"/>
+          <a:lstStyle/>
+          <a:p>
+            <a:pPr algn="ctr"/>
+            <a:endParaRPr lang="en-US"/>
+          </a:p>
+        </p:txBody>
+      </p:sp>
+      <p:sp>
+        <p:nvSpPr>
+          <p:cNvPr id="20" name="Rectangle 19">
+            <a:extLst>
+              <a:ext uri="{FF2B5EF4-FFF2-40B4-BE49-F238E27FC236}">
+                <a16:creationId xmlns:a16="http://schemas.microsoft.com/office/drawing/2014/main" id="{2EC9C576-CD8A-7544-B3D4-9B954E55CC66}"/>
+              </a:ext>
+            </a:extLst>
+          </p:cNvPr>
+          <p:cNvSpPr/>
+          <p:nvPr/>
+        </p:nvSpPr>
+        <p:spPr>
+          <a:xfrm>
+            <a:off x="8345308" y="4975325"/>
+            <a:ext cx="202130" cy="86628"/>
+          </a:xfrm>
+          <a:prstGeom prst="rect">
+            <a:avLst/>
+          </a:prstGeom>
+          <a:solidFill>
+            <a:schemeClr val="bg1"/>
+          </a:solidFill>
+          <a:ln>
+            <a:noFill/>
+          </a:ln>
+        </p:spPr>
+        <p:style>
+          <a:lnRef idx="2">
+            <a:schemeClr val="accent1">
+              <a:shade val="50000"/>
+            </a:schemeClr>
+          </a:lnRef>
+          <a:fillRef idx="1">
+            <a:schemeClr val="accent1"/>
+          </a:fillRef>
+          <a:effectRef idx="0">
+            <a:schemeClr val="accent1"/>
+          </a:effectRef>
+          <a:fontRef idx="minor">
+            <a:schemeClr val="lt1"/>
+          </a:fontRef>
+        </p:style>
+        <p:txBody>
+          <a:bodyPr rtlCol="0" anchor="ctr"/>
+          <a:lstStyle/>
+          <a:p>
+            <a:pPr algn="ctr"/>
+            <a:endParaRPr lang="en-US"/>
+          </a:p>
+        </p:txBody>
+      </p:sp>
+      <p:sp>
+        <p:nvSpPr>
+          <p:cNvPr id="4" name="Rectangle 3">
+            <a:extLst>
+              <a:ext uri="{FF2B5EF4-FFF2-40B4-BE49-F238E27FC236}">
+                <a16:creationId xmlns:a16="http://schemas.microsoft.com/office/drawing/2014/main" id="{8DF519EC-1F04-B040-9727-9257A45980C2}"/>
+              </a:ext>
+            </a:extLst>
+          </p:cNvPr>
+          <p:cNvSpPr/>
+          <p:nvPr/>
+        </p:nvSpPr>
+        <p:spPr>
+          <a:xfrm>
+            <a:off x="4612371" y="4964231"/>
+            <a:ext cx="7315200" cy="1601413"/>
+          </a:xfrm>
+          <a:prstGeom prst="rect">
+            <a:avLst/>
+          </a:prstGeom>
+          <a:solidFill>
+            <a:schemeClr val="bg1"/>
+          </a:solidFill>
+          <a:ln>
+            <a:solidFill>
+              <a:schemeClr val="bg1"/>
+            </a:solidFill>
+          </a:ln>
+        </p:spPr>
+        <p:style>
+          <a:lnRef idx="2">
+            <a:schemeClr val="accent1">
+              <a:shade val="50000"/>
+            </a:schemeClr>
+          </a:lnRef>
+          <a:fillRef idx="1">
+            <a:schemeClr val="accent1"/>
+          </a:fillRef>
+          <a:effectRef idx="0">
+            <a:schemeClr val="accent1"/>
+          </a:effectRef>
+          <a:fontRef idx="minor">
+            <a:schemeClr val="lt1"/>
+          </a:fontRef>
+        </p:style>
+        <p:txBody>
+          <a:bodyPr rtlCol="0" anchor="ctr"/>
+          <a:lstStyle/>
+          <a:p>
+            <a:pPr algn="ctr"/>
+            <a:endParaRPr lang="en-US"/>
+          </a:p>
+        </p:txBody>
+      </p:sp>
+      <p:sp>
+        <p:nvSpPr>
+          <p:cNvPr id="12" name="Rectangle 11">
+            <a:extLst>
+              <a:ext uri="{FF2B5EF4-FFF2-40B4-BE49-F238E27FC236}">
+                <a16:creationId xmlns:a16="http://schemas.microsoft.com/office/drawing/2014/main" id="{3189AFAE-DD3F-6640-9DCB-78E2DD4BDF89}"/>
+              </a:ext>
+            </a:extLst>
+          </p:cNvPr>
+          <p:cNvSpPr/>
+          <p:nvPr/>
+        </p:nvSpPr>
+        <p:spPr>
+          <a:xfrm>
+            <a:off x="4510335" y="3385729"/>
+            <a:ext cx="7315200" cy="1601413"/>
+          </a:xfrm>
+          <a:prstGeom prst="rect">
+            <a:avLst/>
+          </a:prstGeom>
+          <a:solidFill>
+            <a:schemeClr val="bg1"/>
+          </a:solidFill>
+          <a:ln>
+            <a:solidFill>
+              <a:schemeClr val="bg1"/>
+            </a:solidFill>
+          </a:ln>
+        </p:spPr>
+        <p:style>
+          <a:lnRef idx="2">
+            <a:schemeClr val="accent1">
+              <a:shade val="50000"/>
+            </a:schemeClr>
+          </a:lnRef>
+          <a:fillRef idx="1">
+            <a:schemeClr val="accent1"/>
+          </a:fillRef>
+          <a:effectRef idx="0">
+            <a:schemeClr val="accent1"/>
+          </a:effectRef>
+          <a:fontRef idx="minor">
+            <a:schemeClr val="lt1"/>
+          </a:fontRef>
+        </p:style>
+        <p:txBody>
+          <a:bodyPr rtlCol="0" anchor="ctr"/>
+          <a:lstStyle/>
+          <a:p>
+            <a:pPr algn="ctr"/>
+            <a:endParaRPr lang="en-US"/>
+          </a:p>
+        </p:txBody>
+      </p:sp>
+      <p:sp>
+        <p:nvSpPr>
+          <p:cNvPr id="13" name="Rectangle 12">
+            <a:extLst>
+              <a:ext uri="{FF2B5EF4-FFF2-40B4-BE49-F238E27FC236}">
+                <a16:creationId xmlns:a16="http://schemas.microsoft.com/office/drawing/2014/main" id="{43415E8D-435E-1248-80ED-8029CACCFAC1}"/>
+              </a:ext>
+            </a:extLst>
+          </p:cNvPr>
+          <p:cNvSpPr/>
+          <p:nvPr/>
+        </p:nvSpPr>
+        <p:spPr>
+          <a:xfrm>
+            <a:off x="4510335" y="1830368"/>
+            <a:ext cx="7315200" cy="1479107"/>
+          </a:xfrm>
+          <a:prstGeom prst="rect">
+            <a:avLst/>
+          </a:prstGeom>
+          <a:solidFill>
+            <a:schemeClr val="bg1"/>
+          </a:solidFill>
+          <a:ln>
+            <a:solidFill>
+              <a:schemeClr val="bg1"/>
+            </a:solidFill>
+          </a:ln>
+        </p:spPr>
+        <p:style>
+          <a:lnRef idx="2">
+            <a:schemeClr val="accent1">
+              <a:shade val="50000"/>
+            </a:schemeClr>
+          </a:lnRef>
+          <a:fillRef idx="1">
+            <a:schemeClr val="accent1"/>
+          </a:fillRef>
+          <a:effectRef idx="0">
+            <a:schemeClr val="accent1"/>
+          </a:effectRef>
+          <a:fontRef idx="minor">
+            <a:schemeClr val="lt1"/>
+          </a:fontRef>
+        </p:style>
+        <p:txBody>
+          <a:bodyPr rtlCol="0" anchor="ctr"/>
+          <a:lstStyle/>
+          <a:p>
+            <a:pPr algn="ctr"/>
+            <a:endParaRPr lang="en-US"/>
+          </a:p>
+        </p:txBody>
+      </p:sp>
+      <p:grpSp>
+        <p:nvGrpSpPr>
+          <p:cNvPr id="3" name="Group 2">
+            <a:extLst>
+              <a:ext uri="{FF2B5EF4-FFF2-40B4-BE49-F238E27FC236}">
+                <a16:creationId xmlns:a16="http://schemas.microsoft.com/office/drawing/2014/main" id="{CBB8E4E6-282C-F54C-9774-FF588676C4EF}"/>
+              </a:ext>
+            </a:extLst>
+          </p:cNvPr>
+          <p:cNvGrpSpPr/>
+          <p:nvPr/>
+        </p:nvGrpSpPr>
+        <p:grpSpPr>
+          <a:xfrm>
+            <a:off x="8446373" y="2882480"/>
+            <a:ext cx="3265305" cy="1138458"/>
+            <a:chOff x="8446373" y="2882480"/>
+            <a:chExt cx="3265305" cy="1138458"/>
+          </a:xfrm>
+        </p:grpSpPr>
+        <p:sp>
+          <p:nvSpPr>
+            <p:cNvPr id="9" name="Rectangle 8">
+              <a:extLst>
+                <a:ext uri="{FF2B5EF4-FFF2-40B4-BE49-F238E27FC236}">
+                  <a16:creationId xmlns:a16="http://schemas.microsoft.com/office/drawing/2014/main" id="{B2EB1054-397C-DF47-B328-C58AB20F9D8D}"/>
+                </a:ext>
+              </a:extLst>
+            </p:cNvPr>
+            <p:cNvSpPr/>
+            <p:nvPr/>
+          </p:nvSpPr>
+          <p:spPr>
+            <a:xfrm>
+              <a:off x="9319522" y="2882480"/>
+              <a:ext cx="2392156" cy="349769"/>
+            </a:xfrm>
+            <a:prstGeom prst="rect">
+              <a:avLst/>
+            </a:prstGeom>
+            <a:noFill/>
+            <a:ln w="19050">
+              <a:solidFill>
+                <a:schemeClr val="tx1">
+                  <a:lumMod val="75000"/>
+                  <a:lumOff val="25000"/>
+                </a:schemeClr>
+              </a:solidFill>
+            </a:ln>
+          </p:spPr>
+          <p:style>
+            <a:lnRef idx="2">
+              <a:schemeClr val="accent1">
+                <a:shade val="50000"/>
+              </a:schemeClr>
+            </a:lnRef>
+            <a:fillRef idx="1">
+              <a:schemeClr val="accent1"/>
+            </a:fillRef>
+            <a:effectRef idx="0">
+              <a:schemeClr val="accent1"/>
+            </a:effectRef>
+            <a:fontRef idx="minor">
+              <a:schemeClr val="lt1"/>
+            </a:fontRef>
+          </p:style>
+          <p:txBody>
+            <a:bodyPr rtlCol="0" anchor="ctr"/>
+            <a:lstStyle/>
+            <a:p>
+              <a:pPr algn="ctr"/>
+              <a:endParaRPr lang="en-US"/>
+            </a:p>
+          </p:txBody>
+        </p:sp>
+        <p:cxnSp>
+          <p:nvCxnSpPr>
+            <p:cNvPr id="10" name="Straight Arrow Connector 9">
+              <a:extLst>
+                <a:ext uri="{FF2B5EF4-FFF2-40B4-BE49-F238E27FC236}">
+                  <a16:creationId xmlns:a16="http://schemas.microsoft.com/office/drawing/2014/main" id="{16319B18-5889-7F4A-8B18-6C5D06BBDABC}"/>
+                </a:ext>
+              </a:extLst>
+            </p:cNvPr>
+            <p:cNvCxnSpPr>
+              <a:cxnSpLocks/>
+            </p:cNvCxnSpPr>
+            <p:nvPr/>
+          </p:nvCxnSpPr>
+          <p:spPr>
+            <a:xfrm flipH="1">
+              <a:off x="8907830" y="3232249"/>
+              <a:ext cx="480443" cy="788689"/>
+            </a:xfrm>
+            <a:prstGeom prst="straightConnector1">
+              <a:avLst/>
+            </a:prstGeom>
+            <a:ln>
+              <a:tailEnd type="triangle"/>
+            </a:ln>
+          </p:spPr>
+          <p:style>
+            <a:lnRef idx="2">
+              <a:schemeClr val="dk1"/>
+            </a:lnRef>
+            <a:fillRef idx="0">
+              <a:schemeClr val="dk1"/>
+            </a:fillRef>
+            <a:effectRef idx="1">
+              <a:schemeClr val="dk1"/>
+            </a:effectRef>
+            <a:fontRef idx="minor">
+              <a:schemeClr val="tx1"/>
+            </a:fontRef>
+          </p:style>
+        </p:cxnSp>
+        <p:sp>
+          <p:nvSpPr>
+            <p:cNvPr id="11" name="TextBox 10">
+              <a:extLst>
+                <a:ext uri="{FF2B5EF4-FFF2-40B4-BE49-F238E27FC236}">
+                  <a16:creationId xmlns:a16="http://schemas.microsoft.com/office/drawing/2014/main" id="{C0AA4976-2731-EE46-96BB-0FCC362F002C}"/>
+                </a:ext>
+              </a:extLst>
+            </p:cNvPr>
+            <p:cNvSpPr txBox="1"/>
+            <p:nvPr/>
+          </p:nvSpPr>
+          <p:spPr>
+            <a:xfrm>
+              <a:off x="8446373" y="3414992"/>
+              <a:ext cx="808981" cy="369332"/>
+            </a:xfrm>
+            <a:prstGeom prst="rect">
+              <a:avLst/>
+            </a:prstGeom>
+            <a:noFill/>
+          </p:spPr>
+          <p:txBody>
+            <a:bodyPr wrap="square" rtlCol="0">
+              <a:spAutoFit/>
+            </a:bodyPr>
+            <a:lstStyle/>
+            <a:p>
+              <a:r>
+                <a:rPr lang="en-US" spc="-150" dirty="0">
+                  <a:latin typeface="Andale Mono" panose="020B0509000000000004" pitchFamily="49" charset="0"/>
+                </a:rPr>
+                <a:t>Zoom</a:t>
+              </a:r>
+            </a:p>
+          </p:txBody>
+        </p:sp>
+      </p:grpSp>
+    </p:spTree>
+    <p:extLst>
+      <p:ext uri="{BB962C8B-B14F-4D97-AF65-F5344CB8AC3E}">
+        <p14:creationId xmlns:p14="http://schemas.microsoft.com/office/powerpoint/2010/main" val="3259504028"/>
+      </p:ext>
+    </p:extLst>
+  </p:cSld>
+  <p:clrMapOvr>
+    <a:masterClrMapping/>
+  </p:clrMapOvr>
+  <p:timing>
+    <p:tnLst>
+      <p:par>
+        <p:cTn id="1" dur="indefinite" restart="never" nodeType="tmRoot">
+          <p:childTnLst>
+            <p:seq concurrent="1" nextAc="seek">
+              <p:cTn id="2" dur="indefinite" nodeType="mainSeq">
+                <p:childTnLst>
+                  <p:par>
+                    <p:cTn id="3" fill="hold">
+                      <p:stCondLst>
+                        <p:cond delay="indefinite"/>
+                      </p:stCondLst>
+                      <p:childTnLst>
+                        <p:par>
+                          <p:cTn id="4" fill="hold">
+                            <p:stCondLst>
+                              <p:cond delay="0"/>
+                            </p:stCondLst>
+                            <p:childTnLst>
+                              <p:par>
+                                <p:cTn id="5" presetID="3" presetClass="exit" presetSubtype="10" fill="hold" grpId="0" nodeType="clickEffect">
+                                  <p:stCondLst>
+                                    <p:cond delay="0"/>
+                                  </p:stCondLst>
+                                  <p:childTnLst>
+                                    <p:animEffect transition="out" filter="blinds(horizontal)">
+                                      <p:cBhvr>
+                                        <p:cTn id="6" dur="500"/>
+                                        <p:tgtEl>
+                                          <p:spTgt spid="13"/>
+                                        </p:tgtEl>
+                                      </p:cBhvr>
+                                    </p:animEffect>
+                                    <p:set>
+                                      <p:cBhvr>
+                                        <p:cTn id="7" dur="1" fill="hold">
+                                          <p:stCondLst>
+                                            <p:cond delay="499"/>
+                                          </p:stCondLst>
+                                        </p:cTn>
+                                        <p:tgtEl>
+                                          <p:spTgt spid="13"/>
+                                        </p:tgtEl>
+                                        <p:attrNameLst>
+                                          <p:attrName>style.visibility</p:attrName>
+                                        </p:attrNameLst>
+                                      </p:cBhvr>
+                                      <p:to>
+                                        <p:strVal val="hidden"/>
+                                      </p:to>
+                                    </p:set>
+                                  </p:childTnLst>
+                                </p:cTn>
+                              </p:par>
+                            </p:childTnLst>
+                          </p:cTn>
+                        </p:par>
+                      </p:childTnLst>
+                    </p:cTn>
+                  </p:par>
+                  <p:par>
+                    <p:cTn id="8" fill="hold">
+                      <p:stCondLst>
+                        <p:cond delay="indefinite"/>
+                      </p:stCondLst>
+                      <p:childTnLst>
+                        <p:par>
+                          <p:cTn id="9" fill="hold">
+                            <p:stCondLst>
+                              <p:cond delay="0"/>
+                            </p:stCondLst>
+                            <p:childTnLst>
+                              <p:par>
+                                <p:cTn id="10" presetID="1" presetClass="entr" presetSubtype="0" fill="hold" nodeType="clickEffect">
+                                  <p:stCondLst>
+                                    <p:cond delay="0"/>
+                                  </p:stCondLst>
+                                  <p:childTnLst>
+                                    <p:set>
+                                      <p:cBhvr>
+                                        <p:cTn id="11" dur="1" fill="hold">
+                                          <p:stCondLst>
+                                            <p:cond delay="0"/>
+                                          </p:stCondLst>
+                                        </p:cTn>
+                                        <p:tgtEl>
+                                          <p:spTgt spid="3"/>
+                                        </p:tgtEl>
+                                        <p:attrNameLst>
+                                          <p:attrName>style.visibility</p:attrName>
+                                        </p:attrNameLst>
+                                      </p:cBhvr>
+                                      <p:to>
+                                        <p:strVal val="visible"/>
+                                      </p:to>
+                                    </p:set>
+                                  </p:childTnLst>
+                                </p:cTn>
+                              </p:par>
+                            </p:childTnLst>
+                          </p:cTn>
+                        </p:par>
+                      </p:childTnLst>
+                    </p:cTn>
+                  </p:par>
+                  <p:par>
+                    <p:cTn id="12" fill="hold">
+                      <p:stCondLst>
+                        <p:cond delay="indefinite"/>
+                      </p:stCondLst>
+                      <p:childTnLst>
+                        <p:par>
+                          <p:cTn id="13" fill="hold">
+                            <p:stCondLst>
+                              <p:cond delay="0"/>
+                            </p:stCondLst>
+                            <p:childTnLst>
+                              <p:par>
+                                <p:cTn id="14" presetID="3" presetClass="exit" presetSubtype="10" fill="hold" grpId="0" nodeType="clickEffect">
+                                  <p:stCondLst>
+                                    <p:cond delay="0"/>
+                                  </p:stCondLst>
+                                  <p:childTnLst>
+                                    <p:animEffect transition="out" filter="blinds(horizontal)">
+                                      <p:cBhvr>
+                                        <p:cTn id="15" dur="500"/>
+                                        <p:tgtEl>
+                                          <p:spTgt spid="12"/>
+                                        </p:tgtEl>
+                                      </p:cBhvr>
+                                    </p:animEffect>
+                                    <p:set>
+                                      <p:cBhvr>
+                                        <p:cTn id="16" dur="1" fill="hold">
+                                          <p:stCondLst>
+                                            <p:cond delay="499"/>
+                                          </p:stCondLst>
+                                        </p:cTn>
+                                        <p:tgtEl>
+                                          <p:spTgt spid="12"/>
+                                        </p:tgtEl>
+                                        <p:attrNameLst>
+                                          <p:attrName>style.visibility</p:attrName>
+                                        </p:attrNameLst>
+                                      </p:cBhvr>
+                                      <p:to>
+                                        <p:strVal val="hidden"/>
+                                      </p:to>
+                                    </p:set>
+                                  </p:childTnLst>
+                                </p:cTn>
+                              </p:par>
+                            </p:childTnLst>
+                          </p:cTn>
+                        </p:par>
+                      </p:childTnLst>
+                    </p:cTn>
+                  </p:par>
+                  <p:par>
+                    <p:cTn id="17" fill="hold">
+                      <p:stCondLst>
+                        <p:cond delay="indefinite"/>
+                      </p:stCondLst>
+                      <p:childTnLst>
+                        <p:par>
+                          <p:cTn id="18" fill="hold">
+                            <p:stCondLst>
+                              <p:cond delay="0"/>
+                            </p:stCondLst>
+                            <p:childTnLst>
+                              <p:par>
+                                <p:cTn id="19" presetID="3" presetClass="exit" presetSubtype="10" fill="hold" grpId="0" nodeType="clickEffect">
+                                  <p:stCondLst>
+                                    <p:cond delay="0"/>
+                                  </p:stCondLst>
+                                  <p:childTnLst>
+                                    <p:animEffect transition="out" filter="blinds(horizontal)">
+                                      <p:cBhvr>
+                                        <p:cTn id="20" dur="500"/>
+                                        <p:tgtEl>
+                                          <p:spTgt spid="4"/>
+                                        </p:tgtEl>
+                                      </p:cBhvr>
+                                    </p:animEffect>
+                                    <p:set>
+                                      <p:cBhvr>
+                                        <p:cTn id="21" dur="1" fill="hold">
+                                          <p:stCondLst>
+                                            <p:cond delay="499"/>
+                                          </p:stCondLst>
+                                        </p:cTn>
+                                        <p:tgtEl>
+                                          <p:spTgt spid="4"/>
+                                        </p:tgtEl>
+                                        <p:attrNameLst>
+                                          <p:attrName>style.visibility</p:attrName>
+                                        </p:attrNameLst>
+                                      </p:cBhvr>
+                                      <p:to>
+                                        <p:strVal val="hidden"/>
+                                      </p:to>
+                                    </p:set>
+                                  </p:childTnLst>
+                                </p:cTn>
+                              </p:par>
+                            </p:childTnLst>
+                          </p:cTn>
+                        </p:par>
+                      </p:childTnLst>
+                    </p:cTn>
+                  </p:par>
+                </p:childTnLst>
+              </p:cTn>
+              <p:prevCondLst>
+                <p:cond evt="onPrev" delay="0">
+                  <p:tgtEl>
+                    <p:sldTgt/>
+                  </p:tgtEl>
+                </p:cond>
+              </p:prevCondLst>
+              <p:nextCondLst>
+                <p:cond evt="onNext" delay="0">
+                  <p:tgtEl>
+                    <p:sldTgt/>
+                  </p:tgtEl>
+                </p:cond>
+              </p:nextCondLst>
+            </p:seq>
+          </p:childTnLst>
+        </p:cTn>
+      </p:par>
+    </p:tnLst>
     <p:bldLst>
-      <p:bldP spid="11" grpId="0"/>
+      <p:bldP spid="4" grpId="0" animBg="1"/>
+      <p:bldP spid="12" grpId="0" animBg="1"/>
+      <p:bldP spid="13" grpId="0" animBg="1"/>
     </p:bldLst>
   </p:timing>
 </p:sld>
@@ -6212,6 +6931,486 @@
   <p:clrMapOvr>
     <a:masterClrMapping/>
   </p:clrMapOvr>
+  <p:timing>
+    <p:tnLst>
+      <p:par>
+        <p:cTn id="1" dur="indefinite" restart="never" nodeType="tmRoot">
+          <p:childTnLst>
+            <p:seq concurrent="1" nextAc="seek">
+              <p:cTn id="2" dur="indefinite" nodeType="mainSeq">
+                <p:childTnLst>
+                  <p:par>
+                    <p:cTn id="3" fill="hold">
+                      <p:stCondLst>
+                        <p:cond delay="indefinite"/>
+                      </p:stCondLst>
+                      <p:childTnLst>
+                        <p:par>
+                          <p:cTn id="4" fill="hold">
+                            <p:stCondLst>
+                              <p:cond delay="0"/>
+                            </p:stCondLst>
+                            <p:childTnLst>
+                              <p:par>
+                                <p:cTn id="5" presetID="1" presetClass="entr" presetSubtype="0" fill="hold" nodeType="clickEffect">
+                                  <p:stCondLst>
+                                    <p:cond delay="0"/>
+                                  </p:stCondLst>
+                                  <p:childTnLst>
+                                    <p:set>
+                                      <p:cBhvr>
+                                        <p:cTn id="6" dur="1" fill="hold">
+                                          <p:stCondLst>
+                                            <p:cond delay="0"/>
+                                          </p:stCondLst>
+                                        </p:cTn>
+                                        <p:tgtEl>
+                                          <p:spTgt spid="4"/>
+                                        </p:tgtEl>
+                                        <p:attrNameLst>
+                                          <p:attrName>style.visibility</p:attrName>
+                                        </p:attrNameLst>
+                                      </p:cBhvr>
+                                      <p:to>
+                                        <p:strVal val="visible"/>
+                                      </p:to>
+                                    </p:set>
+                                  </p:childTnLst>
+                                </p:cTn>
+                              </p:par>
+                            </p:childTnLst>
+                          </p:cTn>
+                        </p:par>
+                      </p:childTnLst>
+                    </p:cTn>
+                  </p:par>
+                  <p:par>
+                    <p:cTn id="7" fill="hold">
+                      <p:stCondLst>
+                        <p:cond delay="indefinite"/>
+                      </p:stCondLst>
+                      <p:childTnLst>
+                        <p:par>
+                          <p:cTn id="8" fill="hold">
+                            <p:stCondLst>
+                              <p:cond delay="0"/>
+                            </p:stCondLst>
+                            <p:childTnLst>
+                              <p:par>
+                                <p:cTn id="9" presetID="1" presetClass="entr" presetSubtype="0" fill="hold" nodeType="clickEffect">
+                                  <p:stCondLst>
+                                    <p:cond delay="0"/>
+                                  </p:stCondLst>
+                                  <p:childTnLst>
+                                    <p:set>
+                                      <p:cBhvr>
+                                        <p:cTn id="10" dur="1" fill="hold">
+                                          <p:stCondLst>
+                                            <p:cond delay="0"/>
+                                          </p:stCondLst>
+                                        </p:cTn>
+                                        <p:tgtEl>
+                                          <p:spTgt spid="39"/>
+                                        </p:tgtEl>
+                                        <p:attrNameLst>
+                                          <p:attrName>style.visibility</p:attrName>
+                                        </p:attrNameLst>
+                                      </p:cBhvr>
+                                      <p:to>
+                                        <p:strVal val="visible"/>
+                                      </p:to>
+                                    </p:set>
+                                  </p:childTnLst>
+                                </p:cTn>
+                              </p:par>
+                            </p:childTnLst>
+                          </p:cTn>
+                        </p:par>
+                      </p:childTnLst>
+                    </p:cTn>
+                  </p:par>
+                  <p:par>
+                    <p:cTn id="11" fill="hold">
+                      <p:stCondLst>
+                        <p:cond delay="indefinite"/>
+                      </p:stCondLst>
+                      <p:childTnLst>
+                        <p:par>
+                          <p:cTn id="12" fill="hold">
+                            <p:stCondLst>
+                              <p:cond delay="0"/>
+                            </p:stCondLst>
+                            <p:childTnLst>
+                              <p:par>
+                                <p:cTn id="13" presetID="1" presetClass="entr" presetSubtype="0" fill="hold" nodeType="clickEffect">
+                                  <p:stCondLst>
+                                    <p:cond delay="0"/>
+                                  </p:stCondLst>
+                                  <p:childTnLst>
+                                    <p:set>
+                                      <p:cBhvr>
+                                        <p:cTn id="14" dur="1" fill="hold">
+                                          <p:stCondLst>
+                                            <p:cond delay="0"/>
+                                          </p:stCondLst>
+                                        </p:cTn>
+                                        <p:tgtEl>
+                                          <p:spTgt spid="8"/>
+                                        </p:tgtEl>
+                                        <p:attrNameLst>
+                                          <p:attrName>style.visibility</p:attrName>
+                                        </p:attrNameLst>
+                                      </p:cBhvr>
+                                      <p:to>
+                                        <p:strVal val="visible"/>
+                                      </p:to>
+                                    </p:set>
+                                  </p:childTnLst>
+                                </p:cTn>
+                              </p:par>
+                            </p:childTnLst>
+                          </p:cTn>
+                        </p:par>
+                      </p:childTnLst>
+                    </p:cTn>
+                  </p:par>
+                  <p:par>
+                    <p:cTn id="15" fill="hold">
+                      <p:stCondLst>
+                        <p:cond delay="indefinite"/>
+                      </p:stCondLst>
+                      <p:childTnLst>
+                        <p:par>
+                          <p:cTn id="16" fill="hold">
+                            <p:stCondLst>
+                              <p:cond delay="0"/>
+                            </p:stCondLst>
+                            <p:childTnLst>
+                              <p:par>
+                                <p:cTn id="17" presetID="1" presetClass="entr" presetSubtype="0" fill="hold" nodeType="clickEffect">
+                                  <p:stCondLst>
+                                    <p:cond delay="0"/>
+                                  </p:stCondLst>
+                                  <p:childTnLst>
+                                    <p:set>
+                                      <p:cBhvr>
+                                        <p:cTn id="18" dur="1" fill="hold">
+                                          <p:stCondLst>
+                                            <p:cond delay="0"/>
+                                          </p:stCondLst>
+                                        </p:cTn>
+                                        <p:tgtEl>
+                                          <p:spTgt spid="14"/>
+                                        </p:tgtEl>
+                                        <p:attrNameLst>
+                                          <p:attrName>style.visibility</p:attrName>
+                                        </p:attrNameLst>
+                                      </p:cBhvr>
+                                      <p:to>
+                                        <p:strVal val="visible"/>
+                                      </p:to>
+                                    </p:set>
+                                  </p:childTnLst>
+                                </p:cTn>
+                              </p:par>
+                            </p:childTnLst>
+                          </p:cTn>
+                        </p:par>
+                      </p:childTnLst>
+                    </p:cTn>
+                  </p:par>
+                  <p:par>
+                    <p:cTn id="19" fill="hold">
+                      <p:stCondLst>
+                        <p:cond delay="indefinite"/>
+                      </p:stCondLst>
+                      <p:childTnLst>
+                        <p:par>
+                          <p:cTn id="20" fill="hold">
+                            <p:stCondLst>
+                              <p:cond delay="0"/>
+                            </p:stCondLst>
+                            <p:childTnLst>
+                              <p:par>
+                                <p:cTn id="21" presetID="1" presetClass="entr" presetSubtype="0" fill="hold" nodeType="clickEffect">
+                                  <p:stCondLst>
+                                    <p:cond delay="0"/>
+                                  </p:stCondLst>
+                                  <p:childTnLst>
+                                    <p:set>
+                                      <p:cBhvr>
+                                        <p:cTn id="22" dur="1" fill="hold">
+                                          <p:stCondLst>
+                                            <p:cond delay="0"/>
+                                          </p:stCondLst>
+                                        </p:cTn>
+                                        <p:tgtEl>
+                                          <p:spTgt spid="17"/>
+                                        </p:tgtEl>
+                                        <p:attrNameLst>
+                                          <p:attrName>style.visibility</p:attrName>
+                                        </p:attrNameLst>
+                                      </p:cBhvr>
+                                      <p:to>
+                                        <p:strVal val="visible"/>
+                                      </p:to>
+                                    </p:set>
+                                  </p:childTnLst>
+                                </p:cTn>
+                              </p:par>
+                            </p:childTnLst>
+                          </p:cTn>
+                        </p:par>
+                      </p:childTnLst>
+                    </p:cTn>
+                  </p:par>
+                  <p:par>
+                    <p:cTn id="23" fill="hold">
+                      <p:stCondLst>
+                        <p:cond delay="indefinite"/>
+                      </p:stCondLst>
+                      <p:childTnLst>
+                        <p:par>
+                          <p:cTn id="24" fill="hold">
+                            <p:stCondLst>
+                              <p:cond delay="0"/>
+                            </p:stCondLst>
+                            <p:childTnLst>
+                              <p:par>
+                                <p:cTn id="25" presetID="1" presetClass="entr" presetSubtype="0" fill="hold" nodeType="clickEffect">
+                                  <p:stCondLst>
+                                    <p:cond delay="0"/>
+                                  </p:stCondLst>
+                                  <p:childTnLst>
+                                    <p:set>
+                                      <p:cBhvr>
+                                        <p:cTn id="26" dur="1" fill="hold">
+                                          <p:stCondLst>
+                                            <p:cond delay="0"/>
+                                          </p:stCondLst>
+                                        </p:cTn>
+                                        <p:tgtEl>
+                                          <p:spTgt spid="11"/>
+                                        </p:tgtEl>
+                                        <p:attrNameLst>
+                                          <p:attrName>style.visibility</p:attrName>
+                                        </p:attrNameLst>
+                                      </p:cBhvr>
+                                      <p:to>
+                                        <p:strVal val="visible"/>
+                                      </p:to>
+                                    </p:set>
+                                  </p:childTnLst>
+                                </p:cTn>
+                              </p:par>
+                            </p:childTnLst>
+                          </p:cTn>
+                        </p:par>
+                      </p:childTnLst>
+                    </p:cTn>
+                  </p:par>
+                  <p:par>
+                    <p:cTn id="27" fill="hold">
+                      <p:stCondLst>
+                        <p:cond delay="indefinite"/>
+                      </p:stCondLst>
+                      <p:childTnLst>
+                        <p:par>
+                          <p:cTn id="28" fill="hold">
+                            <p:stCondLst>
+                              <p:cond delay="0"/>
+                            </p:stCondLst>
+                            <p:childTnLst>
+                              <p:par>
+                                <p:cTn id="29" presetID="1" presetClass="entr" presetSubtype="0" fill="hold" nodeType="clickEffect">
+                                  <p:stCondLst>
+                                    <p:cond delay="0"/>
+                                  </p:stCondLst>
+                                  <p:childTnLst>
+                                    <p:set>
+                                      <p:cBhvr>
+                                        <p:cTn id="30" dur="1" fill="hold">
+                                          <p:stCondLst>
+                                            <p:cond delay="0"/>
+                                          </p:stCondLst>
+                                        </p:cTn>
+                                        <p:tgtEl>
+                                          <p:spTgt spid="20"/>
+                                        </p:tgtEl>
+                                        <p:attrNameLst>
+                                          <p:attrName>style.visibility</p:attrName>
+                                        </p:attrNameLst>
+                                      </p:cBhvr>
+                                      <p:to>
+                                        <p:strVal val="visible"/>
+                                      </p:to>
+                                    </p:set>
+                                  </p:childTnLst>
+                                </p:cTn>
+                              </p:par>
+                            </p:childTnLst>
+                          </p:cTn>
+                        </p:par>
+                      </p:childTnLst>
+                    </p:cTn>
+                  </p:par>
+                  <p:par>
+                    <p:cTn id="31" fill="hold">
+                      <p:stCondLst>
+                        <p:cond delay="indefinite"/>
+                      </p:stCondLst>
+                      <p:childTnLst>
+                        <p:par>
+                          <p:cTn id="32" fill="hold">
+                            <p:stCondLst>
+                              <p:cond delay="0"/>
+                            </p:stCondLst>
+                            <p:childTnLst>
+                              <p:par>
+                                <p:cTn id="33" presetID="1" presetClass="entr" presetSubtype="0" fill="hold" nodeType="clickEffect">
+                                  <p:stCondLst>
+                                    <p:cond delay="0"/>
+                                  </p:stCondLst>
+                                  <p:childTnLst>
+                                    <p:set>
+                                      <p:cBhvr>
+                                        <p:cTn id="34" dur="1" fill="hold">
+                                          <p:stCondLst>
+                                            <p:cond delay="0"/>
+                                          </p:stCondLst>
+                                        </p:cTn>
+                                        <p:tgtEl>
+                                          <p:spTgt spid="23"/>
+                                        </p:tgtEl>
+                                        <p:attrNameLst>
+                                          <p:attrName>style.visibility</p:attrName>
+                                        </p:attrNameLst>
+                                      </p:cBhvr>
+                                      <p:to>
+                                        <p:strVal val="visible"/>
+                                      </p:to>
+                                    </p:set>
+                                  </p:childTnLst>
+                                </p:cTn>
+                              </p:par>
+                            </p:childTnLst>
+                          </p:cTn>
+                        </p:par>
+                      </p:childTnLst>
+                    </p:cTn>
+                  </p:par>
+                  <p:par>
+                    <p:cTn id="35" fill="hold">
+                      <p:stCondLst>
+                        <p:cond delay="indefinite"/>
+                      </p:stCondLst>
+                      <p:childTnLst>
+                        <p:par>
+                          <p:cTn id="36" fill="hold">
+                            <p:stCondLst>
+                              <p:cond delay="0"/>
+                            </p:stCondLst>
+                            <p:childTnLst>
+                              <p:par>
+                                <p:cTn id="37" presetID="1" presetClass="entr" presetSubtype="0" fill="hold" nodeType="clickEffect">
+                                  <p:stCondLst>
+                                    <p:cond delay="0"/>
+                                  </p:stCondLst>
+                                  <p:childTnLst>
+                                    <p:set>
+                                      <p:cBhvr>
+                                        <p:cTn id="38" dur="1" fill="hold">
+                                          <p:stCondLst>
+                                            <p:cond delay="0"/>
+                                          </p:stCondLst>
+                                        </p:cTn>
+                                        <p:tgtEl>
+                                          <p:spTgt spid="51"/>
+                                        </p:tgtEl>
+                                        <p:attrNameLst>
+                                          <p:attrName>style.visibility</p:attrName>
+                                        </p:attrNameLst>
+                                      </p:cBhvr>
+                                      <p:to>
+                                        <p:strVal val="visible"/>
+                                      </p:to>
+                                    </p:set>
+                                  </p:childTnLst>
+                                </p:cTn>
+                              </p:par>
+                            </p:childTnLst>
+                          </p:cTn>
+                        </p:par>
+                      </p:childTnLst>
+                    </p:cTn>
+                  </p:par>
+                  <p:par>
+                    <p:cTn id="39" fill="hold">
+                      <p:stCondLst>
+                        <p:cond delay="indefinite"/>
+                      </p:stCondLst>
+                      <p:childTnLst>
+                        <p:par>
+                          <p:cTn id="40" fill="hold">
+                            <p:stCondLst>
+                              <p:cond delay="0"/>
+                            </p:stCondLst>
+                            <p:childTnLst>
+                              <p:par>
+                                <p:cTn id="41" presetID="1" presetClass="entr" presetSubtype="0" fill="hold" nodeType="clickEffect">
+                                  <p:stCondLst>
+                                    <p:cond delay="0"/>
+                                  </p:stCondLst>
+                                  <p:childTnLst>
+                                    <p:set>
+                                      <p:cBhvr>
+                                        <p:cTn id="42" dur="1" fill="hold">
+                                          <p:stCondLst>
+                                            <p:cond delay="0"/>
+                                          </p:stCondLst>
+                                        </p:cTn>
+                                        <p:tgtEl>
+                                          <p:spTgt spid="53"/>
+                                        </p:tgtEl>
+                                        <p:attrNameLst>
+                                          <p:attrName>style.visibility</p:attrName>
+                                        </p:attrNameLst>
+                                      </p:cBhvr>
+                                      <p:to>
+                                        <p:strVal val="visible"/>
+                                      </p:to>
+                                    </p:set>
+                                  </p:childTnLst>
+                                </p:cTn>
+                              </p:par>
+                            </p:childTnLst>
+                          </p:cTn>
+                        </p:par>
+                      </p:childTnLst>
+                    </p:cTn>
+                  </p:par>
+                </p:childTnLst>
+              </p:cTn>
+              <p:prevCondLst>
+                <p:cond evt="onPrev" delay="0">
+                  <p:tgtEl>
+                    <p:sldTgt/>
+                  </p:tgtEl>
+                </p:cond>
+              </p:prevCondLst>
+              <p:nextCondLst>
+                <p:cond evt="onNext" delay="0">
+                  <p:tgtEl>
+                    <p:sldTgt/>
+                  </p:tgtEl>
+                </p:cond>
+              </p:nextCondLst>
+            </p:seq>
+          </p:childTnLst>
+        </p:cTn>
+      </p:par>
+    </p:tnLst>
+  </p:timing>
 </p:sld>
 </file>
 
@@ -6489,7 +7688,7 @@
                                           </p:stCondLst>
                                         </p:cTn>
                                         <p:tgtEl>
-                                          <p:spTgt spid="3"/>
+                                          <p:spTgt spid="4"/>
                                         </p:tgtEl>
                                         <p:attrNameLst>
                                           <p:attrName>style.visibility</p:attrName>
@@ -6534,7 +7733,7 @@
                                           </p:stCondLst>
                                         </p:cTn>
                                         <p:tgtEl>
-                                          <p:spTgt spid="4"/>
+                                          <p:spTgt spid="5"/>
                                         </p:tgtEl>
                                         <p:attrNameLst>
                                           <p:attrName>style.visibility</p:attrName>
@@ -6579,7 +7778,7 @@
                                           </p:stCondLst>
                                         </p:cTn>
                                         <p:tgtEl>
-                                          <p:spTgt spid="5"/>
+                                          <p:spTgt spid="6"/>
                                         </p:tgtEl>
                                         <p:attrNameLst>
                                           <p:attrName>style.visibility</p:attrName>
@@ -6624,7 +7823,7 @@
                                           </p:stCondLst>
                                         </p:cTn>
                                         <p:tgtEl>
-                                          <p:spTgt spid="6"/>
+                                          <p:spTgt spid="3"/>
                                         </p:tgtEl>
                                         <p:attrNameLst>
                                           <p:attrName>style.visibility</p:attrName>
@@ -6830,162 +8029,183 @@
           </a:prstGeom>
         </p:spPr>
       </p:pic>
-      <p:sp>
-        <p:nvSpPr>
-          <p:cNvPr id="30" name="Oval 29">
-            <a:extLst>
-              <a:ext uri="{FF2B5EF4-FFF2-40B4-BE49-F238E27FC236}">
-                <a16:creationId xmlns:a16="http://schemas.microsoft.com/office/drawing/2014/main" id="{F00B4604-0381-8640-994D-851E6E38985C}"/>
-              </a:ext>
-            </a:extLst>
-          </p:cNvPr>
-          <p:cNvSpPr/>
+      <p:grpSp>
+        <p:nvGrpSpPr>
+          <p:cNvPr id="3" name="Group 2">
+            <a:extLst>
+              <a:ext uri="{FF2B5EF4-FFF2-40B4-BE49-F238E27FC236}">
+                <a16:creationId xmlns:a16="http://schemas.microsoft.com/office/drawing/2014/main" id="{55C4EF90-E382-5E43-B777-6E5A4410D6CA}"/>
+              </a:ext>
+            </a:extLst>
+          </p:cNvPr>
+          <p:cNvGrpSpPr/>
           <p:nvPr/>
-        </p:nvSpPr>
-        <p:spPr>
+        </p:nvGrpSpPr>
+        <p:grpSpPr>
           <a:xfrm>
             <a:off x="11172048" y="3064957"/>
-            <a:ext cx="89270" cy="83656"/>
-          </a:xfrm>
-          <a:prstGeom prst="ellipse">
-            <a:avLst/>
-          </a:prstGeom>
-          <a:solidFill>
-            <a:srgbClr val="C00000"/>
-          </a:solidFill>
-          <a:ln>
+            <a:ext cx="89270" cy="504828"/>
+            <a:chOff x="11172048" y="3064957"/>
+            <a:chExt cx="89270" cy="504828"/>
+          </a:xfrm>
+        </p:grpSpPr>
+        <p:sp>
+          <p:nvSpPr>
+            <p:cNvPr id="30" name="Oval 29">
+              <a:extLst>
+                <a:ext uri="{FF2B5EF4-FFF2-40B4-BE49-F238E27FC236}">
+                  <a16:creationId xmlns:a16="http://schemas.microsoft.com/office/drawing/2014/main" id="{F00B4604-0381-8640-994D-851E6E38985C}"/>
+                </a:ext>
+              </a:extLst>
+            </p:cNvPr>
+            <p:cNvSpPr/>
+            <p:nvPr/>
+          </p:nvSpPr>
+          <p:spPr>
+            <a:xfrm>
+              <a:off x="11172048" y="3064957"/>
+              <a:ext cx="89270" cy="83656"/>
+            </a:xfrm>
+            <a:prstGeom prst="ellipse">
+              <a:avLst/>
+            </a:prstGeom>
             <a:solidFill>
               <a:srgbClr val="C00000"/>
             </a:solidFill>
-          </a:ln>
-        </p:spPr>
-        <p:style>
-          <a:lnRef idx="0">
-            <a:scrgbClr r="0" g="0" b="0"/>
-          </a:lnRef>
-          <a:fillRef idx="0">
-            <a:scrgbClr r="0" g="0" b="0"/>
-          </a:fillRef>
-          <a:effectRef idx="0">
-            <a:scrgbClr r="0" g="0" b="0"/>
-          </a:effectRef>
-          <a:fontRef idx="minor">
-            <a:schemeClr val="lt1"/>
-          </a:fontRef>
-        </p:style>
-        <p:txBody>
-          <a:bodyPr rtlCol="0" anchor="ctr"/>
-          <a:lstStyle/>
-          <a:p>
-            <a:pPr algn="ctr"/>
-            <a:endParaRPr lang="en-US"/>
-          </a:p>
-        </p:txBody>
-      </p:sp>
-      <p:sp>
-        <p:nvSpPr>
-          <p:cNvPr id="31" name="Oval 30">
-            <a:extLst>
-              <a:ext uri="{FF2B5EF4-FFF2-40B4-BE49-F238E27FC236}">
-                <a16:creationId xmlns:a16="http://schemas.microsoft.com/office/drawing/2014/main" id="{58B21000-EFB2-5D43-97E5-BC722BDCE13D}"/>
-              </a:ext>
-            </a:extLst>
-          </p:cNvPr>
-          <p:cNvSpPr/>
-          <p:nvPr/>
-        </p:nvSpPr>
-        <p:spPr>
-          <a:xfrm>
-            <a:off x="11172048" y="3282280"/>
-            <a:ext cx="89270" cy="83656"/>
-          </a:xfrm>
-          <a:prstGeom prst="ellipse">
-            <a:avLst/>
-          </a:prstGeom>
-          <a:solidFill>
-            <a:srgbClr val="C00000"/>
-          </a:solidFill>
-          <a:ln>
+            <a:ln>
+              <a:solidFill>
+                <a:srgbClr val="C00000"/>
+              </a:solidFill>
+            </a:ln>
+          </p:spPr>
+          <p:style>
+            <a:lnRef idx="0">
+              <a:scrgbClr r="0" g="0" b="0"/>
+            </a:lnRef>
+            <a:fillRef idx="0">
+              <a:scrgbClr r="0" g="0" b="0"/>
+            </a:fillRef>
+            <a:effectRef idx="0">
+              <a:scrgbClr r="0" g="0" b="0"/>
+            </a:effectRef>
+            <a:fontRef idx="minor">
+              <a:schemeClr val="lt1"/>
+            </a:fontRef>
+          </p:style>
+          <p:txBody>
+            <a:bodyPr rtlCol="0" anchor="ctr"/>
+            <a:lstStyle/>
+            <a:p>
+              <a:pPr algn="ctr"/>
+              <a:endParaRPr lang="en-US"/>
+            </a:p>
+          </p:txBody>
+        </p:sp>
+        <p:sp>
+          <p:nvSpPr>
+            <p:cNvPr id="31" name="Oval 30">
+              <a:extLst>
+                <a:ext uri="{FF2B5EF4-FFF2-40B4-BE49-F238E27FC236}">
+                  <a16:creationId xmlns:a16="http://schemas.microsoft.com/office/drawing/2014/main" id="{58B21000-EFB2-5D43-97E5-BC722BDCE13D}"/>
+                </a:ext>
+              </a:extLst>
+            </p:cNvPr>
+            <p:cNvSpPr/>
+            <p:nvPr/>
+          </p:nvSpPr>
+          <p:spPr>
+            <a:xfrm>
+              <a:off x="11172048" y="3282280"/>
+              <a:ext cx="89270" cy="83656"/>
+            </a:xfrm>
+            <a:prstGeom prst="ellipse">
+              <a:avLst/>
+            </a:prstGeom>
             <a:solidFill>
               <a:srgbClr val="C00000"/>
             </a:solidFill>
-          </a:ln>
-        </p:spPr>
-        <p:style>
-          <a:lnRef idx="0">
-            <a:scrgbClr r="0" g="0" b="0"/>
-          </a:lnRef>
-          <a:fillRef idx="0">
-            <a:scrgbClr r="0" g="0" b="0"/>
-          </a:fillRef>
-          <a:effectRef idx="0">
-            <a:scrgbClr r="0" g="0" b="0"/>
-          </a:effectRef>
-          <a:fontRef idx="minor">
-            <a:schemeClr val="lt1"/>
-          </a:fontRef>
-        </p:style>
-        <p:txBody>
-          <a:bodyPr rtlCol="0" anchor="ctr"/>
-          <a:lstStyle/>
-          <a:p>
-            <a:pPr algn="ctr"/>
-            <a:endParaRPr lang="en-US"/>
-          </a:p>
-        </p:txBody>
-      </p:sp>
-      <p:sp>
-        <p:nvSpPr>
-          <p:cNvPr id="32" name="Oval 31">
-            <a:extLst>
-              <a:ext uri="{FF2B5EF4-FFF2-40B4-BE49-F238E27FC236}">
-                <a16:creationId xmlns:a16="http://schemas.microsoft.com/office/drawing/2014/main" id="{BAA78599-047D-5846-9DFE-47A24E8E5DA8}"/>
-              </a:ext>
-            </a:extLst>
-          </p:cNvPr>
-          <p:cNvSpPr/>
-          <p:nvPr/>
-        </p:nvSpPr>
-        <p:spPr>
-          <a:xfrm>
-            <a:off x="11172048" y="3486129"/>
-            <a:ext cx="89270" cy="83656"/>
-          </a:xfrm>
-          <a:prstGeom prst="ellipse">
-            <a:avLst/>
-          </a:prstGeom>
-          <a:solidFill>
-            <a:srgbClr val="C00000"/>
-          </a:solidFill>
-          <a:ln>
+            <a:ln>
+              <a:solidFill>
+                <a:srgbClr val="C00000"/>
+              </a:solidFill>
+            </a:ln>
+          </p:spPr>
+          <p:style>
+            <a:lnRef idx="0">
+              <a:scrgbClr r="0" g="0" b="0"/>
+            </a:lnRef>
+            <a:fillRef idx="0">
+              <a:scrgbClr r="0" g="0" b="0"/>
+            </a:fillRef>
+            <a:effectRef idx="0">
+              <a:scrgbClr r="0" g="0" b="0"/>
+            </a:effectRef>
+            <a:fontRef idx="minor">
+              <a:schemeClr val="lt1"/>
+            </a:fontRef>
+          </p:style>
+          <p:txBody>
+            <a:bodyPr rtlCol="0" anchor="ctr"/>
+            <a:lstStyle/>
+            <a:p>
+              <a:pPr algn="ctr"/>
+              <a:endParaRPr lang="en-US"/>
+            </a:p>
+          </p:txBody>
+        </p:sp>
+        <p:sp>
+          <p:nvSpPr>
+            <p:cNvPr id="32" name="Oval 31">
+              <a:extLst>
+                <a:ext uri="{FF2B5EF4-FFF2-40B4-BE49-F238E27FC236}">
+                  <a16:creationId xmlns:a16="http://schemas.microsoft.com/office/drawing/2014/main" id="{BAA78599-047D-5846-9DFE-47A24E8E5DA8}"/>
+                </a:ext>
+              </a:extLst>
+            </p:cNvPr>
+            <p:cNvSpPr/>
+            <p:nvPr/>
+          </p:nvSpPr>
+          <p:spPr>
+            <a:xfrm>
+              <a:off x="11172048" y="3486129"/>
+              <a:ext cx="89270" cy="83656"/>
+            </a:xfrm>
+            <a:prstGeom prst="ellipse">
+              <a:avLst/>
+            </a:prstGeom>
             <a:solidFill>
               <a:srgbClr val="C00000"/>
             </a:solidFill>
-          </a:ln>
-        </p:spPr>
-        <p:style>
-          <a:lnRef idx="0">
-            <a:scrgbClr r="0" g="0" b="0"/>
-          </a:lnRef>
-          <a:fillRef idx="0">
-            <a:scrgbClr r="0" g="0" b="0"/>
-          </a:fillRef>
-          <a:effectRef idx="0">
-            <a:scrgbClr r="0" g="0" b="0"/>
-          </a:effectRef>
-          <a:fontRef idx="minor">
-            <a:schemeClr val="lt1"/>
-          </a:fontRef>
-        </p:style>
-        <p:txBody>
-          <a:bodyPr rtlCol="0" anchor="ctr"/>
-          <a:lstStyle/>
-          <a:p>
-            <a:pPr algn="ctr"/>
-            <a:endParaRPr lang="en-US"/>
-          </a:p>
-        </p:txBody>
-      </p:sp>
+            <a:ln>
+              <a:solidFill>
+                <a:srgbClr val="C00000"/>
+              </a:solidFill>
+            </a:ln>
+          </p:spPr>
+          <p:style>
+            <a:lnRef idx="0">
+              <a:scrgbClr r="0" g="0" b="0"/>
+            </a:lnRef>
+            <a:fillRef idx="0">
+              <a:scrgbClr r="0" g="0" b="0"/>
+            </a:fillRef>
+            <a:effectRef idx="0">
+              <a:scrgbClr r="0" g="0" b="0"/>
+            </a:effectRef>
+            <a:fontRef idx="minor">
+              <a:schemeClr val="lt1"/>
+            </a:fontRef>
+          </p:style>
+          <p:txBody>
+            <a:bodyPr rtlCol="0" anchor="ctr"/>
+            <a:lstStyle/>
+            <a:p>
+              <a:pPr algn="ctr"/>
+              <a:endParaRPr lang="en-US"/>
+            </a:p>
+          </p:txBody>
+        </p:sp>
+      </p:grpSp>
       <p:sp>
         <p:nvSpPr>
           <p:cNvPr id="38" name="TextBox 37">
@@ -7835,7 +9055,7 @@
                                           </p:stCondLst>
                                         </p:cTn>
                                         <p:tgtEl>
-                                          <p:spTgt spid="38"/>
+                                          <p:spTgt spid="48"/>
                                         </p:tgtEl>
                                         <p:attrNameLst>
                                           <p:attrName>style.visibility</p:attrName>
@@ -7880,7 +9100,7 @@
                                           </p:stCondLst>
                                         </p:cTn>
                                         <p:tgtEl>
-                                          <p:spTgt spid="39"/>
+                                          <p:spTgt spid="49"/>
                                         </p:tgtEl>
                                         <p:attrNameLst>
                                           <p:attrName>style.visibility</p:attrName>
@@ -7925,7 +9145,7 @@
                                           </p:stCondLst>
                                         </p:cTn>
                                         <p:tgtEl>
-                                          <p:spTgt spid="48"/>
+                                          <p:spTgt spid="50"/>
                                         </p:tgtEl>
                                         <p:attrNameLst>
                                           <p:attrName>style.visibility</p:attrName>
@@ -7970,7 +9190,7 @@
                                           </p:stCondLst>
                                         </p:cTn>
                                         <p:tgtEl>
-                                          <p:spTgt spid="49"/>
+                                          <p:spTgt spid="51"/>
                                         </p:tgtEl>
                                         <p:attrNameLst>
                                           <p:attrName>style.visibility</p:attrName>
@@ -8015,7 +9235,7 @@
                                           </p:stCondLst>
                                         </p:cTn>
                                         <p:tgtEl>
-                                          <p:spTgt spid="50"/>
+                                          <p:spTgt spid="52"/>
                                         </p:tgtEl>
                                         <p:attrNameLst>
                                           <p:attrName>style.visibility</p:attrName>
@@ -8060,7 +9280,7 @@
                                           </p:stCondLst>
                                         </p:cTn>
                                         <p:tgtEl>
-                                          <p:spTgt spid="51"/>
+                                          <p:spTgt spid="53"/>
                                         </p:tgtEl>
                                         <p:attrNameLst>
                                           <p:attrName>style.visibility</p:attrName>
@@ -8092,7 +9312,7 @@
                             </p:stCondLst>
                             <p:childTnLst>
                               <p:par>
-                                <p:cTn id="29" presetID="1" presetClass="entr" presetSubtype="0" fill="hold" grpId="0" nodeType="clickEffect">
+                                <p:cTn id="29" presetID="1" presetClass="entr" presetSubtype="0" fill="hold" nodeType="clickEffect">
                                   <p:stCondLst>
                                     <p:cond delay="0"/>
                                   </p:stCondLst>
@@ -8105,7 +9325,7 @@
                                           </p:stCondLst>
                                         </p:cTn>
                                         <p:tgtEl>
-                                          <p:spTgt spid="52"/>
+                                          <p:spTgt spid="19"/>
                                         </p:tgtEl>
                                         <p:attrNameLst>
                                           <p:attrName>style.visibility</p:attrName>
@@ -8150,7 +9370,277 @@
                                           </p:stCondLst>
                                         </p:cTn>
                                         <p:tgtEl>
-                                          <p:spTgt spid="53"/>
+                                          <p:spTgt spid="39"/>
+                                        </p:tgtEl>
+                                        <p:attrNameLst>
+                                          <p:attrName>style.visibility</p:attrName>
+                                        </p:attrNameLst>
+                                      </p:cBhvr>
+                                      <p:to>
+                                        <p:strVal val="visible"/>
+                                      </p:to>
+                                    </p:set>
+                                  </p:childTnLst>
+                                </p:cTn>
+                              </p:par>
+                            </p:childTnLst>
+                          </p:cTn>
+                        </p:par>
+                      </p:childTnLst>
+                    </p:cTn>
+                  </p:par>
+                  <p:par>
+                    <p:cTn id="35" fill="hold">
+                      <p:stCondLst>
+                        <p:cond delay="indefinite"/>
+                      </p:stCondLst>
+                      <p:childTnLst>
+                        <p:par>
+                          <p:cTn id="36" fill="hold">
+                            <p:stCondLst>
+                              <p:cond delay="0"/>
+                            </p:stCondLst>
+                            <p:childTnLst>
+                              <p:par>
+                                <p:cTn id="37" presetID="1" presetClass="entr" presetSubtype="0" fill="hold" grpId="0" nodeType="clickEffect">
+                                  <p:stCondLst>
+                                    <p:cond delay="0"/>
+                                  </p:stCondLst>
+                                  <p:childTnLst>
+                                    <p:set>
+                                      <p:cBhvr>
+                                        <p:cTn id="38" dur="1" fill="hold">
+                                          <p:stCondLst>
+                                            <p:cond delay="0"/>
+                                          </p:stCondLst>
+                                        </p:cTn>
+                                        <p:tgtEl>
+                                          <p:spTgt spid="38"/>
+                                        </p:tgtEl>
+                                        <p:attrNameLst>
+                                          <p:attrName>style.visibility</p:attrName>
+                                        </p:attrNameLst>
+                                      </p:cBhvr>
+                                      <p:to>
+                                        <p:strVal val="visible"/>
+                                      </p:to>
+                                    </p:set>
+                                  </p:childTnLst>
+                                </p:cTn>
+                              </p:par>
+                            </p:childTnLst>
+                          </p:cTn>
+                        </p:par>
+                      </p:childTnLst>
+                    </p:cTn>
+                  </p:par>
+                  <p:par>
+                    <p:cTn id="39" fill="hold">
+                      <p:stCondLst>
+                        <p:cond delay="indefinite"/>
+                      </p:stCondLst>
+                      <p:childTnLst>
+                        <p:par>
+                          <p:cTn id="40" fill="hold">
+                            <p:stCondLst>
+                              <p:cond delay="0"/>
+                            </p:stCondLst>
+                            <p:childTnLst>
+                              <p:par>
+                                <p:cTn id="41" presetID="1" presetClass="entr" presetSubtype="0" fill="hold" nodeType="clickEffect">
+                                  <p:stCondLst>
+                                    <p:cond delay="0"/>
+                                  </p:stCondLst>
+                                  <p:childTnLst>
+                                    <p:set>
+                                      <p:cBhvr>
+                                        <p:cTn id="42" dur="1" fill="hold">
+                                          <p:stCondLst>
+                                            <p:cond delay="0"/>
+                                          </p:stCondLst>
+                                        </p:cTn>
+                                        <p:tgtEl>
+                                          <p:spTgt spid="23"/>
+                                        </p:tgtEl>
+                                        <p:attrNameLst>
+                                          <p:attrName>style.visibility</p:attrName>
+                                        </p:attrNameLst>
+                                      </p:cBhvr>
+                                      <p:to>
+                                        <p:strVal val="visible"/>
+                                      </p:to>
+                                    </p:set>
+                                  </p:childTnLst>
+                                </p:cTn>
+                              </p:par>
+                            </p:childTnLst>
+                          </p:cTn>
+                        </p:par>
+                      </p:childTnLst>
+                    </p:cTn>
+                  </p:par>
+                  <p:par>
+                    <p:cTn id="43" fill="hold">
+                      <p:stCondLst>
+                        <p:cond delay="indefinite"/>
+                      </p:stCondLst>
+                      <p:childTnLst>
+                        <p:par>
+                          <p:cTn id="44" fill="hold">
+                            <p:stCondLst>
+                              <p:cond delay="0"/>
+                            </p:stCondLst>
+                            <p:childTnLst>
+                              <p:par>
+                                <p:cTn id="45" presetID="1" presetClass="entr" presetSubtype="0" fill="hold" nodeType="clickEffect">
+                                  <p:stCondLst>
+                                    <p:cond delay="0"/>
+                                  </p:stCondLst>
+                                  <p:childTnLst>
+                                    <p:set>
+                                      <p:cBhvr>
+                                        <p:cTn id="46" dur="1" fill="hold">
+                                          <p:stCondLst>
+                                            <p:cond delay="0"/>
+                                          </p:stCondLst>
+                                        </p:cTn>
+                                        <p:tgtEl>
+                                          <p:spTgt spid="24"/>
+                                        </p:tgtEl>
+                                        <p:attrNameLst>
+                                          <p:attrName>style.visibility</p:attrName>
+                                        </p:attrNameLst>
+                                      </p:cBhvr>
+                                      <p:to>
+                                        <p:strVal val="visible"/>
+                                      </p:to>
+                                    </p:set>
+                                  </p:childTnLst>
+                                </p:cTn>
+                              </p:par>
+                            </p:childTnLst>
+                          </p:cTn>
+                        </p:par>
+                      </p:childTnLst>
+                    </p:cTn>
+                  </p:par>
+                  <p:par>
+                    <p:cTn id="47" fill="hold">
+                      <p:stCondLst>
+                        <p:cond delay="indefinite"/>
+                      </p:stCondLst>
+                      <p:childTnLst>
+                        <p:par>
+                          <p:cTn id="48" fill="hold">
+                            <p:stCondLst>
+                              <p:cond delay="0"/>
+                            </p:stCondLst>
+                            <p:childTnLst>
+                              <p:par>
+                                <p:cTn id="49" presetID="1" presetClass="entr" presetSubtype="0" fill="hold" nodeType="clickEffect">
+                                  <p:stCondLst>
+                                    <p:cond delay="0"/>
+                                  </p:stCondLst>
+                                  <p:childTnLst>
+                                    <p:set>
+                                      <p:cBhvr>
+                                        <p:cTn id="50" dur="1" fill="hold">
+                                          <p:stCondLst>
+                                            <p:cond delay="0"/>
+                                          </p:stCondLst>
+                                        </p:cTn>
+                                        <p:tgtEl>
+                                          <p:spTgt spid="36"/>
+                                        </p:tgtEl>
+                                        <p:attrNameLst>
+                                          <p:attrName>style.visibility</p:attrName>
+                                        </p:attrNameLst>
+                                      </p:cBhvr>
+                                      <p:to>
+                                        <p:strVal val="visible"/>
+                                      </p:to>
+                                    </p:set>
+                                  </p:childTnLst>
+                                </p:cTn>
+                              </p:par>
+                            </p:childTnLst>
+                          </p:cTn>
+                        </p:par>
+                      </p:childTnLst>
+                    </p:cTn>
+                  </p:par>
+                  <p:par>
+                    <p:cTn id="51" fill="hold">
+                      <p:stCondLst>
+                        <p:cond delay="indefinite"/>
+                      </p:stCondLst>
+                      <p:childTnLst>
+                        <p:par>
+                          <p:cTn id="52" fill="hold">
+                            <p:stCondLst>
+                              <p:cond delay="0"/>
+                            </p:stCondLst>
+                            <p:childTnLst>
+                              <p:par>
+                                <p:cTn id="53" presetID="1" presetClass="entr" presetSubtype="0" fill="hold" nodeType="clickEffect">
+                                  <p:stCondLst>
+                                    <p:cond delay="0"/>
+                                  </p:stCondLst>
+                                  <p:childTnLst>
+                                    <p:set>
+                                      <p:cBhvr>
+                                        <p:cTn id="54" dur="1" fill="hold">
+                                          <p:stCondLst>
+                                            <p:cond delay="0"/>
+                                          </p:stCondLst>
+                                        </p:cTn>
+                                        <p:tgtEl>
+                                          <p:spTgt spid="3"/>
+                                        </p:tgtEl>
+                                        <p:attrNameLst>
+                                          <p:attrName>style.visibility</p:attrName>
+                                        </p:attrNameLst>
+                                      </p:cBhvr>
+                                      <p:to>
+                                        <p:strVal val="visible"/>
+                                      </p:to>
+                                    </p:set>
+                                  </p:childTnLst>
+                                </p:cTn>
+                              </p:par>
+                            </p:childTnLst>
+                          </p:cTn>
+                        </p:par>
+                      </p:childTnLst>
+                    </p:cTn>
+                  </p:par>
+                  <p:par>
+                    <p:cTn id="55" fill="hold">
+                      <p:stCondLst>
+                        <p:cond delay="indefinite"/>
+                      </p:stCondLst>
+                      <p:childTnLst>
+                        <p:par>
+                          <p:cTn id="56" fill="hold">
+                            <p:stCondLst>
+                              <p:cond delay="0"/>
+                            </p:stCondLst>
+                            <p:childTnLst>
+                              <p:par>
+                                <p:cTn id="57" presetID="1" presetClass="entr" presetSubtype="0" fill="hold" nodeType="clickEffect">
+                                  <p:stCondLst>
+                                    <p:cond delay="0"/>
+                                  </p:stCondLst>
+                                  <p:childTnLst>
+                                    <p:set>
+                                      <p:cBhvr>
+                                        <p:cTn id="58" dur="1" fill="hold">
+                                          <p:stCondLst>
+                                            <p:cond delay="0"/>
+                                          </p:stCondLst>
+                                        </p:cTn>
+                                        <p:tgtEl>
+                                          <p:spTgt spid="33"/>
                                         </p:tgtEl>
                                         <p:attrNameLst>
                                           <p:attrName>style.visibility</p:attrName>
@@ -8346,139 +9836,160 @@
           </a:prstGeom>
         </p:spPr>
       </p:pic>
-      <p:sp>
-        <p:nvSpPr>
-          <p:cNvPr id="9" name="Rectangle 8">
-            <a:extLst>
-              <a:ext uri="{FF2B5EF4-FFF2-40B4-BE49-F238E27FC236}">
-                <a16:creationId xmlns:a16="http://schemas.microsoft.com/office/drawing/2014/main" id="{5A70584D-2462-9D4E-8237-AF93EE55F284}"/>
-              </a:ext>
-            </a:extLst>
-          </p:cNvPr>
-          <p:cNvSpPr/>
+      <p:grpSp>
+        <p:nvGrpSpPr>
+          <p:cNvPr id="3" name="Group 2">
+            <a:extLst>
+              <a:ext uri="{FF2B5EF4-FFF2-40B4-BE49-F238E27FC236}">
+                <a16:creationId xmlns:a16="http://schemas.microsoft.com/office/drawing/2014/main" id="{D3EAC0D5-6C16-D04B-9693-551EDF94923D}"/>
+              </a:ext>
+            </a:extLst>
+          </p:cNvPr>
+          <p:cNvGrpSpPr/>
           <p:nvPr/>
-        </p:nvSpPr>
-        <p:spPr>
+        </p:nvGrpSpPr>
+        <p:grpSpPr>
           <a:xfrm>
-            <a:off x="3554472" y="2498639"/>
-            <a:ext cx="7679585" cy="333938"/>
-          </a:xfrm>
-          <a:prstGeom prst="rect">
-            <a:avLst/>
-          </a:prstGeom>
-          <a:noFill/>
-          <a:ln w="19050">
-            <a:solidFill>
-              <a:schemeClr val="tx1">
-                <a:lumMod val="75000"/>
-                <a:lumOff val="25000"/>
+            <a:off x="2681324" y="2498639"/>
+            <a:ext cx="8552733" cy="1131460"/>
+            <a:chOff x="2681324" y="2498639"/>
+            <a:chExt cx="8552733" cy="1131460"/>
+          </a:xfrm>
+        </p:grpSpPr>
+        <p:sp>
+          <p:nvSpPr>
+            <p:cNvPr id="9" name="Rectangle 8">
+              <a:extLst>
+                <a:ext uri="{FF2B5EF4-FFF2-40B4-BE49-F238E27FC236}">
+                  <a16:creationId xmlns:a16="http://schemas.microsoft.com/office/drawing/2014/main" id="{5A70584D-2462-9D4E-8237-AF93EE55F284}"/>
+                </a:ext>
+              </a:extLst>
+            </p:cNvPr>
+            <p:cNvSpPr/>
+            <p:nvPr/>
+          </p:nvSpPr>
+          <p:spPr>
+            <a:xfrm>
+              <a:off x="3554472" y="2498639"/>
+              <a:ext cx="7679585" cy="333938"/>
+            </a:xfrm>
+            <a:prstGeom prst="rect">
+              <a:avLst/>
+            </a:prstGeom>
+            <a:noFill/>
+            <a:ln w="19050">
+              <a:solidFill>
+                <a:schemeClr val="tx1">
+                  <a:lumMod val="75000"/>
+                  <a:lumOff val="25000"/>
+                </a:schemeClr>
+              </a:solidFill>
+            </a:ln>
+          </p:spPr>
+          <p:style>
+            <a:lnRef idx="2">
+              <a:schemeClr val="accent1">
+                <a:shade val="50000"/>
               </a:schemeClr>
-            </a:solidFill>
-          </a:ln>
-        </p:spPr>
-        <p:style>
-          <a:lnRef idx="2">
-            <a:schemeClr val="accent1">
-              <a:shade val="50000"/>
-            </a:schemeClr>
-          </a:lnRef>
-          <a:fillRef idx="1">
-            <a:schemeClr val="accent1"/>
-          </a:fillRef>
-          <a:effectRef idx="0">
-            <a:schemeClr val="accent1"/>
-          </a:effectRef>
-          <a:fontRef idx="minor">
-            <a:schemeClr val="lt1"/>
-          </a:fontRef>
-        </p:style>
-        <p:txBody>
-          <a:bodyPr rtlCol="0" anchor="ctr"/>
-          <a:lstStyle/>
-          <a:p>
-            <a:pPr algn="ctr"/>
-            <a:endParaRPr lang="en-US"/>
-          </a:p>
-        </p:txBody>
-      </p:sp>
-      <p:cxnSp>
-        <p:nvCxnSpPr>
-          <p:cNvPr id="11" name="Straight Arrow Connector 10">
-            <a:extLst>
-              <a:ext uri="{FF2B5EF4-FFF2-40B4-BE49-F238E27FC236}">
-                <a16:creationId xmlns:a16="http://schemas.microsoft.com/office/drawing/2014/main" id="{E899F27F-3EB1-3444-8E0B-675DE2101FEE}"/>
-              </a:ext>
-            </a:extLst>
-          </p:cNvPr>
-          <p:cNvCxnSpPr>
-            <a:cxnSpLocks/>
-          </p:cNvCxnSpPr>
-          <p:nvPr/>
-        </p:nvCxnSpPr>
-        <p:spPr>
-          <a:xfrm flipH="1">
-            <a:off x="3368842" y="2832577"/>
-            <a:ext cx="254382" cy="797522"/>
-          </a:xfrm>
-          <a:prstGeom prst="straightConnector1">
-            <a:avLst/>
-          </a:prstGeom>
-          <a:ln>
-            <a:tailEnd type="triangle"/>
-          </a:ln>
-        </p:spPr>
-        <p:style>
-          <a:lnRef idx="2">
-            <a:schemeClr val="dk1"/>
-          </a:lnRef>
-          <a:fillRef idx="0">
-            <a:schemeClr val="dk1"/>
-          </a:fillRef>
-          <a:effectRef idx="1">
-            <a:schemeClr val="dk1"/>
-          </a:effectRef>
-          <a:fontRef idx="minor">
-            <a:schemeClr val="tx1"/>
-          </a:fontRef>
-        </p:style>
-      </p:cxnSp>
-      <p:sp>
-        <p:nvSpPr>
-          <p:cNvPr id="12" name="TextBox 11">
-            <a:extLst>
-              <a:ext uri="{FF2B5EF4-FFF2-40B4-BE49-F238E27FC236}">
-                <a16:creationId xmlns:a16="http://schemas.microsoft.com/office/drawing/2014/main" id="{5FD164BE-AD98-874E-8359-D0517763CD3A}"/>
-              </a:ext>
-            </a:extLst>
-          </p:cNvPr>
-          <p:cNvSpPr txBox="1"/>
-          <p:nvPr/>
-        </p:nvSpPr>
-        <p:spPr>
-          <a:xfrm>
-            <a:off x="2681324" y="3032829"/>
-            <a:ext cx="2597087" cy="369332"/>
-          </a:xfrm>
-          <a:prstGeom prst="rect">
-            <a:avLst/>
-          </a:prstGeom>
-          <a:noFill/>
-        </p:spPr>
-        <p:txBody>
-          <a:bodyPr wrap="square" rtlCol="0">
-            <a:spAutoFit/>
-          </a:bodyPr>
-          <a:lstStyle/>
-          <a:p>
-            <a:r>
-              <a:rPr lang="en-US" spc="-150" dirty="0">
-                <a:latin typeface="Andale Mono" panose="020B0509000000000004" pitchFamily="49" charset="0"/>
-              </a:rPr>
-              <a:t>Zoom</a:t>
-            </a:r>
-          </a:p>
-        </p:txBody>
-      </p:sp>
+            </a:lnRef>
+            <a:fillRef idx="1">
+              <a:schemeClr val="accent1"/>
+            </a:fillRef>
+            <a:effectRef idx="0">
+              <a:schemeClr val="accent1"/>
+            </a:effectRef>
+            <a:fontRef idx="minor">
+              <a:schemeClr val="lt1"/>
+            </a:fontRef>
+          </p:style>
+          <p:txBody>
+            <a:bodyPr rtlCol="0" anchor="ctr"/>
+            <a:lstStyle/>
+            <a:p>
+              <a:pPr algn="ctr"/>
+              <a:endParaRPr lang="en-US"/>
+            </a:p>
+          </p:txBody>
+        </p:sp>
+        <p:cxnSp>
+          <p:nvCxnSpPr>
+            <p:cNvPr id="11" name="Straight Arrow Connector 10">
+              <a:extLst>
+                <a:ext uri="{FF2B5EF4-FFF2-40B4-BE49-F238E27FC236}">
+                  <a16:creationId xmlns:a16="http://schemas.microsoft.com/office/drawing/2014/main" id="{E899F27F-3EB1-3444-8E0B-675DE2101FEE}"/>
+                </a:ext>
+              </a:extLst>
+            </p:cNvPr>
+            <p:cNvCxnSpPr>
+              <a:cxnSpLocks/>
+            </p:cNvCxnSpPr>
+            <p:nvPr/>
+          </p:nvCxnSpPr>
+          <p:spPr>
+            <a:xfrm flipH="1">
+              <a:off x="3368842" y="2832577"/>
+              <a:ext cx="254382" cy="797522"/>
+            </a:xfrm>
+            <a:prstGeom prst="straightConnector1">
+              <a:avLst/>
+            </a:prstGeom>
+            <a:ln>
+              <a:tailEnd type="triangle"/>
+            </a:ln>
+          </p:spPr>
+          <p:style>
+            <a:lnRef idx="2">
+              <a:schemeClr val="dk1"/>
+            </a:lnRef>
+            <a:fillRef idx="0">
+              <a:schemeClr val="dk1"/>
+            </a:fillRef>
+            <a:effectRef idx="1">
+              <a:schemeClr val="dk1"/>
+            </a:effectRef>
+            <a:fontRef idx="minor">
+              <a:schemeClr val="tx1"/>
+            </a:fontRef>
+          </p:style>
+        </p:cxnSp>
+        <p:sp>
+          <p:nvSpPr>
+            <p:cNvPr id="12" name="TextBox 11">
+              <a:extLst>
+                <a:ext uri="{FF2B5EF4-FFF2-40B4-BE49-F238E27FC236}">
+                  <a16:creationId xmlns:a16="http://schemas.microsoft.com/office/drawing/2014/main" id="{5FD164BE-AD98-874E-8359-D0517763CD3A}"/>
+                </a:ext>
+              </a:extLst>
+            </p:cNvPr>
+            <p:cNvSpPr txBox="1"/>
+            <p:nvPr/>
+          </p:nvSpPr>
+          <p:spPr>
+            <a:xfrm>
+              <a:off x="2681324" y="3032829"/>
+              <a:ext cx="2597087" cy="369332"/>
+            </a:xfrm>
+            <a:prstGeom prst="rect">
+              <a:avLst/>
+            </a:prstGeom>
+            <a:noFill/>
+          </p:spPr>
+          <p:txBody>
+            <a:bodyPr wrap="square" rtlCol="0">
+              <a:spAutoFit/>
+            </a:bodyPr>
+            <a:lstStyle/>
+            <a:p>
+              <a:r>
+                <a:rPr lang="en-US" spc="-150" dirty="0">
+                  <a:latin typeface="Andale Mono" panose="020B0509000000000004" pitchFamily="49" charset="0"/>
+                </a:rPr>
+                <a:t>Zoom</a:t>
+              </a:r>
+            </a:p>
+          </p:txBody>
+        </p:sp>
+      </p:grpSp>
     </p:spTree>
     <p:extLst>
       <p:ext uri="{BB962C8B-B14F-4D97-AF65-F5344CB8AC3E}">
@@ -8510,7 +10021,7 @@
                             </p:stCondLst>
                             <p:childTnLst>
                               <p:par>
-                                <p:cTn id="5" presetID="1" presetClass="entr" presetSubtype="0" fill="hold" grpId="0" nodeType="clickEffect">
+                                <p:cTn id="5" presetID="1" presetClass="entr" presetSubtype="0" fill="hold" nodeType="clickEffect">
                                   <p:stCondLst>
                                     <p:cond delay="0"/>
                                   </p:stCondLst>
@@ -8523,7 +10034,142 @@
                                           </p:stCondLst>
                                         </p:cTn>
                                         <p:tgtEl>
-                                          <p:spTgt spid="12"/>
+                                          <p:spTgt spid="6"/>
+                                        </p:tgtEl>
+                                        <p:attrNameLst>
+                                          <p:attrName>style.visibility</p:attrName>
+                                        </p:attrNameLst>
+                                      </p:cBhvr>
+                                      <p:to>
+                                        <p:strVal val="visible"/>
+                                      </p:to>
+                                    </p:set>
+                                  </p:childTnLst>
+                                </p:cTn>
+                              </p:par>
+                            </p:childTnLst>
+                          </p:cTn>
+                        </p:par>
+                      </p:childTnLst>
+                    </p:cTn>
+                  </p:par>
+                  <p:par>
+                    <p:cTn id="7" fill="hold">
+                      <p:stCondLst>
+                        <p:cond delay="indefinite"/>
+                      </p:stCondLst>
+                      <p:childTnLst>
+                        <p:par>
+                          <p:cTn id="8" fill="hold">
+                            <p:stCondLst>
+                              <p:cond delay="0"/>
+                            </p:stCondLst>
+                            <p:childTnLst>
+                              <p:par>
+                                <p:cTn id="9" presetID="1" presetClass="entr" presetSubtype="0" fill="hold" nodeType="clickEffect">
+                                  <p:stCondLst>
+                                    <p:cond delay="0"/>
+                                  </p:stCondLst>
+                                  <p:childTnLst>
+                                    <p:set>
+                                      <p:cBhvr>
+                                        <p:cTn id="10" dur="1" fill="hold">
+                                          <p:stCondLst>
+                                            <p:cond delay="0"/>
+                                          </p:stCondLst>
+                                        </p:cTn>
+                                        <p:tgtEl>
+                                          <p:spTgt spid="8"/>
+                                        </p:tgtEl>
+                                        <p:attrNameLst>
+                                          <p:attrName>style.visibility</p:attrName>
+                                        </p:attrNameLst>
+                                      </p:cBhvr>
+                                      <p:to>
+                                        <p:strVal val="visible"/>
+                                      </p:to>
+                                    </p:set>
+                                  </p:childTnLst>
+                                </p:cTn>
+                              </p:par>
+                            </p:childTnLst>
+                          </p:cTn>
+                        </p:par>
+                      </p:childTnLst>
+                    </p:cTn>
+                  </p:par>
+                  <p:par>
+                    <p:cTn id="11" fill="hold">
+                      <p:stCondLst>
+                        <p:cond delay="indefinite"/>
+                      </p:stCondLst>
+                      <p:childTnLst>
+                        <p:par>
+                          <p:cTn id="12" fill="hold">
+                            <p:stCondLst>
+                              <p:cond delay="0"/>
+                            </p:stCondLst>
+                            <p:childTnLst>
+                              <p:par>
+                                <p:cTn id="13" presetID="1" presetClass="entr" presetSubtype="0" fill="hold" nodeType="clickEffect">
+                                  <p:stCondLst>
+                                    <p:cond delay="0"/>
+                                  </p:stCondLst>
+                                  <p:childTnLst>
+                                    <p:set>
+                                      <p:cBhvr>
+                                        <p:cTn id="14" dur="1" fill="hold">
+                                          <p:stCondLst>
+                                            <p:cond delay="0"/>
+                                          </p:stCondLst>
+                                        </p:cTn>
+                                        <p:tgtEl>
+                                          <p:spTgt spid="3"/>
+                                        </p:tgtEl>
+                                        <p:attrNameLst>
+                                          <p:attrName>style.visibility</p:attrName>
+                                        </p:attrNameLst>
+                                      </p:cBhvr>
+                                      <p:to>
+                                        <p:strVal val="visible"/>
+                                      </p:to>
+                                    </p:set>
+                                  </p:childTnLst>
+                                </p:cTn>
+                              </p:par>
+                            </p:childTnLst>
+                          </p:cTn>
+                        </p:par>
+                      </p:childTnLst>
+                    </p:cTn>
+                  </p:par>
+                  <p:par>
+                    <p:cTn id="15" fill="hold">
+                      <p:stCondLst>
+                        <p:cond delay="indefinite"/>
+                      </p:stCondLst>
+                      <p:childTnLst>
+                        <p:par>
+                          <p:cTn id="16" fill="hold">
+                            <p:stCondLst>
+                              <p:cond delay="0"/>
+                            </p:stCondLst>
+                            <p:childTnLst>
+                              <p:par>
+                                <p:cTn id="17" presetID="1" presetClass="entr" presetSubtype="0" fill="hold" nodeType="clickEffect">
+                                  <p:stCondLst>
+                                    <p:cond delay="0"/>
+                                  </p:stCondLst>
+                                  <p:childTnLst>
+                                    <p:set>
+                                      <p:cBhvr>
+                                        <p:cTn id="18" dur="1" fill="hold">
+                                          <p:stCondLst>
+                                            <p:cond delay="0"/>
+                                          </p:stCondLst>
+                                        </p:cTn>
+                                        <p:tgtEl>
+                                          <p:spTgt spid="5"/>
                                         </p:tgtEl>
                                         <p:attrNameLst>
                                           <p:attrName>style.visibility</p:attrName>
@@ -8563,9 +10209,6 @@
         </p:cTn>
       </p:par>
     </p:tnLst>
-    <p:bldLst>
-      <p:bldP spid="12" grpId="0"/>
-    </p:bldLst>
   </p:timing>
 </p:sld>
 </file>
@@ -8746,7 +10389,7 @@
                             </p:stCondLst>
                             <p:childTnLst>
                               <p:par>
-                                <p:cTn id="5" presetID="1" presetClass="entr" presetSubtype="0" fill="hold" grpId="0" nodeType="clickEffect">
+                                <p:cTn id="5" presetID="1" presetClass="entr" presetSubtype="0" fill="hold" nodeType="clickEffect">
                                   <p:stCondLst>
                                     <p:cond delay="0"/>
                                   </p:stCondLst>
@@ -8754,6 +10397,96 @@
                                     <p:set>
                                       <p:cBhvr>
                                         <p:cTn id="6" dur="1" fill="hold">
+                                          <p:stCondLst>
+                                            <p:cond delay="0"/>
+                                          </p:stCondLst>
+                                        </p:cTn>
+                                        <p:tgtEl>
+                                          <p:spTgt spid="4"/>
+                                        </p:tgtEl>
+                                        <p:attrNameLst>
+                                          <p:attrName>style.visibility</p:attrName>
+                                        </p:attrNameLst>
+                                      </p:cBhvr>
+                                      <p:to>
+                                        <p:strVal val="visible"/>
+                                      </p:to>
+                                    </p:set>
+                                  </p:childTnLst>
+                                </p:cTn>
+                              </p:par>
+                            </p:childTnLst>
+                          </p:cTn>
+                        </p:par>
+                      </p:childTnLst>
+                    </p:cTn>
+                  </p:par>
+                  <p:par>
+                    <p:cTn id="7" fill="hold">
+                      <p:stCondLst>
+                        <p:cond delay="indefinite"/>
+                      </p:stCondLst>
+                      <p:childTnLst>
+                        <p:par>
+                          <p:cTn id="8" fill="hold">
+                            <p:stCondLst>
+                              <p:cond delay="0"/>
+                            </p:stCondLst>
+                            <p:childTnLst>
+                              <p:par>
+                                <p:cTn id="9" presetID="1" presetClass="entr" presetSubtype="0" fill="hold" grpId="0" nodeType="clickEffect">
+                                  <p:stCondLst>
+                                    <p:cond delay="0"/>
+                                  </p:stCondLst>
+                                  <p:childTnLst>
+                                    <p:set>
+                                      <p:cBhvr>
+                                        <p:cTn id="10" dur="1" fill="hold">
+                                          <p:stCondLst>
+                                            <p:cond delay="0"/>
+                                          </p:stCondLst>
+                                        </p:cTn>
+                                        <p:tgtEl>
+                                          <p:spTgt spid="12"/>
+                                        </p:tgtEl>
+                                        <p:attrNameLst>
+                                          <p:attrName>style.visibility</p:attrName>
+                                        </p:attrNameLst>
+                                      </p:cBhvr>
+                                      <p:to>
+                                        <p:strVal val="visible"/>
+                                      </p:to>
+                                    </p:set>
+                                  </p:childTnLst>
+                                </p:cTn>
+                              </p:par>
+                            </p:childTnLst>
+                          </p:cTn>
+                        </p:par>
+                      </p:childTnLst>
+                    </p:cTn>
+                  </p:par>
+                  <p:par>
+                    <p:cTn id="11" fill="hold">
+                      <p:stCondLst>
+                        <p:cond delay="indefinite"/>
+                      </p:stCondLst>
+                      <p:childTnLst>
+                        <p:par>
+                          <p:cTn id="12" fill="hold">
+                            <p:stCondLst>
+                              <p:cond delay="0"/>
+                            </p:stCondLst>
+                            <p:childTnLst>
+                              <p:par>
+                                <p:cTn id="13" presetID="1" presetClass="entr" presetSubtype="0" fill="hold" grpId="0" nodeType="clickEffect">
+                                  <p:stCondLst>
+                                    <p:cond delay="0"/>
+                                  </p:stCondLst>
+                                  <p:childTnLst>
+                                    <p:set>
+                                      <p:cBhvr>
+                                        <p:cTn id="14" dur="1" fill="hold">
                                           <p:stCondLst>
                                             <p:cond delay="0"/>
                                           </p:stCondLst>
@@ -8800,6 +10533,7 @@
       </p:par>
     </p:tnLst>
     <p:bldLst>
+      <p:bldP spid="12" grpId="0" animBg="1"/>
       <p:bldP spid="13" grpId="0"/>
     </p:bldLst>
   </p:timing>
@@ -9004,424 +10738,6 @@
     <p:extLst>
       <p:ext uri="{BB962C8B-B14F-4D97-AF65-F5344CB8AC3E}">
         <p14:creationId xmlns:p14="http://schemas.microsoft.com/office/powerpoint/2010/main" val="3016293394"/>
-      </p:ext>
-    </p:extLst>
-  </p:cSld>
-  <p:clrMapOvr>
-    <a:masterClrMapping/>
-  </p:clrMapOvr>
-</p:sld>
-</file>
-
-<file path=ppt/slides/slide7.xml><?xml version="1.0" encoding="utf-8"?>
-<p:sld xmlns:a="http://schemas.openxmlformats.org/drawingml/2006/main" xmlns:r="http://schemas.openxmlformats.org/officeDocument/2006/relationships" xmlns:p="http://schemas.openxmlformats.org/presentationml/2006/main">
-  <p:cSld>
-    <p:spTree>
-      <p:nvGrpSpPr>
-        <p:cNvPr id="1" name=""/>
-        <p:cNvGrpSpPr/>
-        <p:nvPr/>
-      </p:nvGrpSpPr>
-      <p:grpSpPr>
-        <a:xfrm>
-          <a:off x="0" y="0"/>
-          <a:ext cx="0" cy="0"/>
-          <a:chOff x="0" y="0"/>
-          <a:chExt cx="0" cy="0"/>
-        </a:xfrm>
-      </p:grpSpPr>
-      <p:sp>
-        <p:nvSpPr>
-          <p:cNvPr id="2" name="Title 1">
-            <a:extLst>
-              <a:ext uri="{FF2B5EF4-FFF2-40B4-BE49-F238E27FC236}">
-                <a16:creationId xmlns:a16="http://schemas.microsoft.com/office/drawing/2014/main" id="{0C084886-D550-0448-A88B-9773F3BC4EE9}"/>
-              </a:ext>
-            </a:extLst>
-          </p:cNvPr>
-          <p:cNvSpPr>
-            <a:spLocks noGrp="1"/>
-          </p:cNvSpPr>
-          <p:nvPr>
-            <p:ph type="title"/>
-          </p:nvPr>
-        </p:nvSpPr>
-        <p:spPr>
-          <a:xfrm>
-            <a:off x="-53715" y="-279453"/>
-            <a:ext cx="10515600" cy="1325563"/>
-          </a:xfrm>
-        </p:spPr>
-        <p:txBody>
-          <a:bodyPr/>
-          <a:lstStyle/>
-          <a:p>
-            <a:r>
-              <a:rPr lang="en-US" dirty="0"/>
-              <a:t>V. Missing Data Analysis </a:t>
-            </a:r>
-          </a:p>
-        </p:txBody>
-      </p:sp>
-      <p:pic>
-        <p:nvPicPr>
-          <p:cNvPr id="9" name="Picture 8" descr="A picture containing graphical user interface&#10;&#10;Description automatically generated">
-            <a:extLst>
-              <a:ext uri="{FF2B5EF4-FFF2-40B4-BE49-F238E27FC236}">
-                <a16:creationId xmlns:a16="http://schemas.microsoft.com/office/drawing/2014/main" id="{D4807B6D-BA61-F84F-92D3-445FD4DE36D3}"/>
-              </a:ext>
-            </a:extLst>
-          </p:cNvPr>
-          <p:cNvPicPr>
-            <a:picLocks noChangeAspect="1"/>
-          </p:cNvPicPr>
-          <p:nvPr/>
-        </p:nvPicPr>
-        <p:blipFill rotWithShape="1">
-          <a:blip r:embed="rId2"/>
-          <a:srcRect l="1312" t="10378" r="2936"/>
-          <a:stretch/>
-        </p:blipFill>
-        <p:spPr>
-          <a:xfrm>
-            <a:off x="-1" y="1128379"/>
-            <a:ext cx="9457508" cy="5729622"/>
-          </a:xfrm>
-          <a:prstGeom prst="rect">
-            <a:avLst/>
-          </a:prstGeom>
-        </p:spPr>
-      </p:pic>
-      <p:pic>
-        <p:nvPicPr>
-          <p:cNvPr id="13" name="Picture 12" descr="A picture containing text&#10;&#10;Description automatically generated">
-            <a:extLst>
-              <a:ext uri="{FF2B5EF4-FFF2-40B4-BE49-F238E27FC236}">
-                <a16:creationId xmlns:a16="http://schemas.microsoft.com/office/drawing/2014/main" id="{D9C7E014-2238-B341-BB5A-A247500D48F5}"/>
-              </a:ext>
-            </a:extLst>
-          </p:cNvPr>
-          <p:cNvPicPr>
-            <a:picLocks noChangeAspect="1"/>
-          </p:cNvPicPr>
-          <p:nvPr/>
-        </p:nvPicPr>
-        <p:blipFill rotWithShape="1">
-          <a:blip r:embed="rId3"/>
-          <a:srcRect t="25740"/>
-          <a:stretch/>
-        </p:blipFill>
-        <p:spPr>
-          <a:xfrm>
-            <a:off x="7325903" y="287670"/>
-            <a:ext cx="4724400" cy="829929"/>
-          </a:xfrm>
-          <a:prstGeom prst="rect">
-            <a:avLst/>
-          </a:prstGeom>
-        </p:spPr>
-      </p:pic>
-      <p:sp>
-        <p:nvSpPr>
-          <p:cNvPr id="14" name="Rounded Rectangle 13">
-            <a:extLst>
-              <a:ext uri="{FF2B5EF4-FFF2-40B4-BE49-F238E27FC236}">
-                <a16:creationId xmlns:a16="http://schemas.microsoft.com/office/drawing/2014/main" id="{50C2DD49-E305-D14F-8116-7270096FD580}"/>
-              </a:ext>
-            </a:extLst>
-          </p:cNvPr>
-          <p:cNvSpPr/>
-          <p:nvPr/>
-        </p:nvSpPr>
-        <p:spPr>
-          <a:xfrm>
-            <a:off x="7325903" y="298450"/>
-            <a:ext cx="1449797" cy="819150"/>
-          </a:xfrm>
-          <a:prstGeom prst="roundRect">
-            <a:avLst/>
-          </a:prstGeom>
-          <a:noFill/>
-          <a:ln w="28575">
-            <a:solidFill>
-              <a:srgbClr val="00B050"/>
-            </a:solidFill>
-            <a:prstDash val="sysDot"/>
-          </a:ln>
-        </p:spPr>
-        <p:style>
-          <a:lnRef idx="2">
-            <a:schemeClr val="accent1">
-              <a:shade val="50000"/>
-            </a:schemeClr>
-          </a:lnRef>
-          <a:fillRef idx="1">
-            <a:schemeClr val="accent1"/>
-          </a:fillRef>
-          <a:effectRef idx="0">
-            <a:schemeClr val="accent1"/>
-          </a:effectRef>
-          <a:fontRef idx="minor">
-            <a:schemeClr val="lt1"/>
-          </a:fontRef>
-        </p:style>
-        <p:txBody>
-          <a:bodyPr rtlCol="0" anchor="ctr"/>
-          <a:lstStyle/>
-          <a:p>
-            <a:pPr algn="ctr"/>
-            <a:endParaRPr lang="en-US">
-              <a:solidFill>
-                <a:srgbClr val="00B050"/>
-              </a:solidFill>
-            </a:endParaRPr>
-          </a:p>
-        </p:txBody>
-      </p:sp>
-      <p:grpSp>
-        <p:nvGrpSpPr>
-          <p:cNvPr id="30" name="Group 29">
-            <a:extLst>
-              <a:ext uri="{FF2B5EF4-FFF2-40B4-BE49-F238E27FC236}">
-                <a16:creationId xmlns:a16="http://schemas.microsoft.com/office/drawing/2014/main" id="{1C1E35C0-4F04-F943-B9F8-D75D975E1C12}"/>
-              </a:ext>
-            </a:extLst>
-          </p:cNvPr>
-          <p:cNvGrpSpPr/>
-          <p:nvPr/>
-        </p:nvGrpSpPr>
-        <p:grpSpPr>
-          <a:xfrm>
-            <a:off x="6334310" y="763929"/>
-            <a:ext cx="3123199" cy="3326808"/>
-            <a:chOff x="6334310" y="763929"/>
-            <a:chExt cx="3123199" cy="3333509"/>
-          </a:xfrm>
-        </p:grpSpPr>
-        <p:cxnSp>
-          <p:nvCxnSpPr>
-            <p:cNvPr id="16" name="Straight Connector 15">
-              <a:extLst>
-                <a:ext uri="{FF2B5EF4-FFF2-40B4-BE49-F238E27FC236}">
-                  <a16:creationId xmlns:a16="http://schemas.microsoft.com/office/drawing/2014/main" id="{09091443-2C24-F744-9379-970425C84FB0}"/>
-                </a:ext>
-              </a:extLst>
-            </p:cNvPr>
-            <p:cNvCxnSpPr>
-              <a:cxnSpLocks/>
-            </p:cNvCxnSpPr>
-            <p:nvPr/>
-          </p:nvCxnSpPr>
-          <p:spPr>
-            <a:xfrm>
-              <a:off x="9457509" y="770709"/>
-              <a:ext cx="0" cy="3030582"/>
-            </a:xfrm>
-            <a:prstGeom prst="line">
-              <a:avLst/>
-            </a:prstGeom>
-            <a:ln/>
-          </p:spPr>
-          <p:style>
-            <a:lnRef idx="3">
-              <a:schemeClr val="accent6"/>
-            </a:lnRef>
-            <a:fillRef idx="0">
-              <a:schemeClr val="accent6"/>
-            </a:fillRef>
-            <a:effectRef idx="2">
-              <a:schemeClr val="accent6"/>
-            </a:effectRef>
-            <a:fontRef idx="minor">
-              <a:schemeClr val="tx1"/>
-            </a:fontRef>
-          </p:style>
-        </p:cxnSp>
-        <p:cxnSp>
-          <p:nvCxnSpPr>
-            <p:cNvPr id="17" name="Straight Connector 16">
-              <a:extLst>
-                <a:ext uri="{FF2B5EF4-FFF2-40B4-BE49-F238E27FC236}">
-                  <a16:creationId xmlns:a16="http://schemas.microsoft.com/office/drawing/2014/main" id="{7FC550E4-3854-8D4F-BA70-8E7E5B23D4A7}"/>
-                </a:ext>
-              </a:extLst>
-            </p:cNvPr>
-            <p:cNvCxnSpPr>
-              <a:cxnSpLocks/>
-            </p:cNvCxnSpPr>
-            <p:nvPr/>
-          </p:nvCxnSpPr>
-          <p:spPr>
-            <a:xfrm>
-              <a:off x="6334310" y="3801291"/>
-              <a:ext cx="3123198" cy="0"/>
-            </a:xfrm>
-            <a:prstGeom prst="line">
-              <a:avLst/>
-            </a:prstGeom>
-            <a:ln/>
-          </p:spPr>
-          <p:style>
-            <a:lnRef idx="3">
-              <a:schemeClr val="accent6"/>
-            </a:lnRef>
-            <a:fillRef idx="0">
-              <a:schemeClr val="accent6"/>
-            </a:fillRef>
-            <a:effectRef idx="2">
-              <a:schemeClr val="accent6"/>
-            </a:effectRef>
-            <a:fontRef idx="minor">
-              <a:schemeClr val="tx1"/>
-            </a:fontRef>
-          </p:style>
-        </p:cxnSp>
-        <p:cxnSp>
-          <p:nvCxnSpPr>
-            <p:cNvPr id="24" name="Straight Arrow Connector 23">
-              <a:extLst>
-                <a:ext uri="{FF2B5EF4-FFF2-40B4-BE49-F238E27FC236}">
-                  <a16:creationId xmlns:a16="http://schemas.microsoft.com/office/drawing/2014/main" id="{96B0BDB2-5415-0545-B7FB-916E5C55E967}"/>
-                </a:ext>
-              </a:extLst>
-            </p:cNvPr>
-            <p:cNvCxnSpPr/>
-            <p:nvPr/>
-          </p:nvCxnSpPr>
-          <p:spPr>
-            <a:xfrm flipH="1">
-              <a:off x="8825696" y="763929"/>
-              <a:ext cx="631812" cy="0"/>
-            </a:xfrm>
-            <a:prstGeom prst="straightConnector1">
-              <a:avLst/>
-            </a:prstGeom>
-            <a:ln>
-              <a:tailEnd type="triangle"/>
-            </a:ln>
-          </p:spPr>
-          <p:style>
-            <a:lnRef idx="3">
-              <a:schemeClr val="accent6"/>
-            </a:lnRef>
-            <a:fillRef idx="0">
-              <a:schemeClr val="accent6"/>
-            </a:fillRef>
-            <a:effectRef idx="2">
-              <a:schemeClr val="accent6"/>
-            </a:effectRef>
-            <a:fontRef idx="minor">
-              <a:schemeClr val="tx1"/>
-            </a:fontRef>
-          </p:style>
-        </p:cxnSp>
-        <p:cxnSp>
-          <p:nvCxnSpPr>
-            <p:cNvPr id="25" name="Straight Arrow Connector 24">
-              <a:extLst>
-                <a:ext uri="{FF2B5EF4-FFF2-40B4-BE49-F238E27FC236}">
-                  <a16:creationId xmlns:a16="http://schemas.microsoft.com/office/drawing/2014/main" id="{A0E2AFC9-33E1-6E44-BB49-F053F8D96FD7}"/>
-                </a:ext>
-              </a:extLst>
-            </p:cNvPr>
-            <p:cNvCxnSpPr>
-              <a:cxnSpLocks/>
-            </p:cNvCxnSpPr>
-            <p:nvPr/>
-          </p:nvCxnSpPr>
-          <p:spPr>
-            <a:xfrm>
-              <a:off x="6334310" y="3801291"/>
-              <a:ext cx="0" cy="296147"/>
-            </a:xfrm>
-            <a:prstGeom prst="straightConnector1">
-              <a:avLst/>
-            </a:prstGeom>
-            <a:ln>
-              <a:tailEnd type="triangle"/>
-            </a:ln>
-          </p:spPr>
-          <p:style>
-            <a:lnRef idx="3">
-              <a:schemeClr val="accent6"/>
-            </a:lnRef>
-            <a:fillRef idx="0">
-              <a:schemeClr val="accent6"/>
-            </a:fillRef>
-            <a:effectRef idx="2">
-              <a:schemeClr val="accent6"/>
-            </a:effectRef>
-            <a:fontRef idx="minor">
-              <a:schemeClr val="tx1"/>
-            </a:fontRef>
-          </p:style>
-        </p:cxnSp>
-      </p:grpSp>
-      <p:sp>
-        <p:nvSpPr>
-          <p:cNvPr id="31" name="TextBox 30">
-            <a:extLst>
-              <a:ext uri="{FF2B5EF4-FFF2-40B4-BE49-F238E27FC236}">
-                <a16:creationId xmlns:a16="http://schemas.microsoft.com/office/drawing/2014/main" id="{47DD3484-AB66-4E47-9307-3D65B3DC069C}"/>
-              </a:ext>
-            </a:extLst>
-          </p:cNvPr>
-          <p:cNvSpPr txBox="1"/>
-          <p:nvPr/>
-        </p:nvSpPr>
-        <p:spPr>
-          <a:xfrm>
-            <a:off x="9490313" y="2585474"/>
-            <a:ext cx="2238116" cy="923330"/>
-          </a:xfrm>
-          <a:prstGeom prst="rect">
-            <a:avLst/>
-          </a:prstGeom>
-          <a:noFill/>
-          <a:ln>
-            <a:noFill/>
-          </a:ln>
-        </p:spPr>
-        <p:txBody>
-          <a:bodyPr wrap="square" rtlCol="0">
-            <a:spAutoFit/>
-          </a:bodyPr>
-          <a:lstStyle/>
-          <a:p>
-            <a:r>
-              <a:rPr lang="en-US" spc="-150" dirty="0">
-                <a:solidFill>
-                  <a:srgbClr val="00B050"/>
-                </a:solidFill>
-                <a:latin typeface="Andale Mono" panose="020B0509000000000004" pitchFamily="49" charset="0"/>
-              </a:rPr>
-              <a:t>Consider ONLY when </a:t>
-            </a:r>
-            <a:r>
-              <a:rPr lang="en-US" spc="-150" dirty="0" err="1">
-                <a:solidFill>
-                  <a:srgbClr val="00B050"/>
-                </a:solidFill>
-                <a:latin typeface="Andale Mono" panose="020B0509000000000004" pitchFamily="49" charset="0"/>
-              </a:rPr>
-              <a:t>personalLoan</a:t>
-            </a:r>
-            <a:r>
-              <a:rPr lang="en-US" spc="-150" dirty="0">
-                <a:solidFill>
-                  <a:srgbClr val="00B050"/>
-                </a:solidFill>
-                <a:latin typeface="Andale Mono" panose="020B0509000000000004" pitchFamily="49" charset="0"/>
-              </a:rPr>
-              <a:t> is missing. </a:t>
-            </a:r>
-          </a:p>
-        </p:txBody>
-      </p:sp>
-    </p:spTree>
-    <p:extLst>
-      <p:ext uri="{BB962C8B-B14F-4D97-AF65-F5344CB8AC3E}">
-        <p14:creationId xmlns:p14="http://schemas.microsoft.com/office/powerpoint/2010/main" val="403047792"/>
       </p:ext>
     </p:extLst>
   </p:cSld>
@@ -9449,7 +10765,7 @@
                             </p:stCondLst>
                             <p:childTnLst>
                               <p:par>
-                                <p:cTn id="5" presetID="1" presetClass="entr" presetSubtype="0" fill="hold" grpId="0" nodeType="clickEffect">
+                                <p:cTn id="5" presetID="1" presetClass="entr" presetSubtype="0" fill="hold" nodeType="clickEffect">
                                   <p:stCondLst>
                                     <p:cond delay="0"/>
                                   </p:stCondLst>
@@ -9462,7 +10778,142 @@
                                           </p:stCondLst>
                                         </p:cTn>
                                         <p:tgtEl>
-                                          <p:spTgt spid="31"/>
+                                          <p:spTgt spid="6"/>
+                                        </p:tgtEl>
+                                        <p:attrNameLst>
+                                          <p:attrName>style.visibility</p:attrName>
+                                        </p:attrNameLst>
+                                      </p:cBhvr>
+                                      <p:to>
+                                        <p:strVal val="visible"/>
+                                      </p:to>
+                                    </p:set>
+                                  </p:childTnLst>
+                                </p:cTn>
+                              </p:par>
+                            </p:childTnLst>
+                          </p:cTn>
+                        </p:par>
+                      </p:childTnLst>
+                    </p:cTn>
+                  </p:par>
+                  <p:par>
+                    <p:cTn id="7" fill="hold">
+                      <p:stCondLst>
+                        <p:cond delay="indefinite"/>
+                      </p:stCondLst>
+                      <p:childTnLst>
+                        <p:par>
+                          <p:cTn id="8" fill="hold">
+                            <p:stCondLst>
+                              <p:cond delay="0"/>
+                            </p:stCondLst>
+                            <p:childTnLst>
+                              <p:par>
+                                <p:cTn id="9" presetID="1" presetClass="entr" presetSubtype="0" fill="hold" nodeType="clickEffect">
+                                  <p:stCondLst>
+                                    <p:cond delay="0"/>
+                                  </p:stCondLst>
+                                  <p:childTnLst>
+                                    <p:set>
+                                      <p:cBhvr>
+                                        <p:cTn id="10" dur="1" fill="hold">
+                                          <p:stCondLst>
+                                            <p:cond delay="0"/>
+                                          </p:stCondLst>
+                                        </p:cTn>
+                                        <p:tgtEl>
+                                          <p:spTgt spid="10"/>
+                                        </p:tgtEl>
+                                        <p:attrNameLst>
+                                          <p:attrName>style.visibility</p:attrName>
+                                        </p:attrNameLst>
+                                      </p:cBhvr>
+                                      <p:to>
+                                        <p:strVal val="visible"/>
+                                      </p:to>
+                                    </p:set>
+                                  </p:childTnLst>
+                                </p:cTn>
+                              </p:par>
+                            </p:childTnLst>
+                          </p:cTn>
+                        </p:par>
+                      </p:childTnLst>
+                    </p:cTn>
+                  </p:par>
+                  <p:par>
+                    <p:cTn id="11" fill="hold">
+                      <p:stCondLst>
+                        <p:cond delay="indefinite"/>
+                      </p:stCondLst>
+                      <p:childTnLst>
+                        <p:par>
+                          <p:cTn id="12" fill="hold">
+                            <p:stCondLst>
+                              <p:cond delay="0"/>
+                            </p:stCondLst>
+                            <p:childTnLst>
+                              <p:par>
+                                <p:cTn id="13" presetID="1" presetClass="entr" presetSubtype="0" fill="hold" grpId="0" nodeType="clickEffect">
+                                  <p:stCondLst>
+                                    <p:cond delay="0"/>
+                                  </p:stCondLst>
+                                  <p:childTnLst>
+                                    <p:set>
+                                      <p:cBhvr>
+                                        <p:cTn id="14" dur="1" fill="hold">
+                                          <p:stCondLst>
+                                            <p:cond delay="0"/>
+                                          </p:stCondLst>
+                                        </p:cTn>
+                                        <p:tgtEl>
+                                          <p:spTgt spid="13"/>
+                                        </p:tgtEl>
+                                        <p:attrNameLst>
+                                          <p:attrName>style.visibility</p:attrName>
+                                        </p:attrNameLst>
+                                      </p:cBhvr>
+                                      <p:to>
+                                        <p:strVal val="visible"/>
+                                      </p:to>
+                                    </p:set>
+                                  </p:childTnLst>
+                                </p:cTn>
+                              </p:par>
+                            </p:childTnLst>
+                          </p:cTn>
+                        </p:par>
+                      </p:childTnLst>
+                    </p:cTn>
+                  </p:par>
+                  <p:par>
+                    <p:cTn id="15" fill="hold">
+                      <p:stCondLst>
+                        <p:cond delay="indefinite"/>
+                      </p:stCondLst>
+                      <p:childTnLst>
+                        <p:par>
+                          <p:cTn id="16" fill="hold">
+                            <p:stCondLst>
+                              <p:cond delay="0"/>
+                            </p:stCondLst>
+                            <p:childTnLst>
+                              <p:par>
+                                <p:cTn id="17" presetID="1" presetClass="entr" presetSubtype="0" fill="hold" grpId="0" nodeType="clickEffect">
+                                  <p:stCondLst>
+                                    <p:cond delay="0"/>
+                                  </p:stCondLst>
+                                  <p:childTnLst>
+                                    <p:set>
+                                      <p:cBhvr>
+                                        <p:cTn id="18" dur="1" fill="hold">
+                                          <p:stCondLst>
+                                            <p:cond delay="0"/>
+                                          </p:stCondLst>
+                                        </p:cTn>
+                                        <p:tgtEl>
+                                          <p:spTgt spid="14"/>
                                         </p:tgtEl>
                                         <p:attrNameLst>
                                           <p:attrName>style.visibility</p:attrName>
@@ -9503,8 +10954,568 @@
       </p:par>
     </p:tnLst>
     <p:bldLst>
-      <p:bldP spid="31" grpId="0"/>
+      <p:bldP spid="13" grpId="0"/>
+      <p:bldP spid="14" grpId="0"/>
     </p:bldLst>
+  </p:timing>
+</p:sld>
+</file>
+
+<file path=ppt/slides/slide7.xml><?xml version="1.0" encoding="utf-8"?>
+<p:sld xmlns:a="http://schemas.openxmlformats.org/drawingml/2006/main" xmlns:r="http://schemas.openxmlformats.org/officeDocument/2006/relationships" xmlns:p="http://schemas.openxmlformats.org/presentationml/2006/main">
+  <p:cSld>
+    <p:spTree>
+      <p:nvGrpSpPr>
+        <p:cNvPr id="1" name=""/>
+        <p:cNvGrpSpPr/>
+        <p:nvPr/>
+      </p:nvGrpSpPr>
+      <p:grpSpPr>
+        <a:xfrm>
+          <a:off x="0" y="0"/>
+          <a:ext cx="0" cy="0"/>
+          <a:chOff x="0" y="0"/>
+          <a:chExt cx="0" cy="0"/>
+        </a:xfrm>
+      </p:grpSpPr>
+      <p:sp>
+        <p:nvSpPr>
+          <p:cNvPr id="2" name="Title 1">
+            <a:extLst>
+              <a:ext uri="{FF2B5EF4-FFF2-40B4-BE49-F238E27FC236}">
+                <a16:creationId xmlns:a16="http://schemas.microsoft.com/office/drawing/2014/main" id="{0C084886-D550-0448-A88B-9773F3BC4EE9}"/>
+              </a:ext>
+            </a:extLst>
+          </p:cNvPr>
+          <p:cNvSpPr>
+            <a:spLocks noGrp="1"/>
+          </p:cNvSpPr>
+          <p:nvPr>
+            <p:ph type="title"/>
+          </p:nvPr>
+        </p:nvSpPr>
+        <p:spPr>
+          <a:xfrm>
+            <a:off x="-53715" y="-279453"/>
+            <a:ext cx="10515600" cy="1325563"/>
+          </a:xfrm>
+        </p:spPr>
+        <p:txBody>
+          <a:bodyPr/>
+          <a:lstStyle/>
+          <a:p>
+            <a:r>
+              <a:rPr lang="en-US" dirty="0"/>
+              <a:t>V. Missing Data Analysis </a:t>
+            </a:r>
+          </a:p>
+        </p:txBody>
+      </p:sp>
+      <p:pic>
+        <p:nvPicPr>
+          <p:cNvPr id="9" name="Picture 8" descr="A picture containing graphical user interface&#10;&#10;Description automatically generated">
+            <a:extLst>
+              <a:ext uri="{FF2B5EF4-FFF2-40B4-BE49-F238E27FC236}">
+                <a16:creationId xmlns:a16="http://schemas.microsoft.com/office/drawing/2014/main" id="{D4807B6D-BA61-F84F-92D3-445FD4DE36D3}"/>
+              </a:ext>
+            </a:extLst>
+          </p:cNvPr>
+          <p:cNvPicPr>
+            <a:picLocks noChangeAspect="1"/>
+          </p:cNvPicPr>
+          <p:nvPr/>
+        </p:nvPicPr>
+        <p:blipFill rotWithShape="1">
+          <a:blip r:embed="rId2"/>
+          <a:srcRect l="1312" t="10378" r="2936"/>
+          <a:stretch/>
+        </p:blipFill>
+        <p:spPr>
+          <a:xfrm>
+            <a:off x="-1" y="1128379"/>
+            <a:ext cx="9457508" cy="5729622"/>
+          </a:xfrm>
+          <a:prstGeom prst="rect">
+            <a:avLst/>
+          </a:prstGeom>
+        </p:spPr>
+      </p:pic>
+      <p:grpSp>
+        <p:nvGrpSpPr>
+          <p:cNvPr id="4" name="Group 3">
+            <a:extLst>
+              <a:ext uri="{FF2B5EF4-FFF2-40B4-BE49-F238E27FC236}">
+                <a16:creationId xmlns:a16="http://schemas.microsoft.com/office/drawing/2014/main" id="{33D0FD65-770C-8B47-9F79-DEEF631C2135}"/>
+              </a:ext>
+            </a:extLst>
+          </p:cNvPr>
+          <p:cNvGrpSpPr/>
+          <p:nvPr/>
+        </p:nvGrpSpPr>
+        <p:grpSpPr>
+          <a:xfrm>
+            <a:off x="6334310" y="329056"/>
+            <a:ext cx="5715993" cy="3761680"/>
+            <a:chOff x="6334310" y="329056"/>
+            <a:chExt cx="5715993" cy="3761680"/>
+          </a:xfrm>
+        </p:grpSpPr>
+        <p:pic>
+          <p:nvPicPr>
+            <p:cNvPr id="13" name="Picture 12" descr="A picture containing text&#10;&#10;Description automatically generated">
+              <a:extLst>
+                <a:ext uri="{FF2B5EF4-FFF2-40B4-BE49-F238E27FC236}">
+                  <a16:creationId xmlns:a16="http://schemas.microsoft.com/office/drawing/2014/main" id="{D9C7E014-2238-B341-BB5A-A247500D48F5}"/>
+                </a:ext>
+              </a:extLst>
+            </p:cNvPr>
+            <p:cNvPicPr>
+              <a:picLocks noChangeAspect="1"/>
+            </p:cNvPicPr>
+            <p:nvPr/>
+          </p:nvPicPr>
+          <p:blipFill rotWithShape="1">
+            <a:blip r:embed="rId3"/>
+            <a:srcRect t="25740"/>
+            <a:stretch/>
+          </p:blipFill>
+          <p:spPr>
+            <a:xfrm>
+              <a:off x="7325903" y="329056"/>
+              <a:ext cx="4724400" cy="788543"/>
+            </a:xfrm>
+            <a:prstGeom prst="rect">
+              <a:avLst/>
+            </a:prstGeom>
+          </p:spPr>
+        </p:pic>
+        <p:sp>
+          <p:nvSpPr>
+            <p:cNvPr id="14" name="Rounded Rectangle 13">
+              <a:extLst>
+                <a:ext uri="{FF2B5EF4-FFF2-40B4-BE49-F238E27FC236}">
+                  <a16:creationId xmlns:a16="http://schemas.microsoft.com/office/drawing/2014/main" id="{50C2DD49-E305-D14F-8116-7270096FD580}"/>
+                </a:ext>
+              </a:extLst>
+            </p:cNvPr>
+            <p:cNvSpPr/>
+            <p:nvPr/>
+          </p:nvSpPr>
+          <p:spPr>
+            <a:xfrm>
+              <a:off x="7325903" y="339298"/>
+              <a:ext cx="1449797" cy="778301"/>
+            </a:xfrm>
+            <a:prstGeom prst="roundRect">
+              <a:avLst/>
+            </a:prstGeom>
+            <a:noFill/>
+            <a:ln w="28575">
+              <a:solidFill>
+                <a:srgbClr val="00B050"/>
+              </a:solidFill>
+              <a:prstDash val="sysDot"/>
+            </a:ln>
+          </p:spPr>
+          <p:style>
+            <a:lnRef idx="2">
+              <a:schemeClr val="accent1">
+                <a:shade val="50000"/>
+              </a:schemeClr>
+            </a:lnRef>
+            <a:fillRef idx="1">
+              <a:schemeClr val="accent1"/>
+            </a:fillRef>
+            <a:effectRef idx="0">
+              <a:schemeClr val="accent1"/>
+            </a:effectRef>
+            <a:fontRef idx="minor">
+              <a:schemeClr val="lt1"/>
+            </a:fontRef>
+          </p:style>
+          <p:txBody>
+            <a:bodyPr rtlCol="0" anchor="ctr"/>
+            <a:lstStyle/>
+            <a:p>
+              <a:pPr algn="ctr"/>
+              <a:endParaRPr lang="en-US">
+                <a:solidFill>
+                  <a:srgbClr val="00B050"/>
+                </a:solidFill>
+              </a:endParaRPr>
+            </a:p>
+          </p:txBody>
+        </p:sp>
+        <p:grpSp>
+          <p:nvGrpSpPr>
+            <p:cNvPr id="30" name="Group 29">
+              <a:extLst>
+                <a:ext uri="{FF2B5EF4-FFF2-40B4-BE49-F238E27FC236}">
+                  <a16:creationId xmlns:a16="http://schemas.microsoft.com/office/drawing/2014/main" id="{1C1E35C0-4F04-F943-B9F8-D75D975E1C12}"/>
+                </a:ext>
+              </a:extLst>
+            </p:cNvPr>
+            <p:cNvGrpSpPr/>
+            <p:nvPr/>
+          </p:nvGrpSpPr>
+          <p:grpSpPr>
+            <a:xfrm>
+              <a:off x="6334310" y="929827"/>
+              <a:ext cx="3123199" cy="3160909"/>
+              <a:chOff x="6334310" y="763929"/>
+              <a:chExt cx="3123199" cy="3333509"/>
+            </a:xfrm>
+          </p:grpSpPr>
+          <p:cxnSp>
+            <p:nvCxnSpPr>
+              <p:cNvPr id="16" name="Straight Connector 15">
+                <a:extLst>
+                  <a:ext uri="{FF2B5EF4-FFF2-40B4-BE49-F238E27FC236}">
+                    <a16:creationId xmlns:a16="http://schemas.microsoft.com/office/drawing/2014/main" id="{09091443-2C24-F744-9379-970425C84FB0}"/>
+                  </a:ext>
+                </a:extLst>
+              </p:cNvPr>
+              <p:cNvCxnSpPr>
+                <a:cxnSpLocks/>
+              </p:cNvCxnSpPr>
+              <p:nvPr/>
+            </p:nvCxnSpPr>
+            <p:spPr>
+              <a:xfrm>
+                <a:off x="9457509" y="770709"/>
+                <a:ext cx="0" cy="3030582"/>
+              </a:xfrm>
+              <a:prstGeom prst="line">
+                <a:avLst/>
+              </a:prstGeom>
+              <a:ln/>
+            </p:spPr>
+            <p:style>
+              <a:lnRef idx="3">
+                <a:schemeClr val="accent6"/>
+              </a:lnRef>
+              <a:fillRef idx="0">
+                <a:schemeClr val="accent6"/>
+              </a:fillRef>
+              <a:effectRef idx="2">
+                <a:schemeClr val="accent6"/>
+              </a:effectRef>
+              <a:fontRef idx="minor">
+                <a:schemeClr val="tx1"/>
+              </a:fontRef>
+            </p:style>
+          </p:cxnSp>
+          <p:cxnSp>
+            <p:nvCxnSpPr>
+              <p:cNvPr id="17" name="Straight Connector 16">
+                <a:extLst>
+                  <a:ext uri="{FF2B5EF4-FFF2-40B4-BE49-F238E27FC236}">
+                    <a16:creationId xmlns:a16="http://schemas.microsoft.com/office/drawing/2014/main" id="{7FC550E4-3854-8D4F-BA70-8E7E5B23D4A7}"/>
+                  </a:ext>
+                </a:extLst>
+              </p:cNvPr>
+              <p:cNvCxnSpPr>
+                <a:cxnSpLocks/>
+              </p:cNvCxnSpPr>
+              <p:nvPr/>
+            </p:nvCxnSpPr>
+            <p:spPr>
+              <a:xfrm>
+                <a:off x="6334310" y="3801291"/>
+                <a:ext cx="3123198" cy="0"/>
+              </a:xfrm>
+              <a:prstGeom prst="line">
+                <a:avLst/>
+              </a:prstGeom>
+              <a:ln/>
+            </p:spPr>
+            <p:style>
+              <a:lnRef idx="3">
+                <a:schemeClr val="accent6"/>
+              </a:lnRef>
+              <a:fillRef idx="0">
+                <a:schemeClr val="accent6"/>
+              </a:fillRef>
+              <a:effectRef idx="2">
+                <a:schemeClr val="accent6"/>
+              </a:effectRef>
+              <a:fontRef idx="minor">
+                <a:schemeClr val="tx1"/>
+              </a:fontRef>
+            </p:style>
+          </p:cxnSp>
+          <p:cxnSp>
+            <p:nvCxnSpPr>
+              <p:cNvPr id="24" name="Straight Arrow Connector 23">
+                <a:extLst>
+                  <a:ext uri="{FF2B5EF4-FFF2-40B4-BE49-F238E27FC236}">
+                    <a16:creationId xmlns:a16="http://schemas.microsoft.com/office/drawing/2014/main" id="{96B0BDB2-5415-0545-B7FB-916E5C55E967}"/>
+                  </a:ext>
+                </a:extLst>
+              </p:cNvPr>
+              <p:cNvCxnSpPr/>
+              <p:nvPr/>
+            </p:nvCxnSpPr>
+            <p:spPr>
+              <a:xfrm flipH="1">
+                <a:off x="8825696" y="763929"/>
+                <a:ext cx="631812" cy="0"/>
+              </a:xfrm>
+              <a:prstGeom prst="straightConnector1">
+                <a:avLst/>
+              </a:prstGeom>
+              <a:ln>
+                <a:tailEnd type="triangle"/>
+              </a:ln>
+            </p:spPr>
+            <p:style>
+              <a:lnRef idx="3">
+                <a:schemeClr val="accent6"/>
+              </a:lnRef>
+              <a:fillRef idx="0">
+                <a:schemeClr val="accent6"/>
+              </a:fillRef>
+              <a:effectRef idx="2">
+                <a:schemeClr val="accent6"/>
+              </a:effectRef>
+              <a:fontRef idx="minor">
+                <a:schemeClr val="tx1"/>
+              </a:fontRef>
+            </p:style>
+          </p:cxnSp>
+          <p:cxnSp>
+            <p:nvCxnSpPr>
+              <p:cNvPr id="25" name="Straight Arrow Connector 24">
+                <a:extLst>
+                  <a:ext uri="{FF2B5EF4-FFF2-40B4-BE49-F238E27FC236}">
+                    <a16:creationId xmlns:a16="http://schemas.microsoft.com/office/drawing/2014/main" id="{A0E2AFC9-33E1-6E44-BB49-F053F8D96FD7}"/>
+                  </a:ext>
+                </a:extLst>
+              </p:cNvPr>
+              <p:cNvCxnSpPr>
+                <a:cxnSpLocks/>
+              </p:cNvCxnSpPr>
+              <p:nvPr/>
+            </p:nvCxnSpPr>
+            <p:spPr>
+              <a:xfrm>
+                <a:off x="6334310" y="3801291"/>
+                <a:ext cx="0" cy="296147"/>
+              </a:xfrm>
+              <a:prstGeom prst="straightConnector1">
+                <a:avLst/>
+              </a:prstGeom>
+              <a:ln>
+                <a:tailEnd type="triangle"/>
+              </a:ln>
+            </p:spPr>
+            <p:style>
+              <a:lnRef idx="3">
+                <a:schemeClr val="accent6"/>
+              </a:lnRef>
+              <a:fillRef idx="0">
+                <a:schemeClr val="accent6"/>
+              </a:fillRef>
+              <a:effectRef idx="2">
+                <a:schemeClr val="accent6"/>
+              </a:effectRef>
+              <a:fontRef idx="minor">
+                <a:schemeClr val="tx1"/>
+              </a:fontRef>
+            </p:style>
+          </p:cxnSp>
+        </p:grpSp>
+        <p:sp>
+          <p:nvSpPr>
+            <p:cNvPr id="31" name="TextBox 30">
+              <a:extLst>
+                <a:ext uri="{FF2B5EF4-FFF2-40B4-BE49-F238E27FC236}">
+                  <a16:creationId xmlns:a16="http://schemas.microsoft.com/office/drawing/2014/main" id="{47DD3484-AB66-4E47-9307-3D65B3DC069C}"/>
+                </a:ext>
+              </a:extLst>
+            </p:cNvPr>
+            <p:cNvSpPr txBox="1"/>
+            <p:nvPr/>
+          </p:nvSpPr>
+          <p:spPr>
+            <a:xfrm>
+              <a:off x="9490313" y="2585474"/>
+              <a:ext cx="2238116" cy="923330"/>
+            </a:xfrm>
+            <a:prstGeom prst="rect">
+              <a:avLst/>
+            </a:prstGeom>
+            <a:noFill/>
+            <a:ln>
+              <a:noFill/>
+            </a:ln>
+          </p:spPr>
+          <p:txBody>
+            <a:bodyPr wrap="square" rtlCol="0">
+              <a:spAutoFit/>
+            </a:bodyPr>
+            <a:lstStyle/>
+            <a:p>
+              <a:r>
+                <a:rPr lang="en-US" spc="-150" dirty="0">
+                  <a:solidFill>
+                    <a:srgbClr val="00B050"/>
+                  </a:solidFill>
+                  <a:latin typeface="Andale Mono" panose="020B0509000000000004" pitchFamily="49" charset="0"/>
+                </a:rPr>
+                <a:t>Consider ONLY when </a:t>
+              </a:r>
+              <a:r>
+                <a:rPr lang="en-US" spc="-150" dirty="0" err="1">
+                  <a:solidFill>
+                    <a:srgbClr val="00B050"/>
+                  </a:solidFill>
+                  <a:latin typeface="Andale Mono" panose="020B0509000000000004" pitchFamily="49" charset="0"/>
+                </a:rPr>
+                <a:t>personalLoan</a:t>
+              </a:r>
+              <a:r>
+                <a:rPr lang="en-US" spc="-150" dirty="0">
+                  <a:solidFill>
+                    <a:srgbClr val="00B050"/>
+                  </a:solidFill>
+                  <a:latin typeface="Andale Mono" panose="020B0509000000000004" pitchFamily="49" charset="0"/>
+                </a:rPr>
+                <a:t> is missing. </a:t>
+              </a:r>
+            </a:p>
+          </p:txBody>
+        </p:sp>
+      </p:grpSp>
+    </p:spTree>
+    <p:extLst>
+      <p:ext uri="{BB962C8B-B14F-4D97-AF65-F5344CB8AC3E}">
+        <p14:creationId xmlns:p14="http://schemas.microsoft.com/office/powerpoint/2010/main" val="403047792"/>
+      </p:ext>
+    </p:extLst>
+  </p:cSld>
+  <p:clrMapOvr>
+    <a:masterClrMapping/>
+  </p:clrMapOvr>
+  <p:timing>
+    <p:tnLst>
+      <p:par>
+        <p:cTn id="1" dur="indefinite" restart="never" nodeType="tmRoot">
+          <p:childTnLst>
+            <p:seq concurrent="1" nextAc="seek">
+              <p:cTn id="2" dur="indefinite" nodeType="mainSeq">
+                <p:childTnLst>
+                  <p:par>
+                    <p:cTn id="3" fill="hold">
+                      <p:stCondLst>
+                        <p:cond delay="indefinite"/>
+                      </p:stCondLst>
+                      <p:childTnLst>
+                        <p:par>
+                          <p:cTn id="4" fill="hold">
+                            <p:stCondLst>
+                              <p:cond delay="0"/>
+                            </p:stCondLst>
+                            <p:childTnLst>
+                              <p:par>
+                                <p:cTn id="5" presetID="1" presetClass="entr" presetSubtype="0" fill="hold" nodeType="clickEffect">
+                                  <p:stCondLst>
+                                    <p:cond delay="0"/>
+                                  </p:stCondLst>
+                                  <p:childTnLst>
+                                    <p:set>
+                                      <p:cBhvr>
+                                        <p:cTn id="6" dur="1" fill="hold">
+                                          <p:stCondLst>
+                                            <p:cond delay="0"/>
+                                          </p:stCondLst>
+                                        </p:cTn>
+                                        <p:tgtEl>
+                                          <p:spTgt spid="9"/>
+                                        </p:tgtEl>
+                                        <p:attrNameLst>
+                                          <p:attrName>style.visibility</p:attrName>
+                                        </p:attrNameLst>
+                                      </p:cBhvr>
+                                      <p:to>
+                                        <p:strVal val="visible"/>
+                                      </p:to>
+                                    </p:set>
+                                  </p:childTnLst>
+                                </p:cTn>
+                              </p:par>
+                            </p:childTnLst>
+                          </p:cTn>
+                        </p:par>
+                      </p:childTnLst>
+                    </p:cTn>
+                  </p:par>
+                  <p:par>
+                    <p:cTn id="7" fill="hold">
+                      <p:stCondLst>
+                        <p:cond delay="indefinite"/>
+                      </p:stCondLst>
+                      <p:childTnLst>
+                        <p:par>
+                          <p:cTn id="8" fill="hold">
+                            <p:stCondLst>
+                              <p:cond delay="0"/>
+                            </p:stCondLst>
+                            <p:childTnLst>
+                              <p:par>
+                                <p:cTn id="9" presetID="1" presetClass="entr" presetSubtype="0" fill="hold" nodeType="clickEffect">
+                                  <p:stCondLst>
+                                    <p:cond delay="0"/>
+                                  </p:stCondLst>
+                                  <p:childTnLst>
+                                    <p:set>
+                                      <p:cBhvr>
+                                        <p:cTn id="10" dur="1" fill="hold">
+                                          <p:stCondLst>
+                                            <p:cond delay="0"/>
+                                          </p:stCondLst>
+                                        </p:cTn>
+                                        <p:tgtEl>
+                                          <p:spTgt spid="4"/>
+                                        </p:tgtEl>
+                                        <p:attrNameLst>
+                                          <p:attrName>style.visibility</p:attrName>
+                                        </p:attrNameLst>
+                                      </p:cBhvr>
+                                      <p:to>
+                                        <p:strVal val="visible"/>
+                                      </p:to>
+                                    </p:set>
+                                  </p:childTnLst>
+                                </p:cTn>
+                              </p:par>
+                            </p:childTnLst>
+                          </p:cTn>
+                        </p:par>
+                      </p:childTnLst>
+                    </p:cTn>
+                  </p:par>
+                </p:childTnLst>
+              </p:cTn>
+              <p:prevCondLst>
+                <p:cond evt="onPrev" delay="0">
+                  <p:tgtEl>
+                    <p:sldTgt/>
+                  </p:tgtEl>
+                </p:cond>
+              </p:prevCondLst>
+              <p:nextCondLst>
+                <p:cond evt="onNext" delay="0">
+                  <p:tgtEl>
+                    <p:sldTgt/>
+                  </p:tgtEl>
+                </p:cond>
+              </p:nextCondLst>
+            </p:seq>
+          </p:childTnLst>
+        </p:cTn>
+      </p:par>
+    </p:tnLst>
   </p:timing>
 </p:sld>
 </file>
@@ -9853,6 +11864,145 @@
   <p:clrMapOvr>
     <a:masterClrMapping/>
   </p:clrMapOvr>
+</p:sld>
+</file>
+
+<file path=ppt/slides/slide9.xml><?xml version="1.0" encoding="utf-8"?>
+<p:sld xmlns:a="http://schemas.openxmlformats.org/drawingml/2006/main" xmlns:r="http://schemas.openxmlformats.org/officeDocument/2006/relationships" xmlns:p="http://schemas.openxmlformats.org/presentationml/2006/main">
+  <p:cSld>
+    <p:spTree>
+      <p:nvGrpSpPr>
+        <p:cNvPr id="1" name=""/>
+        <p:cNvGrpSpPr/>
+        <p:nvPr/>
+      </p:nvGrpSpPr>
+      <p:grpSpPr>
+        <a:xfrm>
+          <a:off x="0" y="0"/>
+          <a:ext cx="0" cy="0"/>
+          <a:chOff x="0" y="0"/>
+          <a:chExt cx="0" cy="0"/>
+        </a:xfrm>
+      </p:grpSpPr>
+      <p:pic>
+        <p:nvPicPr>
+          <p:cNvPr id="8" name="Picture 7" descr="Table&#10;&#10;Description automatically generated">
+            <a:extLst>
+              <a:ext uri="{FF2B5EF4-FFF2-40B4-BE49-F238E27FC236}">
+                <a16:creationId xmlns:a16="http://schemas.microsoft.com/office/drawing/2014/main" id="{FA157BA0-5970-6B45-A539-863C33F14A88}"/>
+              </a:ext>
+            </a:extLst>
+          </p:cNvPr>
+          <p:cNvPicPr>
+            <a:picLocks noChangeAspect="1"/>
+          </p:cNvPicPr>
+          <p:nvPr/>
+        </p:nvPicPr>
+        <p:blipFill rotWithShape="1">
+          <a:blip r:embed="rId2">
+            <a:alphaModFix amt="70000"/>
+          </a:blip>
+          <a:srcRect t="15021" b="7969"/>
+          <a:stretch/>
+        </p:blipFill>
+        <p:spPr>
+          <a:xfrm>
+            <a:off x="0" y="2143593"/>
+            <a:ext cx="12192000" cy="2360951"/>
+          </a:xfrm>
+          <a:prstGeom prst="rect">
+            <a:avLst/>
+          </a:prstGeom>
+        </p:spPr>
+      </p:pic>
+      <p:sp>
+        <p:nvSpPr>
+          <p:cNvPr id="7" name="TextBox 6">
+            <a:extLst>
+              <a:ext uri="{FF2B5EF4-FFF2-40B4-BE49-F238E27FC236}">
+                <a16:creationId xmlns:a16="http://schemas.microsoft.com/office/drawing/2014/main" id="{B13F910E-9D1A-A14F-844C-1E89668832B6}"/>
+              </a:ext>
+            </a:extLst>
+          </p:cNvPr>
+          <p:cNvSpPr txBox="1"/>
+          <p:nvPr/>
+        </p:nvSpPr>
+        <p:spPr>
+          <a:xfrm>
+            <a:off x="3133153" y="2726310"/>
+            <a:ext cx="4059573" cy="769441"/>
+          </a:xfrm>
+          <a:prstGeom prst="rect">
+            <a:avLst/>
+          </a:prstGeom>
+          <a:noFill/>
+        </p:spPr>
+        <p:txBody>
+          <a:bodyPr wrap="none" rtlCol="0">
+            <a:spAutoFit/>
+          </a:bodyPr>
+          <a:lstStyle/>
+          <a:p>
+            <a:r>
+              <a:rPr lang="en-US" sz="4400" dirty="0">
+                <a:solidFill>
+                  <a:srgbClr val="FF0000"/>
+                </a:solidFill>
+              </a:rPr>
+              <a:t>2.5% == 877 obs.</a:t>
+            </a:r>
+          </a:p>
+        </p:txBody>
+      </p:sp>
+      <p:sp>
+        <p:nvSpPr>
+          <p:cNvPr id="9" name="TextBox 8">
+            <a:extLst>
+              <a:ext uri="{FF2B5EF4-FFF2-40B4-BE49-F238E27FC236}">
+                <a16:creationId xmlns:a16="http://schemas.microsoft.com/office/drawing/2014/main" id="{6ECBE8EE-FC84-8D44-86AB-5A1C08D704E1}"/>
+              </a:ext>
+            </a:extLst>
+          </p:cNvPr>
+          <p:cNvSpPr txBox="1"/>
+          <p:nvPr/>
+        </p:nvSpPr>
+        <p:spPr>
+          <a:xfrm>
+            <a:off x="112426" y="6088559"/>
+            <a:ext cx="2695418" cy="769441"/>
+          </a:xfrm>
+          <a:prstGeom prst="rect">
+            <a:avLst/>
+          </a:prstGeom>
+          <a:noFill/>
+        </p:spPr>
+        <p:txBody>
+          <a:bodyPr wrap="none" rtlCol="0">
+            <a:spAutoFit/>
+          </a:bodyPr>
+          <a:lstStyle/>
+          <a:p>
+            <a:r>
+              <a:rPr lang="en-US" sz="4400" dirty="0">
+                <a:solidFill>
+                  <a:srgbClr val="00B0F0"/>
+                </a:solidFill>
+              </a:rPr>
+              <a:t>34495 obs.</a:t>
+            </a:r>
+          </a:p>
+        </p:txBody>
+      </p:sp>
+    </p:spTree>
+    <p:extLst>
+      <p:ext uri="{BB962C8B-B14F-4D97-AF65-F5344CB8AC3E}">
+        <p14:creationId xmlns:p14="http://schemas.microsoft.com/office/powerpoint/2010/main" val="85409482"/>
+      </p:ext>
+    </p:extLst>
+  </p:cSld>
+  <p:clrMapOvr>
+    <a:masterClrMapping/>
+  </p:clrMapOvr>
   <p:timing>
     <p:tnLst>
       <p:par>
@@ -9887,7 +12037,7 @@
                                           </p:stCondLst>
                                         </p:cTn>
                                         <p:tgtEl>
-                                          <p:spTgt spid="18"/>
+                                          <p:spTgt spid="9"/>
                                         </p:tgtEl>
                                         <p:attrNameLst>
                                           <p:attrName>style.visibility</p:attrName>
@@ -9928,148 +12078,9 @@
       </p:par>
     </p:tnLst>
     <p:bldLst>
-      <p:bldP spid="18" grpId="0"/>
+      <p:bldP spid="9" grpId="0"/>
     </p:bldLst>
   </p:timing>
-</p:sld>
-</file>
-
-<file path=ppt/slides/slide9.xml><?xml version="1.0" encoding="utf-8"?>
-<p:sld xmlns:a="http://schemas.openxmlformats.org/drawingml/2006/main" xmlns:r="http://schemas.openxmlformats.org/officeDocument/2006/relationships" xmlns:p="http://schemas.openxmlformats.org/presentationml/2006/main">
-  <p:cSld>
-    <p:spTree>
-      <p:nvGrpSpPr>
-        <p:cNvPr id="1" name=""/>
-        <p:cNvGrpSpPr/>
-        <p:nvPr/>
-      </p:nvGrpSpPr>
-      <p:grpSpPr>
-        <a:xfrm>
-          <a:off x="0" y="0"/>
-          <a:ext cx="0" cy="0"/>
-          <a:chOff x="0" y="0"/>
-          <a:chExt cx="0" cy="0"/>
-        </a:xfrm>
-      </p:grpSpPr>
-      <p:pic>
-        <p:nvPicPr>
-          <p:cNvPr id="8" name="Picture 7" descr="Table&#10;&#10;Description automatically generated">
-            <a:extLst>
-              <a:ext uri="{FF2B5EF4-FFF2-40B4-BE49-F238E27FC236}">
-                <a16:creationId xmlns:a16="http://schemas.microsoft.com/office/drawing/2014/main" id="{FA157BA0-5970-6B45-A539-863C33F14A88}"/>
-              </a:ext>
-            </a:extLst>
-          </p:cNvPr>
-          <p:cNvPicPr>
-            <a:picLocks noChangeAspect="1"/>
-          </p:cNvPicPr>
-          <p:nvPr/>
-        </p:nvPicPr>
-        <p:blipFill rotWithShape="1">
-          <a:blip r:embed="rId2">
-            <a:alphaModFix amt="70000"/>
-          </a:blip>
-          <a:srcRect t="15021" b="7969"/>
-          <a:stretch/>
-        </p:blipFill>
-        <p:spPr>
-          <a:xfrm>
-            <a:off x="0" y="2143593"/>
-            <a:ext cx="12192000" cy="2360951"/>
-          </a:xfrm>
-          <a:prstGeom prst="rect">
-            <a:avLst/>
-          </a:prstGeom>
-        </p:spPr>
-      </p:pic>
-      <p:sp>
-        <p:nvSpPr>
-          <p:cNvPr id="7" name="TextBox 6">
-            <a:extLst>
-              <a:ext uri="{FF2B5EF4-FFF2-40B4-BE49-F238E27FC236}">
-                <a16:creationId xmlns:a16="http://schemas.microsoft.com/office/drawing/2014/main" id="{B13F910E-9D1A-A14F-844C-1E89668832B6}"/>
-              </a:ext>
-            </a:extLst>
-          </p:cNvPr>
-          <p:cNvSpPr txBox="1"/>
-          <p:nvPr/>
-        </p:nvSpPr>
-        <p:spPr>
-          <a:xfrm>
-            <a:off x="3133153" y="2726310"/>
-            <a:ext cx="4059573" cy="769441"/>
-          </a:xfrm>
-          <a:prstGeom prst="rect">
-            <a:avLst/>
-          </a:prstGeom>
-          <a:noFill/>
-        </p:spPr>
-        <p:txBody>
-          <a:bodyPr wrap="none" rtlCol="0">
-            <a:spAutoFit/>
-          </a:bodyPr>
-          <a:lstStyle/>
-          <a:p>
-            <a:r>
-              <a:rPr lang="en-US" sz="4400" dirty="0">
-                <a:solidFill>
-                  <a:srgbClr val="FF0000"/>
-                </a:solidFill>
-              </a:rPr>
-              <a:t>2.5% == 877 obs.</a:t>
-            </a:r>
-          </a:p>
-        </p:txBody>
-      </p:sp>
-      <p:sp>
-        <p:nvSpPr>
-          <p:cNvPr id="9" name="TextBox 8">
-            <a:extLst>
-              <a:ext uri="{FF2B5EF4-FFF2-40B4-BE49-F238E27FC236}">
-                <a16:creationId xmlns:a16="http://schemas.microsoft.com/office/drawing/2014/main" id="{6ECBE8EE-FC84-8D44-86AB-5A1C08D704E1}"/>
-              </a:ext>
-            </a:extLst>
-          </p:cNvPr>
-          <p:cNvSpPr txBox="1"/>
-          <p:nvPr/>
-        </p:nvSpPr>
-        <p:spPr>
-          <a:xfrm>
-            <a:off x="112426" y="6088559"/>
-            <a:ext cx="2695418" cy="769441"/>
-          </a:xfrm>
-          <a:prstGeom prst="rect">
-            <a:avLst/>
-          </a:prstGeom>
-          <a:noFill/>
-        </p:spPr>
-        <p:txBody>
-          <a:bodyPr wrap="none" rtlCol="0">
-            <a:spAutoFit/>
-          </a:bodyPr>
-          <a:lstStyle/>
-          <a:p>
-            <a:r>
-              <a:rPr lang="en-US" sz="4400" dirty="0">
-                <a:solidFill>
-                  <a:srgbClr val="00B0F0"/>
-                </a:solidFill>
-              </a:rPr>
-              <a:t>34495 obs.</a:t>
-            </a:r>
-          </a:p>
-        </p:txBody>
-      </p:sp>
-    </p:spTree>
-    <p:extLst>
-      <p:ext uri="{BB962C8B-B14F-4D97-AF65-F5344CB8AC3E}">
-        <p14:creationId xmlns:p14="http://schemas.microsoft.com/office/powerpoint/2010/main" val="85409482"/>
-      </p:ext>
-    </p:extLst>
-  </p:cSld>
-  <p:clrMapOvr>
-    <a:masterClrMapping/>
-  </p:clrMapOvr>
 </p:sld>
 </file>
 
